--- a/PLPTH813Bioinformatis/2023/lectures/lecture05_NGS_tools.pptx
+++ b/PLPTH813Bioinformatis/2023/lectures/lecture05_NGS_tools.pptx
@@ -5,41 +5,42 @@
     <p:sldMasterId id="2147483648" r:id="rId1"/>
   </p:sldMasterIdLst>
   <p:notesMasterIdLst>
-    <p:notesMasterId r:id="rId34"/>
+    <p:notesMasterId r:id="rId35"/>
   </p:notesMasterIdLst>
   <p:sldIdLst>
     <p:sldId id="256" r:id="rId2"/>
     <p:sldId id="257" r:id="rId3"/>
     <p:sldId id="301" r:id="rId4"/>
     <p:sldId id="310" r:id="rId5"/>
-    <p:sldId id="315" r:id="rId6"/>
-    <p:sldId id="311" r:id="rId7"/>
-    <p:sldId id="312" r:id="rId8"/>
-    <p:sldId id="313" r:id="rId9"/>
-    <p:sldId id="309" r:id="rId10"/>
-    <p:sldId id="259" r:id="rId11"/>
-    <p:sldId id="302" r:id="rId12"/>
-    <p:sldId id="264" r:id="rId13"/>
-    <p:sldId id="314" r:id="rId14"/>
-    <p:sldId id="295" r:id="rId15"/>
-    <p:sldId id="260" r:id="rId16"/>
-    <p:sldId id="296" r:id="rId17"/>
-    <p:sldId id="297" r:id="rId18"/>
-    <p:sldId id="304" r:id="rId19"/>
-    <p:sldId id="265" r:id="rId20"/>
-    <p:sldId id="298" r:id="rId21"/>
-    <p:sldId id="267" r:id="rId22"/>
-    <p:sldId id="292" r:id="rId23"/>
-    <p:sldId id="286" r:id="rId24"/>
-    <p:sldId id="288" r:id="rId25"/>
-    <p:sldId id="287" r:id="rId26"/>
-    <p:sldId id="289" r:id="rId27"/>
-    <p:sldId id="307" r:id="rId28"/>
-    <p:sldId id="308" r:id="rId29"/>
-    <p:sldId id="269" r:id="rId30"/>
-    <p:sldId id="291" r:id="rId31"/>
+    <p:sldId id="318" r:id="rId6"/>
+    <p:sldId id="315" r:id="rId7"/>
+    <p:sldId id="311" r:id="rId8"/>
+    <p:sldId id="319" r:id="rId9"/>
+    <p:sldId id="312" r:id="rId10"/>
+    <p:sldId id="313" r:id="rId11"/>
+    <p:sldId id="259" r:id="rId12"/>
+    <p:sldId id="302" r:id="rId13"/>
+    <p:sldId id="264" r:id="rId14"/>
+    <p:sldId id="314" r:id="rId15"/>
+    <p:sldId id="295" r:id="rId16"/>
+    <p:sldId id="260" r:id="rId17"/>
+    <p:sldId id="296" r:id="rId18"/>
+    <p:sldId id="297" r:id="rId19"/>
+    <p:sldId id="304" r:id="rId20"/>
+    <p:sldId id="265" r:id="rId21"/>
+    <p:sldId id="298" r:id="rId22"/>
+    <p:sldId id="267" r:id="rId23"/>
+    <p:sldId id="292" r:id="rId24"/>
+    <p:sldId id="286" r:id="rId25"/>
+    <p:sldId id="288" r:id="rId26"/>
+    <p:sldId id="287" r:id="rId27"/>
+    <p:sldId id="289" r:id="rId28"/>
+    <p:sldId id="307" r:id="rId29"/>
+    <p:sldId id="308" r:id="rId30"/>
+    <p:sldId id="269" r:id="rId31"/>
     <p:sldId id="271" r:id="rId32"/>
     <p:sldId id="316" r:id="rId33"/>
+    <p:sldId id="320" r:id="rId34"/>
   </p:sldIdLst>
   <p:sldSz cx="9144000" cy="6858000" type="screen4x3"/>
   <p:notesSz cx="6858000" cy="9144000"/>
@@ -239,7 +240,7 @@
           <a:p>
             <a:fld id="{601E805C-8AC0-334D-83C8-85F5BFB0EC75}" type="datetimeFigureOut">
               <a:rPr lang="en-US" smtClean="0"/>
-              <a:t>2/14/21</a:t>
+              <a:t>2/6/23</a:t>
             </a:fld>
             <a:endParaRPr lang="en-US"/>
           </a:p>
@@ -550,7 +551,74 @@
           <a:bodyPr/>
           <a:lstStyle/>
           <a:p>
-            <a:endParaRPr lang="en-US" dirty="0"/>
+            <a:r>
+              <a:rPr lang="en-US" dirty="0" err="1"/>
+              <a:t>quality_scores</a:t>
+            </a:r>
+            <a:r>
+              <a:rPr lang="en-US" dirty="0"/>
+              <a:t> &lt;- c(28, 30, 33, 34, 33, 35, 38, 37, 36, 35, 38, 35, 36, 36, 30)</a:t>
+            </a:r>
+          </a:p>
+          <a:p>
+            <a:r>
+              <a:rPr lang="en-US" dirty="0" err="1"/>
+              <a:t>sanger_format</a:t>
+            </a:r>
+            <a:r>
+              <a:rPr lang="en-US" dirty="0"/>
+              <a:t> &lt;- </a:t>
+            </a:r>
+            <a:r>
+              <a:rPr lang="en-US" dirty="0" err="1"/>
+              <a:t>sprintf</a:t>
+            </a:r>
+            <a:r>
+              <a:rPr lang="en-US" dirty="0"/>
+              <a:t>("%X", </a:t>
+            </a:r>
+            <a:r>
+              <a:rPr lang="en-US" dirty="0" err="1"/>
+              <a:t>quality_scores</a:t>
+            </a:r>
+            <a:r>
+              <a:rPr lang="en-US" dirty="0"/>
+              <a:t> + 33)</a:t>
+            </a:r>
+          </a:p>
+          <a:p>
+            <a:r>
+              <a:rPr lang="en-US" dirty="0" err="1"/>
+              <a:t>rawToChar</a:t>
+            </a:r>
+            <a:r>
+              <a:rPr lang="en-US" dirty="0"/>
+              <a:t>(</a:t>
+            </a:r>
+            <a:r>
+              <a:rPr lang="en-US" dirty="0" err="1"/>
+              <a:t>as.raw</a:t>
+            </a:r>
+            <a:r>
+              <a:rPr lang="en-US" dirty="0"/>
+              <a:t>(</a:t>
+            </a:r>
+            <a:r>
+              <a:rPr lang="en-US" dirty="0" err="1"/>
+              <a:t>as.hexmode</a:t>
+            </a:r>
+            <a:r>
+              <a:rPr lang="en-US" dirty="0"/>
+              <a:t>(</a:t>
+            </a:r>
+            <a:r>
+              <a:rPr lang="en-US" dirty="0" err="1"/>
+              <a:t>sanger_format</a:t>
+            </a:r>
+            <a:r>
+              <a:rPr lang="en-US" dirty="0"/>
+              <a:t>)))</a:t>
+            </a:r>
           </a:p>
         </p:txBody>
       </p:sp>
@@ -561,7 +629,7 @@
             <a:spLocks noGrp="1"/>
           </p:cNvSpPr>
           <p:nvPr>
-            <p:ph type="sldNum" sz="quarter" idx="10"/>
+            <p:ph type="sldNum" sz="quarter" idx="5"/>
           </p:nvPr>
         </p:nvSpPr>
         <p:spPr/>
@@ -571,7 +639,7 @@
           <a:p>
             <a:fld id="{E69F78AA-F5C2-CD42-BB98-2E473D3C3ED6}" type="slidenum">
               <a:rPr lang="en-US" smtClean="0"/>
-              <a:t>14</a:t>
+              <a:t>4</a:t>
             </a:fld>
             <a:endParaRPr lang="en-US"/>
           </a:p>
@@ -580,7 +648,91 @@
     </p:spTree>
     <p:extLst>
       <p:ext uri="{BB962C8B-B14F-4D97-AF65-F5344CB8AC3E}">
-        <p14:creationId xmlns:p14="http://schemas.microsoft.com/office/powerpoint/2010/main" val="928810811"/>
+        <p14:creationId xmlns:p14="http://schemas.microsoft.com/office/powerpoint/2010/main" val="3285879282"/>
+      </p:ext>
+    </p:extLst>
+  </p:cSld>
+  <p:clrMapOvr>
+    <a:masterClrMapping/>
+  </p:clrMapOvr>
+</p:notes>
+</file>
+
+<file path=ppt/notesSlides/notesSlide10.xml><?xml version="1.0" encoding="utf-8"?>
+<p:notes xmlns:a="http://schemas.openxmlformats.org/drawingml/2006/main" xmlns:r="http://schemas.openxmlformats.org/officeDocument/2006/relationships" xmlns:p="http://schemas.openxmlformats.org/presentationml/2006/main">
+  <p:cSld>
+    <p:spTree>
+      <p:nvGrpSpPr>
+        <p:cNvPr id="1" name=""/>
+        <p:cNvGrpSpPr/>
+        <p:nvPr/>
+      </p:nvGrpSpPr>
+      <p:grpSpPr>
+        <a:xfrm>
+          <a:off x="0" y="0"/>
+          <a:ext cx="0" cy="0"/>
+          <a:chOff x="0" y="0"/>
+          <a:chExt cx="0" cy="0"/>
+        </a:xfrm>
+      </p:grpSpPr>
+      <p:sp>
+        <p:nvSpPr>
+          <p:cNvPr id="2" name="Slide Image Placeholder 1"/>
+          <p:cNvSpPr>
+            <a:spLocks noGrp="1" noRot="1" noChangeAspect="1"/>
+          </p:cNvSpPr>
+          <p:nvPr>
+            <p:ph type="sldImg"/>
+          </p:nvPr>
+        </p:nvSpPr>
+        <p:spPr/>
+      </p:sp>
+      <p:sp>
+        <p:nvSpPr>
+          <p:cNvPr id="3" name="Notes Placeholder 2"/>
+          <p:cNvSpPr>
+            <a:spLocks noGrp="1"/>
+          </p:cNvSpPr>
+          <p:nvPr>
+            <p:ph type="body" idx="1"/>
+          </p:nvPr>
+        </p:nvSpPr>
+        <p:spPr/>
+        <p:txBody>
+          <a:bodyPr/>
+          <a:lstStyle/>
+          <a:p>
+            <a:endParaRPr lang="en-US" dirty="0"/>
+          </a:p>
+        </p:txBody>
+      </p:sp>
+      <p:sp>
+        <p:nvSpPr>
+          <p:cNvPr id="4" name="Slide Number Placeholder 3"/>
+          <p:cNvSpPr>
+            <a:spLocks noGrp="1"/>
+          </p:cNvSpPr>
+          <p:nvPr>
+            <p:ph type="sldNum" sz="quarter" idx="5"/>
+          </p:nvPr>
+        </p:nvSpPr>
+        <p:spPr/>
+        <p:txBody>
+          <a:bodyPr/>
+          <a:lstStyle/>
+          <a:p>
+            <a:fld id="{E69F78AA-F5C2-CD42-BB98-2E473D3C3ED6}" type="slidenum">
+              <a:rPr lang="en-US" smtClean="0"/>
+              <a:t>33</a:t>
+            </a:fld>
+            <a:endParaRPr lang="en-US"/>
+          </a:p>
+        </p:txBody>
+      </p:sp>
+    </p:spTree>
+    <p:extLst>
+      <p:ext uri="{BB962C8B-B14F-4D97-AF65-F5344CB8AC3E}">
+        <p14:creationId xmlns:p14="http://schemas.microsoft.com/office/powerpoint/2010/main" val="891782668"/>
       </p:ext>
     </p:extLst>
   </p:cSld>
@@ -635,134 +787,73 @@
           <a:lstStyle/>
           <a:p>
             <a:r>
-              <a:rPr lang="en-US" sz="1200" b="0" i="0" u="none" strike="noStrike" kern="1200" baseline="0" dirty="0">
-                <a:solidFill>
-                  <a:schemeClr val="tx1"/>
-                </a:solidFill>
-                <a:latin typeface="+mn-lt"/>
-                <a:ea typeface="+mn-ea"/>
-                <a:cs typeface="+mn-cs"/>
-              </a:rPr>
-              <a:t>In simple mode, each read is scanned from</a:t>
-            </a:r>
-          </a:p>
-          <a:p>
-            <a:r>
-              <a:rPr lang="en-US" sz="1200" b="0" i="0" u="none" strike="noStrike" kern="1200" baseline="0" dirty="0">
-                <a:solidFill>
-                  <a:schemeClr val="tx1"/>
-                </a:solidFill>
-                <a:latin typeface="+mn-lt"/>
-                <a:ea typeface="+mn-ea"/>
-                <a:cs typeface="+mn-cs"/>
-              </a:rPr>
-              <a:t>the 5’ end to the 3’ end to determine if any of the user-provided</a:t>
-            </a:r>
-          </a:p>
-          <a:p>
-            <a:r>
-              <a:rPr lang="en-US" sz="1200" b="0" i="0" u="none" strike="noStrike" kern="1200" baseline="0" dirty="0">
-                <a:solidFill>
-                  <a:schemeClr val="tx1"/>
-                </a:solidFill>
-                <a:latin typeface="+mn-lt"/>
-                <a:ea typeface="+mn-ea"/>
-                <a:cs typeface="+mn-cs"/>
-              </a:rPr>
-              <a:t>adapters are present. The standard ‘seed and extend’ approach</a:t>
-            </a:r>
-          </a:p>
-          <a:p>
-            <a:r>
-              <a:rPr lang="en-US" sz="1200" b="0" i="0" u="none" strike="noStrike" kern="1200" baseline="0" dirty="0">
-                <a:solidFill>
-                  <a:schemeClr val="tx1"/>
-                </a:solidFill>
-                <a:latin typeface="+mn-lt"/>
-                <a:ea typeface="+mn-ea"/>
-                <a:cs typeface="+mn-cs"/>
-              </a:rPr>
-              <a:t>(Li and Homer, 2010) is used to find initial matches between the</a:t>
-            </a:r>
-          </a:p>
-          <a:p>
-            <a:r>
-              <a:rPr lang="en-US" sz="1200" b="0" i="0" u="none" strike="noStrike" kern="1200" baseline="0" dirty="0">
-                <a:solidFill>
-                  <a:schemeClr val="tx1"/>
-                </a:solidFill>
-                <a:latin typeface="+mn-lt"/>
-                <a:ea typeface="+mn-ea"/>
-                <a:cs typeface="+mn-cs"/>
-              </a:rPr>
-              <a:t>technical sequences and the reads. The seed is not required to</a:t>
-            </a:r>
-          </a:p>
-          <a:p>
-            <a:r>
-              <a:rPr lang="en-US" sz="1200" b="0" i="0" u="none" strike="noStrike" kern="1200" baseline="0" dirty="0">
-                <a:solidFill>
-                  <a:schemeClr val="tx1"/>
-                </a:solidFill>
-                <a:latin typeface="+mn-lt"/>
-                <a:ea typeface="+mn-ea"/>
-                <a:cs typeface="+mn-cs"/>
-              </a:rPr>
-              <a:t>match perfectly, and a user-defined number of mismatches are</a:t>
-            </a:r>
-          </a:p>
-          <a:p>
-            <a:r>
-              <a:rPr lang="en-US" sz="1200" b="0" i="0" u="none" strike="noStrike" kern="1200" baseline="0" dirty="0">
-                <a:solidFill>
-                  <a:schemeClr val="tx1"/>
-                </a:solidFill>
-                <a:latin typeface="+mn-lt"/>
-                <a:ea typeface="+mn-ea"/>
-                <a:cs typeface="+mn-cs"/>
-              </a:rPr>
-              <a:t>tolerated. Based on this seed match, a local alignment is performed.</a:t>
-            </a:r>
-          </a:p>
-          <a:p>
-            <a:r>
-              <a:rPr lang="en-US" sz="1200" b="0" i="0" u="none" strike="noStrike" kern="1200" baseline="0" dirty="0">
-                <a:solidFill>
-                  <a:schemeClr val="tx1"/>
-                </a:solidFill>
-                <a:latin typeface="+mn-lt"/>
-                <a:ea typeface="+mn-ea"/>
-                <a:cs typeface="+mn-cs"/>
-              </a:rPr>
-              <a:t>If the alignment score exceeds the user-defined threshold,</a:t>
-            </a:r>
-          </a:p>
-          <a:p>
-            <a:r>
-              <a:rPr lang="en-US" sz="1200" b="0" i="0" u="none" strike="noStrike" kern="1200" baseline="0" dirty="0">
-                <a:solidFill>
-                  <a:schemeClr val="tx1"/>
-                </a:solidFill>
-                <a:latin typeface="+mn-lt"/>
-                <a:ea typeface="+mn-ea"/>
-                <a:cs typeface="+mn-cs"/>
-              </a:rPr>
-              <a:t>the aligned region plus the remainder after the alignment are</a:t>
-            </a:r>
-          </a:p>
-          <a:p>
-            <a:r>
-              <a:rPr lang="en-US" sz="1200" b="0" i="0" u="none" strike="noStrike" kern="1200" baseline="0" dirty="0">
-                <a:solidFill>
-                  <a:schemeClr val="tx1"/>
-                </a:solidFill>
-                <a:latin typeface="+mn-lt"/>
-                <a:ea typeface="+mn-ea"/>
-                <a:cs typeface="+mn-cs"/>
-              </a:rPr>
-              <a:t>removed.</a:t>
-            </a:r>
-            <a:endParaRPr lang="en-US" dirty="0"/>
+              <a:rPr lang="en-US" dirty="0" err="1"/>
+              <a:t>quality_scores</a:t>
+            </a:r>
+            <a:r>
+              <a:rPr lang="en-US" dirty="0"/>
+              <a:t> &lt;- c(28, 30, 33, 34, 33, 35, 38, 37, 36, 35, 38, 35, 36, 36, 30)</a:t>
+            </a:r>
+          </a:p>
+          <a:p>
+            <a:r>
+              <a:rPr lang="en-US" dirty="0" err="1"/>
+              <a:t>sanger_format</a:t>
+            </a:r>
+            <a:r>
+              <a:rPr lang="en-US" dirty="0"/>
+              <a:t> &lt;- </a:t>
+            </a:r>
+            <a:r>
+              <a:rPr lang="en-US" dirty="0" err="1"/>
+              <a:t>sprintf</a:t>
+            </a:r>
+            <a:r>
+              <a:rPr lang="en-US" dirty="0"/>
+              <a:t>("%X", </a:t>
+            </a:r>
+            <a:r>
+              <a:rPr lang="en-US" dirty="0" err="1"/>
+              <a:t>quality_scores</a:t>
+            </a:r>
+            <a:r>
+              <a:rPr lang="en-US" dirty="0"/>
+              <a:t> + 33)</a:t>
+            </a:r>
+          </a:p>
+          <a:p>
+            <a:r>
+              <a:rPr lang="en-US" dirty="0" err="1"/>
+              <a:t>rawToChar</a:t>
+            </a:r>
+            <a:r>
+              <a:rPr lang="en-US" dirty="0"/>
+              <a:t>(</a:t>
+            </a:r>
+            <a:r>
+              <a:rPr lang="en-US" dirty="0" err="1"/>
+              <a:t>as.raw</a:t>
+            </a:r>
+            <a:r>
+              <a:rPr lang="en-US" dirty="0"/>
+              <a:t>(</a:t>
+            </a:r>
+            <a:r>
+              <a:rPr lang="en-US" dirty="0" err="1"/>
+              <a:t>as.hexmode</a:t>
+            </a:r>
+            <a:r>
+              <a:rPr lang="en-US" dirty="0"/>
+              <a:t>(</a:t>
+            </a:r>
+            <a:r>
+              <a:rPr lang="en-US" dirty="0" err="1"/>
+              <a:t>sanger_format</a:t>
+            </a:r>
+            <a:r>
+              <a:rPr lang="en-US" dirty="0"/>
+              <a:t>)))</a:t>
+            </a:r>
           </a:p>
         </p:txBody>
       </p:sp>
@@ -773,7 +864,7 @@
             <a:spLocks noGrp="1"/>
           </p:cNvSpPr>
           <p:nvPr>
-            <p:ph type="sldNum" sz="quarter" idx="10"/>
+            <p:ph type="sldNum" sz="quarter" idx="5"/>
           </p:nvPr>
         </p:nvSpPr>
         <p:spPr/>
@@ -783,7 +874,7 @@
           <a:p>
             <a:fld id="{E69F78AA-F5C2-CD42-BB98-2E473D3C3ED6}" type="slidenum">
               <a:rPr lang="en-US" smtClean="0"/>
-              <a:t>23</a:t>
+              <a:t>5</a:t>
             </a:fld>
             <a:endParaRPr lang="en-US"/>
           </a:p>
@@ -792,7 +883,7 @@
     </p:spTree>
     <p:extLst>
       <p:ext uri="{BB962C8B-B14F-4D97-AF65-F5344CB8AC3E}">
-        <p14:creationId xmlns:p14="http://schemas.microsoft.com/office/powerpoint/2010/main" val="2392812406"/>
+        <p14:creationId xmlns:p14="http://schemas.microsoft.com/office/powerpoint/2010/main" val="2872742647"/>
       </p:ext>
     </p:extLst>
   </p:cSld>
@@ -867,7 +958,7 @@
           <a:p>
             <a:fld id="{E69F78AA-F5C2-CD42-BB98-2E473D3C3ED6}" type="slidenum">
               <a:rPr lang="en-US" smtClean="0"/>
-              <a:t>24</a:t>
+              <a:t>15</a:t>
             </a:fld>
             <a:endParaRPr lang="en-US"/>
           </a:p>
@@ -876,7 +967,7 @@
     </p:spTree>
     <p:extLst>
       <p:ext uri="{BB962C8B-B14F-4D97-AF65-F5344CB8AC3E}">
-        <p14:creationId xmlns:p14="http://schemas.microsoft.com/office/powerpoint/2010/main" val="1835324947"/>
+        <p14:creationId xmlns:p14="http://schemas.microsoft.com/office/powerpoint/2010/main" val="928810811"/>
       </p:ext>
     </p:extLst>
   </p:cSld>
@@ -930,17 +1021,6 @@
           <a:bodyPr/>
           <a:lstStyle/>
           <a:p>
-            <a:r>
-              <a:rPr lang="en-US" sz="1200" b="0" i="0" u="none" strike="noStrike" kern="1200" baseline="0" dirty="0">
-                <a:solidFill>
-                  <a:schemeClr val="tx1"/>
-                </a:solidFill>
-                <a:latin typeface="+mn-lt"/>
-                <a:ea typeface="+mn-ea"/>
-                <a:cs typeface="+mn-cs"/>
-              </a:rPr>
-              <a:t>Global alignment scoring is used to ensure an end-to-end match across the entire overlap</a:t>
-            </a:r>
             <a:endParaRPr lang="en-US" dirty="0"/>
           </a:p>
         </p:txBody>
@@ -952,7 +1032,7 @@
             <a:spLocks noGrp="1"/>
           </p:cNvSpPr>
           <p:nvPr>
-            <p:ph type="sldNum" sz="quarter" idx="10"/>
+            <p:ph type="sldNum" sz="quarter" idx="5"/>
           </p:nvPr>
         </p:nvSpPr>
         <p:spPr/>
@@ -962,7 +1042,7 @@
           <a:p>
             <a:fld id="{E69F78AA-F5C2-CD42-BB98-2E473D3C3ED6}" type="slidenum">
               <a:rPr lang="en-US" smtClean="0"/>
-              <a:t>25</a:t>
+              <a:t>17</a:t>
             </a:fld>
             <a:endParaRPr lang="en-US"/>
           </a:p>
@@ -971,7 +1051,7 @@
     </p:spTree>
     <p:extLst>
       <p:ext uri="{BB962C8B-B14F-4D97-AF65-F5344CB8AC3E}">
-        <p14:creationId xmlns:p14="http://schemas.microsoft.com/office/powerpoint/2010/main" val="1511893331"/>
+        <p14:creationId xmlns:p14="http://schemas.microsoft.com/office/powerpoint/2010/main" val="3255637359"/>
       </p:ext>
     </p:extLst>
   </p:cSld>
@@ -1034,7 +1114,124 @@
                 <a:ea typeface="+mn-ea"/>
                 <a:cs typeface="+mn-cs"/>
               </a:rPr>
-              <a:t>Global alignment scoring is used to ensure an end-to-end match across the entire overlap</a:t>
+              <a:t>In simple mode, each read is scanned from</a:t>
+            </a:r>
+          </a:p>
+          <a:p>
+            <a:r>
+              <a:rPr lang="en-US" sz="1200" b="0" i="0" u="none" strike="noStrike" kern="1200" baseline="0" dirty="0">
+                <a:solidFill>
+                  <a:schemeClr val="tx1"/>
+                </a:solidFill>
+                <a:latin typeface="+mn-lt"/>
+                <a:ea typeface="+mn-ea"/>
+                <a:cs typeface="+mn-cs"/>
+              </a:rPr>
+              <a:t>the 5’ end to the 3’ end to determine if any of the user-provided</a:t>
+            </a:r>
+          </a:p>
+          <a:p>
+            <a:r>
+              <a:rPr lang="en-US" sz="1200" b="0" i="0" u="none" strike="noStrike" kern="1200" baseline="0" dirty="0">
+                <a:solidFill>
+                  <a:schemeClr val="tx1"/>
+                </a:solidFill>
+                <a:latin typeface="+mn-lt"/>
+                <a:ea typeface="+mn-ea"/>
+                <a:cs typeface="+mn-cs"/>
+              </a:rPr>
+              <a:t>adapters are present. The standard ‘seed and extend’ approach</a:t>
+            </a:r>
+          </a:p>
+          <a:p>
+            <a:r>
+              <a:rPr lang="en-US" sz="1200" b="0" i="0" u="none" strike="noStrike" kern="1200" baseline="0" dirty="0">
+                <a:solidFill>
+                  <a:schemeClr val="tx1"/>
+                </a:solidFill>
+                <a:latin typeface="+mn-lt"/>
+                <a:ea typeface="+mn-ea"/>
+                <a:cs typeface="+mn-cs"/>
+              </a:rPr>
+              <a:t>(Li and Homer, 2010) is used to find initial matches between the</a:t>
+            </a:r>
+          </a:p>
+          <a:p>
+            <a:r>
+              <a:rPr lang="en-US" sz="1200" b="0" i="0" u="none" strike="noStrike" kern="1200" baseline="0" dirty="0">
+                <a:solidFill>
+                  <a:schemeClr val="tx1"/>
+                </a:solidFill>
+                <a:latin typeface="+mn-lt"/>
+                <a:ea typeface="+mn-ea"/>
+                <a:cs typeface="+mn-cs"/>
+              </a:rPr>
+              <a:t>technical sequences and the reads. The seed is not required to</a:t>
+            </a:r>
+          </a:p>
+          <a:p>
+            <a:r>
+              <a:rPr lang="en-US" sz="1200" b="0" i="0" u="none" strike="noStrike" kern="1200" baseline="0" dirty="0">
+                <a:solidFill>
+                  <a:schemeClr val="tx1"/>
+                </a:solidFill>
+                <a:latin typeface="+mn-lt"/>
+                <a:ea typeface="+mn-ea"/>
+                <a:cs typeface="+mn-cs"/>
+              </a:rPr>
+              <a:t>match perfectly, and a user-defined number of mismatches are</a:t>
+            </a:r>
+          </a:p>
+          <a:p>
+            <a:r>
+              <a:rPr lang="en-US" sz="1200" b="0" i="0" u="none" strike="noStrike" kern="1200" baseline="0" dirty="0">
+                <a:solidFill>
+                  <a:schemeClr val="tx1"/>
+                </a:solidFill>
+                <a:latin typeface="+mn-lt"/>
+                <a:ea typeface="+mn-ea"/>
+                <a:cs typeface="+mn-cs"/>
+              </a:rPr>
+              <a:t>tolerated. Based on this seed match, a local alignment is performed.</a:t>
+            </a:r>
+          </a:p>
+          <a:p>
+            <a:r>
+              <a:rPr lang="en-US" sz="1200" b="0" i="0" u="none" strike="noStrike" kern="1200" baseline="0" dirty="0">
+                <a:solidFill>
+                  <a:schemeClr val="tx1"/>
+                </a:solidFill>
+                <a:latin typeface="+mn-lt"/>
+                <a:ea typeface="+mn-ea"/>
+                <a:cs typeface="+mn-cs"/>
+              </a:rPr>
+              <a:t>If the alignment score exceeds the user-defined threshold,</a:t>
+            </a:r>
+          </a:p>
+          <a:p>
+            <a:r>
+              <a:rPr lang="en-US" sz="1200" b="0" i="0" u="none" strike="noStrike" kern="1200" baseline="0" dirty="0">
+                <a:solidFill>
+                  <a:schemeClr val="tx1"/>
+                </a:solidFill>
+                <a:latin typeface="+mn-lt"/>
+                <a:ea typeface="+mn-ea"/>
+                <a:cs typeface="+mn-cs"/>
+              </a:rPr>
+              <a:t>the aligned region plus the remainder after the alignment are</a:t>
+            </a:r>
+          </a:p>
+          <a:p>
+            <a:r>
+              <a:rPr lang="en-US" sz="1200" b="0" i="0" u="none" strike="noStrike" kern="1200" baseline="0" dirty="0">
+                <a:solidFill>
+                  <a:schemeClr val="tx1"/>
+                </a:solidFill>
+                <a:latin typeface="+mn-lt"/>
+                <a:ea typeface="+mn-ea"/>
+                <a:cs typeface="+mn-cs"/>
+              </a:rPr>
+              <a:t>removed.</a:t>
             </a:r>
             <a:endParaRPr lang="en-US" dirty="0"/>
           </a:p>
@@ -1057,7 +1254,7 @@
           <a:p>
             <a:fld id="{E69F78AA-F5C2-CD42-BB98-2E473D3C3ED6}" type="slidenum">
               <a:rPr lang="en-US" smtClean="0"/>
-              <a:t>26</a:t>
+              <a:t>24</a:t>
             </a:fld>
             <a:endParaRPr lang="en-US"/>
           </a:p>
@@ -1066,7 +1263,7 @@
     </p:spTree>
     <p:extLst>
       <p:ext uri="{BB962C8B-B14F-4D97-AF65-F5344CB8AC3E}">
-        <p14:creationId xmlns:p14="http://schemas.microsoft.com/office/powerpoint/2010/main" val="1511893331"/>
+        <p14:creationId xmlns:p14="http://schemas.microsoft.com/office/powerpoint/2010/main" val="2392812406"/>
       </p:ext>
     </p:extLst>
   </p:cSld>
@@ -1120,6 +1317,90 @@
           <a:bodyPr/>
           <a:lstStyle/>
           <a:p>
+            <a:endParaRPr lang="en-US" dirty="0"/>
+          </a:p>
+        </p:txBody>
+      </p:sp>
+      <p:sp>
+        <p:nvSpPr>
+          <p:cNvPr id="4" name="Slide Number Placeholder 3"/>
+          <p:cNvSpPr>
+            <a:spLocks noGrp="1"/>
+          </p:cNvSpPr>
+          <p:nvPr>
+            <p:ph type="sldNum" sz="quarter" idx="10"/>
+          </p:nvPr>
+        </p:nvSpPr>
+        <p:spPr/>
+        <p:txBody>
+          <a:bodyPr/>
+          <a:lstStyle/>
+          <a:p>
+            <a:fld id="{E69F78AA-F5C2-CD42-BB98-2E473D3C3ED6}" type="slidenum">
+              <a:rPr lang="en-US" smtClean="0"/>
+              <a:t>25</a:t>
+            </a:fld>
+            <a:endParaRPr lang="en-US"/>
+          </a:p>
+        </p:txBody>
+      </p:sp>
+    </p:spTree>
+    <p:extLst>
+      <p:ext uri="{BB962C8B-B14F-4D97-AF65-F5344CB8AC3E}">
+        <p14:creationId xmlns:p14="http://schemas.microsoft.com/office/powerpoint/2010/main" val="1835324947"/>
+      </p:ext>
+    </p:extLst>
+  </p:cSld>
+  <p:clrMapOvr>
+    <a:masterClrMapping/>
+  </p:clrMapOvr>
+</p:notes>
+</file>
+
+<file path=ppt/notesSlides/notesSlide7.xml><?xml version="1.0" encoding="utf-8"?>
+<p:notes xmlns:a="http://schemas.openxmlformats.org/drawingml/2006/main" xmlns:r="http://schemas.openxmlformats.org/officeDocument/2006/relationships" xmlns:p="http://schemas.openxmlformats.org/presentationml/2006/main">
+  <p:cSld>
+    <p:spTree>
+      <p:nvGrpSpPr>
+        <p:cNvPr id="1" name=""/>
+        <p:cNvGrpSpPr/>
+        <p:nvPr/>
+      </p:nvGrpSpPr>
+      <p:grpSpPr>
+        <a:xfrm>
+          <a:off x="0" y="0"/>
+          <a:ext cx="0" cy="0"/>
+          <a:chOff x="0" y="0"/>
+          <a:chExt cx="0" cy="0"/>
+        </a:xfrm>
+      </p:grpSpPr>
+      <p:sp>
+        <p:nvSpPr>
+          <p:cNvPr id="2" name="Slide Image Placeholder 1"/>
+          <p:cNvSpPr>
+            <a:spLocks noGrp="1" noRot="1" noChangeAspect="1"/>
+          </p:cNvSpPr>
+          <p:nvPr>
+            <p:ph type="sldImg"/>
+          </p:nvPr>
+        </p:nvSpPr>
+        <p:spPr/>
+      </p:sp>
+      <p:sp>
+        <p:nvSpPr>
+          <p:cNvPr id="3" name="Notes Placeholder 2"/>
+          <p:cNvSpPr>
+            <a:spLocks noGrp="1"/>
+          </p:cNvSpPr>
+          <p:nvPr>
+            <p:ph type="body" idx="1"/>
+          </p:nvPr>
+        </p:nvSpPr>
+        <p:spPr/>
+        <p:txBody>
+          <a:bodyPr/>
+          <a:lstStyle/>
+          <a:p>
             <a:r>
               <a:rPr lang="en-US" sz="1200" b="0" i="0" u="none" strike="noStrike" kern="1200" baseline="0" dirty="0">
                 <a:solidFill>
@@ -1152,7 +1433,197 @@
           <a:p>
             <a:fld id="{E69F78AA-F5C2-CD42-BB98-2E473D3C3ED6}" type="slidenum">
               <a:rPr lang="en-US" smtClean="0"/>
+              <a:t>26</a:t>
+            </a:fld>
+            <a:endParaRPr lang="en-US"/>
+          </a:p>
+        </p:txBody>
+      </p:sp>
+    </p:spTree>
+    <p:extLst>
+      <p:ext uri="{BB962C8B-B14F-4D97-AF65-F5344CB8AC3E}">
+        <p14:creationId xmlns:p14="http://schemas.microsoft.com/office/powerpoint/2010/main" val="1511893331"/>
+      </p:ext>
+    </p:extLst>
+  </p:cSld>
+  <p:clrMapOvr>
+    <a:masterClrMapping/>
+  </p:clrMapOvr>
+</p:notes>
+</file>
+
+<file path=ppt/notesSlides/notesSlide8.xml><?xml version="1.0" encoding="utf-8"?>
+<p:notes xmlns:a="http://schemas.openxmlformats.org/drawingml/2006/main" xmlns:r="http://schemas.openxmlformats.org/officeDocument/2006/relationships" xmlns:p="http://schemas.openxmlformats.org/presentationml/2006/main">
+  <p:cSld>
+    <p:spTree>
+      <p:nvGrpSpPr>
+        <p:cNvPr id="1" name=""/>
+        <p:cNvGrpSpPr/>
+        <p:nvPr/>
+      </p:nvGrpSpPr>
+      <p:grpSpPr>
+        <a:xfrm>
+          <a:off x="0" y="0"/>
+          <a:ext cx="0" cy="0"/>
+          <a:chOff x="0" y="0"/>
+          <a:chExt cx="0" cy="0"/>
+        </a:xfrm>
+      </p:grpSpPr>
+      <p:sp>
+        <p:nvSpPr>
+          <p:cNvPr id="2" name="Slide Image Placeholder 1"/>
+          <p:cNvSpPr>
+            <a:spLocks noGrp="1" noRot="1" noChangeAspect="1"/>
+          </p:cNvSpPr>
+          <p:nvPr>
+            <p:ph type="sldImg"/>
+          </p:nvPr>
+        </p:nvSpPr>
+        <p:spPr/>
+      </p:sp>
+      <p:sp>
+        <p:nvSpPr>
+          <p:cNvPr id="3" name="Notes Placeholder 2"/>
+          <p:cNvSpPr>
+            <a:spLocks noGrp="1"/>
+          </p:cNvSpPr>
+          <p:nvPr>
+            <p:ph type="body" idx="1"/>
+          </p:nvPr>
+        </p:nvSpPr>
+        <p:spPr/>
+        <p:txBody>
+          <a:bodyPr/>
+          <a:lstStyle/>
+          <a:p>
+            <a:r>
+              <a:rPr lang="en-US" sz="1200" b="0" i="0" u="none" strike="noStrike" kern="1200" baseline="0" dirty="0">
+                <a:solidFill>
+                  <a:schemeClr val="tx1"/>
+                </a:solidFill>
+                <a:latin typeface="+mn-lt"/>
+                <a:ea typeface="+mn-ea"/>
+                <a:cs typeface="+mn-cs"/>
+              </a:rPr>
+              <a:t>Global alignment scoring is used to ensure an end-to-end match across the entire overlap</a:t>
+            </a:r>
+            <a:endParaRPr lang="en-US" dirty="0"/>
+          </a:p>
+        </p:txBody>
+      </p:sp>
+      <p:sp>
+        <p:nvSpPr>
+          <p:cNvPr id="4" name="Slide Number Placeholder 3"/>
+          <p:cNvSpPr>
+            <a:spLocks noGrp="1"/>
+          </p:cNvSpPr>
+          <p:nvPr>
+            <p:ph type="sldNum" sz="quarter" idx="10"/>
+          </p:nvPr>
+        </p:nvSpPr>
+        <p:spPr/>
+        <p:txBody>
+          <a:bodyPr/>
+          <a:lstStyle/>
+          <a:p>
+            <a:fld id="{E69F78AA-F5C2-CD42-BB98-2E473D3C3ED6}" type="slidenum">
+              <a:rPr lang="en-US" smtClean="0"/>
               <a:t>27</a:t>
+            </a:fld>
+            <a:endParaRPr lang="en-US"/>
+          </a:p>
+        </p:txBody>
+      </p:sp>
+    </p:spTree>
+    <p:extLst>
+      <p:ext uri="{BB962C8B-B14F-4D97-AF65-F5344CB8AC3E}">
+        <p14:creationId xmlns:p14="http://schemas.microsoft.com/office/powerpoint/2010/main" val="1511893331"/>
+      </p:ext>
+    </p:extLst>
+  </p:cSld>
+  <p:clrMapOvr>
+    <a:masterClrMapping/>
+  </p:clrMapOvr>
+</p:notes>
+</file>
+
+<file path=ppt/notesSlides/notesSlide9.xml><?xml version="1.0" encoding="utf-8"?>
+<p:notes xmlns:a="http://schemas.openxmlformats.org/drawingml/2006/main" xmlns:r="http://schemas.openxmlformats.org/officeDocument/2006/relationships" xmlns:p="http://schemas.openxmlformats.org/presentationml/2006/main">
+  <p:cSld>
+    <p:spTree>
+      <p:nvGrpSpPr>
+        <p:cNvPr id="1" name=""/>
+        <p:cNvGrpSpPr/>
+        <p:nvPr/>
+      </p:nvGrpSpPr>
+      <p:grpSpPr>
+        <a:xfrm>
+          <a:off x="0" y="0"/>
+          <a:ext cx="0" cy="0"/>
+          <a:chOff x="0" y="0"/>
+          <a:chExt cx="0" cy="0"/>
+        </a:xfrm>
+      </p:grpSpPr>
+      <p:sp>
+        <p:nvSpPr>
+          <p:cNvPr id="2" name="Slide Image Placeholder 1"/>
+          <p:cNvSpPr>
+            <a:spLocks noGrp="1" noRot="1" noChangeAspect="1"/>
+          </p:cNvSpPr>
+          <p:nvPr>
+            <p:ph type="sldImg"/>
+          </p:nvPr>
+        </p:nvSpPr>
+        <p:spPr/>
+      </p:sp>
+      <p:sp>
+        <p:nvSpPr>
+          <p:cNvPr id="3" name="Notes Placeholder 2"/>
+          <p:cNvSpPr>
+            <a:spLocks noGrp="1"/>
+          </p:cNvSpPr>
+          <p:nvPr>
+            <p:ph type="body" idx="1"/>
+          </p:nvPr>
+        </p:nvSpPr>
+        <p:spPr/>
+        <p:txBody>
+          <a:bodyPr/>
+          <a:lstStyle/>
+          <a:p>
+            <a:r>
+              <a:rPr lang="en-US" sz="1200" b="0" i="0" u="none" strike="noStrike" kern="1200" baseline="0" dirty="0">
+                <a:solidFill>
+                  <a:schemeClr val="tx1"/>
+                </a:solidFill>
+                <a:latin typeface="+mn-lt"/>
+                <a:ea typeface="+mn-ea"/>
+                <a:cs typeface="+mn-cs"/>
+              </a:rPr>
+              <a:t>Global alignment scoring is used to ensure an end-to-end match across the entire overlap</a:t>
+            </a:r>
+            <a:endParaRPr lang="en-US" dirty="0"/>
+          </a:p>
+        </p:txBody>
+      </p:sp>
+      <p:sp>
+        <p:nvSpPr>
+          <p:cNvPr id="4" name="Slide Number Placeholder 3"/>
+          <p:cNvSpPr>
+            <a:spLocks noGrp="1"/>
+          </p:cNvSpPr>
+          <p:nvPr>
+            <p:ph type="sldNum" sz="quarter" idx="10"/>
+          </p:nvPr>
+        </p:nvSpPr>
+        <p:spPr/>
+        <p:txBody>
+          <a:bodyPr/>
+          <a:lstStyle/>
+          <a:p>
+            <a:fld id="{E69F78AA-F5C2-CD42-BB98-2E473D3C3ED6}" type="slidenum">
+              <a:rPr lang="en-US" smtClean="0"/>
+              <a:t>28</a:t>
             </a:fld>
             <a:endParaRPr lang="en-US"/>
           </a:p>
@@ -1350,7 +1821,7 @@
           <a:p>
             <a:fld id="{42B8B0BE-C8D7-EB48-AD68-71DB5002F24B}" type="datetimeFigureOut">
               <a:rPr lang="en-US" smtClean="0"/>
-              <a:t>2/14/21</a:t>
+              <a:t>2/6/23</a:t>
             </a:fld>
             <a:endParaRPr lang="en-US"/>
           </a:p>
@@ -1518,7 +1989,7 @@
           <a:p>
             <a:fld id="{42B8B0BE-C8D7-EB48-AD68-71DB5002F24B}" type="datetimeFigureOut">
               <a:rPr lang="en-US" smtClean="0"/>
-              <a:t>2/14/21</a:t>
+              <a:t>2/6/23</a:t>
             </a:fld>
             <a:endParaRPr lang="en-US"/>
           </a:p>
@@ -1696,7 +2167,7 @@
           <a:p>
             <a:fld id="{42B8B0BE-C8D7-EB48-AD68-71DB5002F24B}" type="datetimeFigureOut">
               <a:rPr lang="en-US" smtClean="0"/>
-              <a:t>2/14/21</a:t>
+              <a:t>2/6/23</a:t>
             </a:fld>
             <a:endParaRPr lang="en-US"/>
           </a:p>
@@ -1864,7 +2335,7 @@
           <a:p>
             <a:fld id="{42B8B0BE-C8D7-EB48-AD68-71DB5002F24B}" type="datetimeFigureOut">
               <a:rPr lang="en-US" smtClean="0"/>
-              <a:t>2/14/21</a:t>
+              <a:t>2/6/23</a:t>
             </a:fld>
             <a:endParaRPr lang="en-US"/>
           </a:p>
@@ -2109,7 +2580,7 @@
           <a:p>
             <a:fld id="{42B8B0BE-C8D7-EB48-AD68-71DB5002F24B}" type="datetimeFigureOut">
               <a:rPr lang="en-US" smtClean="0"/>
-              <a:t>2/14/21</a:t>
+              <a:t>2/6/23</a:t>
             </a:fld>
             <a:endParaRPr lang="en-US"/>
           </a:p>
@@ -2394,7 +2865,7 @@
           <a:p>
             <a:fld id="{42B8B0BE-C8D7-EB48-AD68-71DB5002F24B}" type="datetimeFigureOut">
               <a:rPr lang="en-US" smtClean="0"/>
-              <a:t>2/14/21</a:t>
+              <a:t>2/6/23</a:t>
             </a:fld>
             <a:endParaRPr lang="en-US"/>
           </a:p>
@@ -2813,7 +3284,7 @@
           <a:p>
             <a:fld id="{42B8B0BE-C8D7-EB48-AD68-71DB5002F24B}" type="datetimeFigureOut">
               <a:rPr lang="en-US" smtClean="0"/>
-              <a:t>2/14/21</a:t>
+              <a:t>2/6/23</a:t>
             </a:fld>
             <a:endParaRPr lang="en-US"/>
           </a:p>
@@ -2930,7 +3401,7 @@
           <a:p>
             <a:fld id="{42B8B0BE-C8D7-EB48-AD68-71DB5002F24B}" type="datetimeFigureOut">
               <a:rPr lang="en-US" smtClean="0"/>
-              <a:t>2/14/21</a:t>
+              <a:t>2/6/23</a:t>
             </a:fld>
             <a:endParaRPr lang="en-US"/>
           </a:p>
@@ -3025,7 +3496,7 @@
           <a:p>
             <a:fld id="{42B8B0BE-C8D7-EB48-AD68-71DB5002F24B}" type="datetimeFigureOut">
               <a:rPr lang="en-US" smtClean="0"/>
-              <a:t>2/14/21</a:t>
+              <a:t>2/6/23</a:t>
             </a:fld>
             <a:endParaRPr lang="en-US"/>
           </a:p>
@@ -3300,7 +3771,7 @@
           <a:p>
             <a:fld id="{42B8B0BE-C8D7-EB48-AD68-71DB5002F24B}" type="datetimeFigureOut">
               <a:rPr lang="en-US" smtClean="0"/>
-              <a:t>2/14/21</a:t>
+              <a:t>2/6/23</a:t>
             </a:fld>
             <a:endParaRPr lang="en-US"/>
           </a:p>
@@ -3552,7 +4023,7 @@
           <a:p>
             <a:fld id="{42B8B0BE-C8D7-EB48-AD68-71DB5002F24B}" type="datetimeFigureOut">
               <a:rPr lang="en-US" smtClean="0"/>
-              <a:t>2/14/21</a:t>
+              <a:t>2/6/23</a:t>
             </a:fld>
             <a:endParaRPr lang="en-US"/>
           </a:p>
@@ -3763,7 +4234,7 @@
           <a:p>
             <a:fld id="{42B8B0BE-C8D7-EB48-AD68-71DB5002F24B}" type="datetimeFigureOut">
               <a:rPr lang="en-US" smtClean="0"/>
-              <a:t>2/14/21</a:t>
+              <a:t>2/6/23</a:t>
             </a:fld>
             <a:endParaRPr lang="en-US"/>
           </a:p>
@@ -4217,7 +4688,7 @@
           <a:p>
             <a:r>
               <a:rPr lang="en-US" sz="2800" dirty="0"/>
-              <a:t>2/18/2021</a:t>
+              <a:t>2/7/2023</a:t>
             </a:r>
           </a:p>
         </p:txBody>
@@ -4269,21 +4740,21 @@
           <a:p>
             <a:r>
               <a:rPr lang="en-US" dirty="0"/>
-              <a:t>FASTQ</a:t>
-            </a:r>
-          </a:p>
-        </p:txBody>
-      </p:sp>
-      <p:sp>
-        <p:nvSpPr>
-          <p:cNvPr id="7" name="TextBox 6"/>
+              <a:t>Typical reads in different platforms</a:t>
+            </a:r>
+          </a:p>
+        </p:txBody>
+      </p:sp>
+      <p:sp>
+        <p:nvSpPr>
+          <p:cNvPr id="4" name="TextBox 3"/>
           <p:cNvSpPr txBox="1"/>
           <p:nvPr/>
         </p:nvSpPr>
         <p:spPr>
           <a:xfrm>
-            <a:off x="1178505" y="1976365"/>
-            <a:ext cx="2841643" cy="461665"/>
+            <a:off x="3429000" y="5383033"/>
+            <a:ext cx="2514856" cy="1200329"/>
           </a:xfrm>
           <a:prstGeom prst="rect">
             <a:avLst/>
@@ -4296,362 +4767,83 @@
           </a:bodyPr>
           <a:lstStyle/>
           <a:p>
-            <a:pPr algn="r"/>
-            <a:r>
-              <a:rPr lang="en-US" sz="2400" dirty="0"/>
-              <a:t>Single-end FASTQ file</a:t>
-            </a:r>
-          </a:p>
-        </p:txBody>
-      </p:sp>
-      <p:sp>
-        <p:nvSpPr>
-          <p:cNvPr id="8" name="TextBox 7"/>
-          <p:cNvSpPr txBox="1"/>
-          <p:nvPr/>
-        </p:nvSpPr>
-        <p:spPr>
-          <a:xfrm>
-            <a:off x="1089914" y="3376790"/>
-            <a:ext cx="3018825" cy="461665"/>
-          </a:xfrm>
-          <a:prstGeom prst="rect">
-            <a:avLst/>
-          </a:prstGeom>
-          <a:noFill/>
-        </p:spPr>
-        <p:txBody>
-          <a:bodyPr wrap="none" rtlCol="0">
-            <a:spAutoFit/>
-          </a:bodyPr>
-          <a:lstStyle/>
-          <a:p>
-            <a:pPr algn="r"/>
-            <a:r>
-              <a:rPr lang="en-US" sz="2400" dirty="0"/>
-              <a:t>Paired-end FASTQ files</a:t>
-            </a:r>
-          </a:p>
-        </p:txBody>
-      </p:sp>
-      <p:sp>
-        <p:nvSpPr>
-          <p:cNvPr id="10" name="Rectangle 9"/>
-          <p:cNvSpPr/>
-          <p:nvPr/>
-        </p:nvSpPr>
-        <p:spPr>
-          <a:xfrm>
-            <a:off x="4870736" y="1991652"/>
-            <a:ext cx="2901662" cy="1323439"/>
-          </a:xfrm>
-          <a:prstGeom prst="rect">
-            <a:avLst/>
-          </a:prstGeom>
-        </p:spPr>
-        <p:txBody>
-          <a:bodyPr wrap="square">
-            <a:spAutoFit/>
-          </a:bodyPr>
-          <a:lstStyle/>
-          <a:p>
-            <a:r>
-              <a:rPr lang="en-US" sz="2000" b="1" dirty="0">
-                <a:solidFill>
-                  <a:srgbClr val="FF0000"/>
-                </a:solidFill>
-                <a:latin typeface="Courier New"/>
-                <a:cs typeface="Courier New"/>
-              </a:rPr>
-              <a:t>@</a:t>
-            </a:r>
-            <a:r>
-              <a:rPr lang="en-US" sz="2000" dirty="0">
-                <a:latin typeface="Courier New"/>
-                <a:cs typeface="Courier New"/>
-              </a:rPr>
-              <a:t>SEQ_ID</a:t>
-            </a:r>
-          </a:p>
-          <a:p>
-            <a:r>
-              <a:rPr lang="en-US" sz="2000" dirty="0">
-                <a:latin typeface="Courier New"/>
-                <a:cs typeface="Courier New"/>
-              </a:rPr>
-              <a:t>ATCAACTGATGCATC</a:t>
-            </a:r>
-          </a:p>
-          <a:p>
-            <a:r>
-              <a:rPr lang="en-US" sz="2000" b="1" dirty="0">
-                <a:solidFill>
-                  <a:srgbClr val="FF0000"/>
-                </a:solidFill>
-                <a:latin typeface="Courier New"/>
-                <a:cs typeface="Courier New"/>
-              </a:rPr>
-              <a:t>+</a:t>
-            </a:r>
-            <a:r>
-              <a:rPr lang="en-US" sz="2000" dirty="0">
-                <a:latin typeface="Courier New"/>
-                <a:cs typeface="Courier New"/>
-              </a:rPr>
-              <a:t>SEQ_ID</a:t>
-            </a:r>
-            <a:endParaRPr lang="en-US" sz="2000" b="1" dirty="0">
-              <a:solidFill>
-                <a:srgbClr val="FF0000"/>
-              </a:solidFill>
-              <a:latin typeface="Courier New"/>
-              <a:cs typeface="Courier New"/>
-            </a:endParaRPr>
-          </a:p>
-          <a:p>
-            <a:r>
-              <a:rPr lang="en-US" sz="2000" dirty="0">
-                <a:latin typeface="Courier New"/>
-                <a:cs typeface="Courier New"/>
-              </a:rPr>
-              <a:t>!''*((((***+))%</a:t>
-            </a:r>
-          </a:p>
-        </p:txBody>
-      </p:sp>
-      <p:sp>
-        <p:nvSpPr>
-          <p:cNvPr id="11" name="Rectangle 10"/>
-          <p:cNvSpPr/>
-          <p:nvPr/>
-        </p:nvSpPr>
-        <p:spPr>
-          <a:xfrm>
-            <a:off x="4870736" y="3856436"/>
-            <a:ext cx="2901661" cy="1323439"/>
-          </a:xfrm>
-          <a:prstGeom prst="rect">
-            <a:avLst/>
-          </a:prstGeom>
-        </p:spPr>
-        <p:txBody>
-          <a:bodyPr wrap="square">
-            <a:spAutoFit/>
-          </a:bodyPr>
-          <a:lstStyle/>
-          <a:p>
-            <a:r>
-              <a:rPr lang="en-US" sz="2000" dirty="0">
-                <a:latin typeface="Courier New"/>
-                <a:cs typeface="Courier New"/>
-              </a:rPr>
-              <a:t>@SEQ_ID</a:t>
-            </a:r>
-            <a:r>
-              <a:rPr lang="en-US" sz="2000" b="1" dirty="0">
-                <a:solidFill>
-                  <a:srgbClr val="FF0000"/>
-                </a:solidFill>
-                <a:latin typeface="Courier New"/>
-                <a:cs typeface="Courier New"/>
-              </a:rPr>
-              <a:t>/1</a:t>
-            </a:r>
-          </a:p>
-          <a:p>
-            <a:r>
-              <a:rPr lang="en-US" sz="2000" dirty="0">
-                <a:latin typeface="Courier New"/>
-                <a:cs typeface="Courier New"/>
-              </a:rPr>
-              <a:t>ATCAACTGATGCATC</a:t>
-            </a:r>
-          </a:p>
-          <a:p>
-            <a:r>
-              <a:rPr lang="en-US" sz="2000" dirty="0">
-                <a:latin typeface="Courier New"/>
-                <a:cs typeface="Courier New"/>
-              </a:rPr>
-              <a:t>+</a:t>
-            </a:r>
-          </a:p>
-          <a:p>
-            <a:r>
-              <a:rPr lang="en-US" sz="2000" dirty="0">
-                <a:latin typeface="Courier New"/>
-                <a:cs typeface="Courier New"/>
-              </a:rPr>
-              <a:t>!''*((((***+))%</a:t>
-            </a:r>
-          </a:p>
-        </p:txBody>
-      </p:sp>
-      <p:sp>
-        <p:nvSpPr>
-          <p:cNvPr id="12" name="Rectangle 11"/>
-          <p:cNvSpPr/>
-          <p:nvPr/>
-        </p:nvSpPr>
-        <p:spPr>
-          <a:xfrm>
-            <a:off x="4870733" y="5386419"/>
-            <a:ext cx="2901664" cy="1323439"/>
-          </a:xfrm>
-          <a:prstGeom prst="rect">
-            <a:avLst/>
-          </a:prstGeom>
-        </p:spPr>
-        <p:txBody>
-          <a:bodyPr wrap="square">
-            <a:spAutoFit/>
-          </a:bodyPr>
-          <a:lstStyle/>
-          <a:p>
-            <a:r>
-              <a:rPr lang="en-US" sz="2000" dirty="0">
-                <a:latin typeface="Courier New"/>
-                <a:cs typeface="Courier New"/>
-              </a:rPr>
-              <a:t>@SEQ_ID</a:t>
-            </a:r>
-            <a:r>
-              <a:rPr lang="en-US" sz="2000" b="1" dirty="0">
-                <a:solidFill>
-                  <a:srgbClr val="FF0000"/>
-                </a:solidFill>
-                <a:latin typeface="Courier New"/>
-                <a:cs typeface="Courier New"/>
-              </a:rPr>
-              <a:t>/2</a:t>
-            </a:r>
-          </a:p>
-          <a:p>
-            <a:r>
-              <a:rPr lang="en-US" sz="2000" dirty="0">
-                <a:latin typeface="Courier New"/>
-                <a:cs typeface="Courier New"/>
-              </a:rPr>
-              <a:t>GATTTGGGGTTCCTG</a:t>
-            </a:r>
-          </a:p>
-          <a:p>
-            <a:r>
-              <a:rPr lang="en-US" sz="2000" dirty="0">
-                <a:latin typeface="Courier New"/>
-                <a:cs typeface="Courier New"/>
-              </a:rPr>
-              <a:t>+</a:t>
-            </a:r>
-          </a:p>
-          <a:p>
-            <a:r>
-              <a:rPr lang="fr-FR" sz="2000" dirty="0">
-                <a:latin typeface="Courier New"/>
-                <a:cs typeface="Courier New"/>
-              </a:rPr>
-              <a:t>)(%%%%).1***-+*</a:t>
-            </a:r>
-            <a:endParaRPr lang="en-US" sz="2000" dirty="0">
-              <a:latin typeface="Courier New"/>
-              <a:cs typeface="Courier New"/>
-            </a:endParaRPr>
+            <a:r>
+              <a:rPr lang="en-US" sz="3600" dirty="0"/>
+              <a:t>Read length</a:t>
+            </a:r>
+          </a:p>
+          <a:p>
+            <a:r>
+              <a:rPr lang="en-US" sz="3600" dirty="0"/>
+              <a:t>Read quality</a:t>
+            </a:r>
           </a:p>
         </p:txBody>
       </p:sp>
       <p:pic>
         <p:nvPicPr>
-          <p:cNvPr id="3" name="Picture 2" descr="Screenshot 2017-02-07 09.08.51.png"/>
+          <p:cNvPr id="6" name="Picture 5" descr="Chart&#10;&#10;Description automatically generated">
+            <a:extLst>
+              <a:ext uri="{FF2B5EF4-FFF2-40B4-BE49-F238E27FC236}">
+                <a16:creationId xmlns:a16="http://schemas.microsoft.com/office/drawing/2014/main" id="{F142F8C8-090F-47C8-B0D8-D3BD11B88FDE}"/>
+              </a:ext>
+            </a:extLst>
+          </p:cNvPr>
           <p:cNvPicPr>
             <a:picLocks noChangeAspect="1"/>
           </p:cNvPicPr>
           <p:nvPr/>
         </p:nvPicPr>
         <p:blipFill>
-          <a:blip r:embed="rId2">
-            <a:extLst>
-              <a:ext uri="{28A0092B-C50C-407E-A947-70E740481C1C}">
-                <a14:useLocalDpi xmlns:a14="http://schemas.microsoft.com/office/drawing/2010/main" val="0"/>
-              </a:ext>
-            </a:extLst>
-          </a:blip>
+          <a:blip r:embed="rId2"/>
           <a:stretch>
             <a:fillRect/>
           </a:stretch>
         </p:blipFill>
         <p:spPr>
           <a:xfrm>
-            <a:off x="293916" y="1070476"/>
-            <a:ext cx="8723084" cy="913757"/>
+            <a:off x="1141248" y="1345284"/>
+            <a:ext cx="3109228" cy="3825808"/>
           </a:xfrm>
           <a:prstGeom prst="rect">
             <a:avLst/>
           </a:prstGeom>
         </p:spPr>
       </p:pic>
-      <p:sp>
-        <p:nvSpPr>
-          <p:cNvPr id="9" name="TextBox 8"/>
-          <p:cNvSpPr txBox="1"/>
+      <p:pic>
+        <p:nvPicPr>
+          <p:cNvPr id="8" name="Picture 7" descr="A picture containing chart&#10;&#10;Description automatically generated">
+            <a:extLst>
+              <a:ext uri="{FF2B5EF4-FFF2-40B4-BE49-F238E27FC236}">
+                <a16:creationId xmlns:a16="http://schemas.microsoft.com/office/drawing/2014/main" id="{3D2FE1C5-6F3B-39E1-56A1-99EE53D0E8D4}"/>
+              </a:ext>
+            </a:extLst>
+          </p:cNvPr>
+          <p:cNvPicPr>
+            <a:picLocks noChangeAspect="1"/>
+          </p:cNvPicPr>
           <p:nvPr/>
-        </p:nvSpPr>
+        </p:nvPicPr>
+        <p:blipFill>
+          <a:blip r:embed="rId3"/>
+          <a:stretch>
+            <a:fillRect/>
+          </a:stretch>
+        </p:blipFill>
         <p:spPr>
           <a:xfrm>
-            <a:off x="2304125" y="3810047"/>
-            <a:ext cx="2458826" cy="1938992"/>
+            <a:off x="4686428" y="1272411"/>
+            <a:ext cx="3157810" cy="3898681"/>
           </a:xfrm>
           <a:prstGeom prst="rect">
             <a:avLst/>
           </a:prstGeom>
-          <a:noFill/>
-        </p:spPr>
-        <p:txBody>
-          <a:bodyPr wrap="none" rtlCol="0">
-            <a:spAutoFit/>
-          </a:bodyPr>
-          <a:lstStyle/>
-          <a:p>
-            <a:pPr algn="r"/>
-            <a:r>
-              <a:rPr lang="en-US" sz="2400" dirty="0"/>
-              <a:t>File1: forward </a:t>
-            </a:r>
-            <a:r>
-              <a:rPr lang="en-US" sz="2400" dirty="0" err="1"/>
-              <a:t>seq</a:t>
-            </a:r>
-            <a:endParaRPr lang="en-US" sz="2400" dirty="0"/>
-          </a:p>
-          <a:p>
-            <a:pPr algn="r"/>
-            <a:endParaRPr lang="en-US" sz="2400" dirty="0"/>
-          </a:p>
-          <a:p>
-            <a:pPr algn="r"/>
-            <a:endParaRPr lang="en-US" sz="2400" dirty="0"/>
-          </a:p>
-          <a:p>
-            <a:pPr algn="r"/>
-            <a:endParaRPr lang="en-US" sz="2400" dirty="0"/>
-          </a:p>
-          <a:p>
-            <a:pPr algn="r"/>
-            <a:r>
-              <a:rPr lang="en-US" sz="2400" dirty="0"/>
-              <a:t>File2: reverse </a:t>
-            </a:r>
-            <a:r>
-              <a:rPr lang="en-US" sz="2400" dirty="0" err="1"/>
-              <a:t>seq</a:t>
-            </a:r>
-            <a:endParaRPr lang="en-US" sz="2400" dirty="0"/>
-          </a:p>
-        </p:txBody>
-      </p:sp>
+        </p:spPr>
+      </p:pic>
     </p:spTree>
     <p:extLst>
       <p:ext uri="{BB962C8B-B14F-4D97-AF65-F5344CB8AC3E}">
-        <p14:creationId xmlns:p14="http://schemas.microsoft.com/office/powerpoint/2010/main" val="1538731324"/>
+        <p14:creationId xmlns:p14="http://schemas.microsoft.com/office/powerpoint/2010/main" val="3336562369"/>
       </p:ext>
     </p:extLst>
   </p:cSld>
@@ -4688,29 +4880,412 @@
             <p:ph type="title"/>
           </p:nvPr>
         </p:nvSpPr>
+        <p:spPr/>
+        <p:txBody>
+          <a:bodyPr/>
+          <a:lstStyle/>
+          <a:p>
+            <a:r>
+              <a:rPr lang="en-US" dirty="0"/>
+              <a:t>Illumina FASTQ</a:t>
+            </a:r>
+          </a:p>
+        </p:txBody>
+      </p:sp>
+      <p:sp>
+        <p:nvSpPr>
+          <p:cNvPr id="7" name="TextBox 6"/>
+          <p:cNvSpPr txBox="1"/>
+          <p:nvPr/>
+        </p:nvSpPr>
         <p:spPr>
           <a:xfrm>
-            <a:off x="431800" y="2352676"/>
-            <a:ext cx="8229600" cy="772987"/>
-          </a:xfrm>
-        </p:spPr>
-        <p:txBody>
-          <a:bodyPr>
-            <a:normAutofit/>
+            <a:off x="1178505" y="1976365"/>
+            <a:ext cx="2841643" cy="461665"/>
+          </a:xfrm>
+          <a:prstGeom prst="rect">
+            <a:avLst/>
+          </a:prstGeom>
+          <a:noFill/>
+        </p:spPr>
+        <p:txBody>
+          <a:bodyPr wrap="none" rtlCol="0">
+            <a:spAutoFit/>
           </a:bodyPr>
           <a:lstStyle/>
           <a:p>
-            <a:r>
-              <a:rPr lang="en-US" sz="3600" dirty="0"/>
-              <a:t>Overview sequencing data</a:t>
-            </a:r>
+            <a:pPr algn="r"/>
+            <a:r>
+              <a:rPr lang="en-US" sz="2400" dirty="0"/>
+              <a:t>Single-end FASTQ file</a:t>
+            </a:r>
+          </a:p>
+        </p:txBody>
+      </p:sp>
+      <p:sp>
+        <p:nvSpPr>
+          <p:cNvPr id="8" name="TextBox 7"/>
+          <p:cNvSpPr txBox="1"/>
+          <p:nvPr/>
+        </p:nvSpPr>
+        <p:spPr>
+          <a:xfrm>
+            <a:off x="1089914" y="3376790"/>
+            <a:ext cx="3018825" cy="461665"/>
+          </a:xfrm>
+          <a:prstGeom prst="rect">
+            <a:avLst/>
+          </a:prstGeom>
+          <a:noFill/>
+        </p:spPr>
+        <p:txBody>
+          <a:bodyPr wrap="none" rtlCol="0">
+            <a:spAutoFit/>
+          </a:bodyPr>
+          <a:lstStyle/>
+          <a:p>
+            <a:pPr algn="r"/>
+            <a:r>
+              <a:rPr lang="en-US" sz="2400" dirty="0"/>
+              <a:t>Paired-end FASTQ files</a:t>
+            </a:r>
+          </a:p>
+        </p:txBody>
+      </p:sp>
+      <p:sp>
+        <p:nvSpPr>
+          <p:cNvPr id="10" name="Rectangle 9"/>
+          <p:cNvSpPr/>
+          <p:nvPr/>
+        </p:nvSpPr>
+        <p:spPr>
+          <a:xfrm>
+            <a:off x="4870736" y="1991652"/>
+            <a:ext cx="2901662" cy="1323439"/>
+          </a:xfrm>
+          <a:prstGeom prst="rect">
+            <a:avLst/>
+          </a:prstGeom>
+        </p:spPr>
+        <p:txBody>
+          <a:bodyPr wrap="square">
+            <a:spAutoFit/>
+          </a:bodyPr>
+          <a:lstStyle/>
+          <a:p>
+            <a:r>
+              <a:rPr lang="en-US" sz="2000" b="1" dirty="0">
+                <a:solidFill>
+                  <a:srgbClr val="FF0000"/>
+                </a:solidFill>
+                <a:latin typeface="Courier New"/>
+                <a:cs typeface="Courier New"/>
+              </a:rPr>
+              <a:t>@</a:t>
+            </a:r>
+            <a:r>
+              <a:rPr lang="en-US" sz="2000" dirty="0">
+                <a:latin typeface="Courier New"/>
+                <a:cs typeface="Courier New"/>
+              </a:rPr>
+              <a:t>SEQ_ID</a:t>
+            </a:r>
+          </a:p>
+          <a:p>
+            <a:r>
+              <a:rPr lang="en-US" sz="2000" dirty="0">
+                <a:latin typeface="Courier New"/>
+                <a:cs typeface="Courier New"/>
+              </a:rPr>
+              <a:t>ATCAACTGATGCATC</a:t>
+            </a:r>
+          </a:p>
+          <a:p>
+            <a:r>
+              <a:rPr lang="en-US" sz="2000" b="1" dirty="0">
+                <a:solidFill>
+                  <a:srgbClr val="FF0000"/>
+                </a:solidFill>
+                <a:latin typeface="Courier New"/>
+                <a:cs typeface="Courier New"/>
+              </a:rPr>
+              <a:t>+</a:t>
+            </a:r>
+            <a:r>
+              <a:rPr lang="en-US" sz="2000" dirty="0">
+                <a:latin typeface="Courier New"/>
+                <a:cs typeface="Courier New"/>
+              </a:rPr>
+              <a:t>SEQ_ID</a:t>
+            </a:r>
+            <a:endParaRPr lang="en-US" sz="2000" b="1" dirty="0">
+              <a:solidFill>
+                <a:srgbClr val="FF0000"/>
+              </a:solidFill>
+              <a:latin typeface="Courier New"/>
+              <a:cs typeface="Courier New"/>
+            </a:endParaRPr>
+          </a:p>
+          <a:p>
+            <a:r>
+              <a:rPr lang="en-US" sz="2000" dirty="0">
+                <a:latin typeface="Courier New"/>
+                <a:cs typeface="Courier New"/>
+              </a:rPr>
+              <a:t>!''*((((***+))%</a:t>
+            </a:r>
+          </a:p>
+        </p:txBody>
+      </p:sp>
+      <p:sp>
+        <p:nvSpPr>
+          <p:cNvPr id="11" name="Rectangle 10"/>
+          <p:cNvSpPr/>
+          <p:nvPr/>
+        </p:nvSpPr>
+        <p:spPr>
+          <a:xfrm>
+            <a:off x="4870736" y="3856436"/>
+            <a:ext cx="2901661" cy="1323439"/>
+          </a:xfrm>
+          <a:prstGeom prst="rect">
+            <a:avLst/>
+          </a:prstGeom>
+        </p:spPr>
+        <p:txBody>
+          <a:bodyPr wrap="square">
+            <a:spAutoFit/>
+          </a:bodyPr>
+          <a:lstStyle/>
+          <a:p>
+            <a:r>
+              <a:rPr lang="en-US" sz="2000" dirty="0">
+                <a:latin typeface="Courier New"/>
+                <a:cs typeface="Courier New"/>
+              </a:rPr>
+              <a:t>@SEQ_ID</a:t>
+            </a:r>
+            <a:r>
+              <a:rPr lang="en-US" sz="2000" b="1" dirty="0">
+                <a:solidFill>
+                  <a:srgbClr val="FF0000"/>
+                </a:solidFill>
+                <a:latin typeface="Courier New"/>
+                <a:cs typeface="Courier New"/>
+              </a:rPr>
+              <a:t>/1</a:t>
+            </a:r>
+          </a:p>
+          <a:p>
+            <a:r>
+              <a:rPr lang="en-US" sz="2000" dirty="0">
+                <a:latin typeface="Courier New"/>
+                <a:cs typeface="Courier New"/>
+              </a:rPr>
+              <a:t>ATCAACTGATGCATC</a:t>
+            </a:r>
+          </a:p>
+          <a:p>
+            <a:r>
+              <a:rPr lang="en-US" sz="2000" dirty="0">
+                <a:latin typeface="Courier New"/>
+                <a:cs typeface="Courier New"/>
+              </a:rPr>
+              <a:t>+</a:t>
+            </a:r>
+          </a:p>
+          <a:p>
+            <a:r>
+              <a:rPr lang="en-US" sz="2000" dirty="0">
+                <a:latin typeface="Courier New"/>
+                <a:cs typeface="Courier New"/>
+              </a:rPr>
+              <a:t>!''*((((***+))%</a:t>
+            </a:r>
+          </a:p>
+        </p:txBody>
+      </p:sp>
+      <p:sp>
+        <p:nvSpPr>
+          <p:cNvPr id="12" name="Rectangle 11"/>
+          <p:cNvSpPr/>
+          <p:nvPr/>
+        </p:nvSpPr>
+        <p:spPr>
+          <a:xfrm>
+            <a:off x="4870733" y="5386419"/>
+            <a:ext cx="2901664" cy="1323439"/>
+          </a:xfrm>
+          <a:prstGeom prst="rect">
+            <a:avLst/>
+          </a:prstGeom>
+        </p:spPr>
+        <p:txBody>
+          <a:bodyPr wrap="square">
+            <a:spAutoFit/>
+          </a:bodyPr>
+          <a:lstStyle/>
+          <a:p>
+            <a:r>
+              <a:rPr lang="en-US" sz="2000" dirty="0">
+                <a:latin typeface="Courier New"/>
+                <a:cs typeface="Courier New"/>
+              </a:rPr>
+              <a:t>@SEQ_ID</a:t>
+            </a:r>
+            <a:r>
+              <a:rPr lang="en-US" sz="2000" b="1" dirty="0">
+                <a:solidFill>
+                  <a:srgbClr val="FF0000"/>
+                </a:solidFill>
+                <a:latin typeface="Courier New"/>
+                <a:cs typeface="Courier New"/>
+              </a:rPr>
+              <a:t>/2</a:t>
+            </a:r>
+          </a:p>
+          <a:p>
+            <a:r>
+              <a:rPr lang="en-US" sz="2000" dirty="0">
+                <a:latin typeface="Courier New"/>
+                <a:cs typeface="Courier New"/>
+              </a:rPr>
+              <a:t>GATTTGGGGTTCCTG</a:t>
+            </a:r>
+          </a:p>
+          <a:p>
+            <a:r>
+              <a:rPr lang="en-US" sz="2000" dirty="0">
+                <a:latin typeface="Courier New"/>
+                <a:cs typeface="Courier New"/>
+              </a:rPr>
+              <a:t>+</a:t>
+            </a:r>
+          </a:p>
+          <a:p>
+            <a:r>
+              <a:rPr lang="fr-FR" sz="2000" dirty="0">
+                <a:latin typeface="Courier New"/>
+                <a:cs typeface="Courier New"/>
+              </a:rPr>
+              <a:t>)(%%%%).1***-+*</a:t>
+            </a:r>
+            <a:endParaRPr lang="en-US" sz="2000" dirty="0">
+              <a:latin typeface="Courier New"/>
+              <a:cs typeface="Courier New"/>
+            </a:endParaRPr>
+          </a:p>
+        </p:txBody>
+      </p:sp>
+      <p:pic>
+        <p:nvPicPr>
+          <p:cNvPr id="3" name="Picture 2" descr="Screenshot 2017-02-07 09.08.51.png"/>
+          <p:cNvPicPr>
+            <a:picLocks noChangeAspect="1"/>
+          </p:cNvPicPr>
+          <p:nvPr/>
+        </p:nvPicPr>
+        <p:blipFill>
+          <a:blip r:embed="rId2">
+            <a:extLst>
+              <a:ext uri="{28A0092B-C50C-407E-A947-70E740481C1C}">
+                <a14:useLocalDpi xmlns:a14="http://schemas.microsoft.com/office/drawing/2010/main" val="0"/>
+              </a:ext>
+            </a:extLst>
+          </a:blip>
+          <a:stretch>
+            <a:fillRect/>
+          </a:stretch>
+        </p:blipFill>
+        <p:spPr>
+          <a:xfrm>
+            <a:off x="293916" y="1070476"/>
+            <a:ext cx="8723084" cy="913757"/>
+          </a:xfrm>
+          <a:prstGeom prst="rect">
+            <a:avLst/>
+          </a:prstGeom>
+        </p:spPr>
+      </p:pic>
+      <p:sp>
+        <p:nvSpPr>
+          <p:cNvPr id="9" name="TextBox 8"/>
+          <p:cNvSpPr txBox="1"/>
+          <p:nvPr/>
+        </p:nvSpPr>
+        <p:spPr>
+          <a:xfrm>
+            <a:off x="2304125" y="3810047"/>
+            <a:ext cx="2458826" cy="1938992"/>
+          </a:xfrm>
+          <a:prstGeom prst="rect">
+            <a:avLst/>
+          </a:prstGeom>
+          <a:noFill/>
+        </p:spPr>
+        <p:txBody>
+          <a:bodyPr wrap="none" rtlCol="0">
+            <a:spAutoFit/>
+          </a:bodyPr>
+          <a:lstStyle/>
+          <a:p>
+            <a:pPr algn="r"/>
+            <a:r>
+              <a:rPr lang="en-US" sz="2400" dirty="0">
+                <a:solidFill>
+                  <a:srgbClr val="FF0000"/>
+                </a:solidFill>
+              </a:rPr>
+              <a:t>File1</a:t>
+            </a:r>
+            <a:r>
+              <a:rPr lang="en-US" sz="2400" dirty="0"/>
+              <a:t>: forward </a:t>
+            </a:r>
+            <a:r>
+              <a:rPr lang="en-US" sz="2400" dirty="0" err="1"/>
+              <a:t>seq</a:t>
+            </a:r>
+            <a:endParaRPr lang="en-US" sz="2400" dirty="0"/>
+          </a:p>
+          <a:p>
+            <a:pPr algn="r"/>
+            <a:endParaRPr lang="en-US" sz="2400" dirty="0"/>
+          </a:p>
+          <a:p>
+            <a:pPr algn="r"/>
+            <a:endParaRPr lang="en-US" sz="2400" dirty="0"/>
+          </a:p>
+          <a:p>
+            <a:pPr algn="r"/>
+            <a:endParaRPr lang="en-US" sz="2400" dirty="0"/>
+          </a:p>
+          <a:p>
+            <a:pPr algn="r"/>
+            <a:r>
+              <a:rPr lang="en-US" sz="2400" dirty="0">
+                <a:solidFill>
+                  <a:srgbClr val="FF0000"/>
+                </a:solidFill>
+              </a:rPr>
+              <a:t>File2</a:t>
+            </a:r>
+            <a:r>
+              <a:rPr lang="en-US" sz="2400" dirty="0"/>
+              <a:t>: reverse </a:t>
+            </a:r>
+            <a:r>
+              <a:rPr lang="en-US" sz="2400" dirty="0" err="1"/>
+              <a:t>seq</a:t>
+            </a:r>
+            <a:endParaRPr lang="en-US" sz="2400" dirty="0"/>
           </a:p>
         </p:txBody>
       </p:sp>
     </p:spTree>
     <p:extLst>
       <p:ext uri="{BB962C8B-B14F-4D97-AF65-F5344CB8AC3E}">
-        <p14:creationId xmlns:p14="http://schemas.microsoft.com/office/powerpoint/2010/main" val="971307639"/>
+        <p14:creationId xmlns:p14="http://schemas.microsoft.com/office/powerpoint/2010/main" val="1538731324"/>
       </p:ext>
     </p:extLst>
   </p:cSld>
@@ -4747,137 +5322,29 @@
             <p:ph type="title"/>
           </p:nvPr>
         </p:nvSpPr>
-        <p:spPr/>
-        <p:txBody>
-          <a:bodyPr/>
-          <a:lstStyle/>
-          <a:p>
-            <a:r>
-              <a:rPr lang="en-US" dirty="0"/>
-              <a:t>Data QC – FASTQC (I)</a:t>
-            </a:r>
-          </a:p>
-        </p:txBody>
-      </p:sp>
-      <p:sp>
-        <p:nvSpPr>
-          <p:cNvPr id="3" name="Content Placeholder 2"/>
-          <p:cNvSpPr>
-            <a:spLocks noGrp="1"/>
-          </p:cNvSpPr>
-          <p:nvPr>
-            <p:ph idx="1"/>
-          </p:nvPr>
-        </p:nvSpPr>
         <p:spPr>
           <a:xfrm>
-            <a:off x="738968" y="1009525"/>
-            <a:ext cx="7947832" cy="1817821"/>
+            <a:off x="431800" y="2352676"/>
+            <a:ext cx="8229600" cy="772987"/>
           </a:xfrm>
         </p:spPr>
         <p:txBody>
           <a:bodyPr>
-            <a:noAutofit/>
+            <a:normAutofit/>
           </a:bodyPr>
           <a:lstStyle/>
           <a:p>
-            <a:pPr marL="0" indent="0">
-              <a:buNone/>
-            </a:pPr>
-            <a:r>
-              <a:rPr lang="en-US" b="1" dirty="0">
-                <a:solidFill>
-                  <a:schemeClr val="tx2">
-                    <a:lumMod val="75000"/>
-                  </a:schemeClr>
-                </a:solidFill>
-              </a:rPr>
-              <a:t>FASTQC</a:t>
-            </a:r>
-            <a:r>
-              <a:rPr lang="en-US" dirty="0"/>
-              <a:t> is a tool to examine the quality of sequencing data</a:t>
-            </a:r>
-          </a:p>
-          <a:p>
-            <a:r>
-              <a:rPr lang="en-US" dirty="0"/>
-              <a:t>Easy to run: </a:t>
-            </a:r>
-            <a:r>
-              <a:rPr lang="en-US" dirty="0" err="1">
-                <a:latin typeface="Courier New"/>
-                <a:cs typeface="Courier New"/>
-              </a:rPr>
-              <a:t>fastqc</a:t>
-            </a:r>
-            <a:r>
-              <a:rPr lang="en-US" dirty="0">
-                <a:latin typeface="Courier New"/>
-                <a:cs typeface="Courier New"/>
-              </a:rPr>
-              <a:t> </a:t>
-            </a:r>
-            <a:r>
-              <a:rPr lang="en-US" dirty="0" err="1">
-                <a:latin typeface="Courier New"/>
-                <a:cs typeface="Courier New"/>
-              </a:rPr>
-              <a:t>example.fastq</a:t>
-            </a:r>
-            <a:endParaRPr lang="en-US" dirty="0">
-              <a:latin typeface="Courier New"/>
-              <a:cs typeface="Courier New"/>
-            </a:endParaRPr>
-          </a:p>
-          <a:p>
-            <a:r>
-              <a:rPr lang="en-US" dirty="0"/>
-              <a:t>Rich output information</a:t>
-            </a:r>
-          </a:p>
-          <a:p>
-            <a:r>
-              <a:rPr lang="en-US" dirty="0"/>
-              <a:t>Output presented in the html format</a:t>
-            </a:r>
-          </a:p>
-        </p:txBody>
-      </p:sp>
-      <p:pic>
-        <p:nvPicPr>
-          <p:cNvPr id="5" name="Picture 4" descr="Screen Shot 2015-01-03 at 5.59.10 PM.png"/>
-          <p:cNvPicPr>
-            <a:picLocks noChangeAspect="1"/>
-          </p:cNvPicPr>
-          <p:nvPr/>
-        </p:nvPicPr>
-        <p:blipFill>
-          <a:blip r:embed="rId2">
-            <a:extLst>
-              <a:ext uri="{28A0092B-C50C-407E-A947-70E740481C1C}">
-                <a14:useLocalDpi xmlns:a14="http://schemas.microsoft.com/office/drawing/2010/main" val="0"/>
-              </a:ext>
-            </a:extLst>
-          </a:blip>
-          <a:stretch>
-            <a:fillRect/>
-          </a:stretch>
-        </p:blipFill>
-        <p:spPr>
-          <a:xfrm>
-            <a:off x="1191013" y="3078718"/>
-            <a:ext cx="6759187" cy="3626882"/>
-          </a:xfrm>
-          <a:prstGeom prst="rect">
-            <a:avLst/>
-          </a:prstGeom>
-        </p:spPr>
-      </p:pic>
+            <a:r>
+              <a:rPr lang="en-US" sz="3600" dirty="0"/>
+              <a:t>Overview sequencing data</a:t>
+            </a:r>
+          </a:p>
+        </p:txBody>
+      </p:sp>
     </p:spTree>
     <p:extLst>
       <p:ext uri="{BB962C8B-B14F-4D97-AF65-F5344CB8AC3E}">
-        <p14:creationId xmlns:p14="http://schemas.microsoft.com/office/powerpoint/2010/main" val="3296184397"/>
+        <p14:creationId xmlns:p14="http://schemas.microsoft.com/office/powerpoint/2010/main" val="971307639"/>
       </p:ext>
     </p:extLst>
   </p:cSld>
@@ -4921,14 +5388,99 @@
           <a:p>
             <a:r>
               <a:rPr lang="en-US" dirty="0"/>
-              <a:t>FASTQC (II)</a:t>
+              <a:t>Data QC – FASTQC (I)</a:t>
+            </a:r>
+          </a:p>
+        </p:txBody>
+      </p:sp>
+      <p:sp>
+        <p:nvSpPr>
+          <p:cNvPr id="3" name="Content Placeholder 2"/>
+          <p:cNvSpPr>
+            <a:spLocks noGrp="1"/>
+          </p:cNvSpPr>
+          <p:nvPr>
+            <p:ph idx="1"/>
+          </p:nvPr>
+        </p:nvSpPr>
+        <p:spPr>
+          <a:xfrm>
+            <a:off x="738968" y="1009525"/>
+            <a:ext cx="7947832" cy="1817821"/>
+          </a:xfrm>
+        </p:spPr>
+        <p:txBody>
+          <a:bodyPr>
+            <a:noAutofit/>
+          </a:bodyPr>
+          <a:lstStyle/>
+          <a:p>
+            <a:pPr marL="0" indent="0">
+              <a:buNone/>
+            </a:pPr>
+            <a:r>
+              <a:rPr lang="en-US" b="1" dirty="0">
+                <a:solidFill>
+                  <a:schemeClr val="tx2">
+                    <a:lumMod val="75000"/>
+                  </a:schemeClr>
+                </a:solidFill>
+              </a:rPr>
+              <a:t>FASTQC</a:t>
+            </a:r>
+            <a:r>
+              <a:rPr lang="en-US" dirty="0"/>
+              <a:t> is a tool to examine the quality of sequencing data</a:t>
+            </a:r>
+          </a:p>
+          <a:p>
+            <a:r>
+              <a:rPr lang="en-US" dirty="0"/>
+              <a:t>Easy to run: </a:t>
+            </a:r>
+            <a:r>
+              <a:rPr lang="en-US" dirty="0" err="1">
+                <a:latin typeface="Courier New"/>
+                <a:cs typeface="Courier New"/>
+              </a:rPr>
+              <a:t>fastqc</a:t>
+            </a:r>
+            <a:r>
+              <a:rPr lang="en-US" dirty="0">
+                <a:latin typeface="Courier New"/>
+                <a:cs typeface="Courier New"/>
+              </a:rPr>
+              <a:t> </a:t>
+            </a:r>
+            <a:r>
+              <a:rPr lang="en-US" dirty="0" err="1">
+                <a:latin typeface="Courier New"/>
+                <a:cs typeface="Courier New"/>
+              </a:rPr>
+              <a:t>example.fastq</a:t>
+            </a:r>
+            <a:endParaRPr lang="en-US" dirty="0">
+              <a:latin typeface="Courier New"/>
+              <a:cs typeface="Courier New"/>
+            </a:endParaRPr>
+          </a:p>
+          <a:p>
+            <a:r>
+              <a:rPr lang="en-US" dirty="0"/>
+              <a:t>Rich output information</a:t>
+            </a:r>
+          </a:p>
+          <a:p>
+            <a:r>
+              <a:rPr lang="en-US" dirty="0"/>
+              <a:t>Output presented in the html format</a:t>
             </a:r>
           </a:p>
         </p:txBody>
       </p:sp>
       <p:pic>
         <p:nvPicPr>
-          <p:cNvPr id="6" name="Picture 5" descr="Screen Shot 2015-01-03 at 5.59.21 PM.png"/>
+          <p:cNvPr id="5" name="Picture 4" descr="Screen Shot 2015-01-03 at 5.59.10 PM.png"/>
           <p:cNvPicPr>
             <a:picLocks noChangeAspect="1"/>
           </p:cNvPicPr>
@@ -4948,8 +5500,8 @@
         </p:blipFill>
         <p:spPr>
           <a:xfrm>
-            <a:off x="914400" y="956953"/>
-            <a:ext cx="7404100" cy="5743135"/>
+            <a:off x="1191013" y="3078718"/>
+            <a:ext cx="6759187" cy="3626882"/>
           </a:xfrm>
           <a:prstGeom prst="rect">
             <a:avLst/>
@@ -4959,7 +5511,7 @@
     </p:spTree>
     <p:extLst>
       <p:ext uri="{BB962C8B-B14F-4D97-AF65-F5344CB8AC3E}">
-        <p14:creationId xmlns:p14="http://schemas.microsoft.com/office/powerpoint/2010/main" val="259151407"/>
+        <p14:creationId xmlns:p14="http://schemas.microsoft.com/office/powerpoint/2010/main" val="3296184397"/>
       </p:ext>
     </p:extLst>
   </p:cSld>
@@ -5003,6 +5555,88 @@
           <a:p>
             <a:r>
               <a:rPr lang="en-US" dirty="0"/>
+              <a:t>FASTQC (II)</a:t>
+            </a:r>
+          </a:p>
+        </p:txBody>
+      </p:sp>
+      <p:pic>
+        <p:nvPicPr>
+          <p:cNvPr id="6" name="Picture 5" descr="Screen Shot 2015-01-03 at 5.59.21 PM.png"/>
+          <p:cNvPicPr>
+            <a:picLocks noChangeAspect="1"/>
+          </p:cNvPicPr>
+          <p:nvPr/>
+        </p:nvPicPr>
+        <p:blipFill>
+          <a:blip r:embed="rId2">
+            <a:extLst>
+              <a:ext uri="{28A0092B-C50C-407E-A947-70E740481C1C}">
+                <a14:useLocalDpi xmlns:a14="http://schemas.microsoft.com/office/drawing/2010/main" val="0"/>
+              </a:ext>
+            </a:extLst>
+          </a:blip>
+          <a:stretch>
+            <a:fillRect/>
+          </a:stretch>
+        </p:blipFill>
+        <p:spPr>
+          <a:xfrm>
+            <a:off x="914400" y="956953"/>
+            <a:ext cx="7404100" cy="5743135"/>
+          </a:xfrm>
+          <a:prstGeom prst="rect">
+            <a:avLst/>
+          </a:prstGeom>
+        </p:spPr>
+      </p:pic>
+    </p:spTree>
+    <p:extLst>
+      <p:ext uri="{BB962C8B-B14F-4D97-AF65-F5344CB8AC3E}">
+        <p14:creationId xmlns:p14="http://schemas.microsoft.com/office/powerpoint/2010/main" val="259151407"/>
+      </p:ext>
+    </p:extLst>
+  </p:cSld>
+  <p:clrMapOvr>
+    <a:masterClrMapping/>
+  </p:clrMapOvr>
+</p:sld>
+</file>
+
+<file path=ppt/slides/slide15.xml><?xml version="1.0" encoding="utf-8"?>
+<p:sld xmlns:a="http://schemas.openxmlformats.org/drawingml/2006/main" xmlns:r="http://schemas.openxmlformats.org/officeDocument/2006/relationships" xmlns:p="http://schemas.openxmlformats.org/presentationml/2006/main">
+  <p:cSld>
+    <p:spTree>
+      <p:nvGrpSpPr>
+        <p:cNvPr id="1" name=""/>
+        <p:cNvGrpSpPr/>
+        <p:nvPr/>
+      </p:nvGrpSpPr>
+      <p:grpSpPr>
+        <a:xfrm>
+          <a:off x="0" y="0"/>
+          <a:ext cx="0" cy="0"/>
+          <a:chOff x="0" y="0"/>
+          <a:chExt cx="0" cy="0"/>
+        </a:xfrm>
+      </p:grpSpPr>
+      <p:sp>
+        <p:nvSpPr>
+          <p:cNvPr id="2" name="Title 1"/>
+          <p:cNvSpPr>
+            <a:spLocks noGrp="1"/>
+          </p:cNvSpPr>
+          <p:nvPr>
+            <p:ph type="title"/>
+          </p:nvPr>
+        </p:nvSpPr>
+        <p:spPr/>
+        <p:txBody>
+          <a:bodyPr/>
+          <a:lstStyle/>
+          <a:p>
+            <a:r>
+              <a:rPr lang="en-US" dirty="0"/>
               <a:t>Good and Bad data</a:t>
             </a:r>
           </a:p>
@@ -5119,7 +5753,7 @@
 </p:sld>
 </file>
 
-<file path=ppt/slides/slide15.xml><?xml version="1.0" encoding="utf-8"?>
+<file path=ppt/slides/slide16.xml><?xml version="1.0" encoding="utf-8"?>
 <p:sld xmlns:a="http://schemas.openxmlformats.org/drawingml/2006/main" xmlns:r="http://schemas.openxmlformats.org/officeDocument/2006/relationships" xmlns:p="http://schemas.openxmlformats.org/presentationml/2006/main">
   <p:cSld>
     <p:spTree>
@@ -7376,7 +8010,7 @@
 </p:sld>
 </file>
 
-<file path=ppt/slides/slide16.xml><?xml version="1.0" encoding="utf-8"?>
+<file path=ppt/slides/slide17.xml><?xml version="1.0" encoding="utf-8"?>
 <p:sld xmlns:a="http://schemas.openxmlformats.org/drawingml/2006/main" xmlns:r="http://schemas.openxmlformats.org/officeDocument/2006/relationships" xmlns:p="http://schemas.openxmlformats.org/presentationml/2006/main">
   <p:cSld>
     <p:spTree>
@@ -7789,7 +8423,7 @@
 </p:sld>
 </file>
 
-<file path=ppt/slides/slide17.xml><?xml version="1.0" encoding="utf-8"?>
+<file path=ppt/slides/slide18.xml><?xml version="1.0" encoding="utf-8"?>
 <p:sld xmlns:a="http://schemas.openxmlformats.org/drawingml/2006/main" xmlns:r="http://schemas.openxmlformats.org/officeDocument/2006/relationships" xmlns:p="http://schemas.openxmlformats.org/presentationml/2006/main">
   <p:cSld>
     <p:spTree>
@@ -8364,7 +8998,7 @@
 </p:sld>
 </file>
 
-<file path=ppt/slides/slide18.xml><?xml version="1.0" encoding="utf-8"?>
+<file path=ppt/slides/slide19.xml><?xml version="1.0" encoding="utf-8"?>
 <p:sld xmlns:a="http://schemas.openxmlformats.org/drawingml/2006/main" xmlns:r="http://schemas.openxmlformats.org/officeDocument/2006/relationships" xmlns:p="http://schemas.openxmlformats.org/presentationml/2006/main">
   <p:cSld>
     <p:spTree>
@@ -8474,7 +9108,171 @@
 </p:sld>
 </file>
 
-<file path=ppt/slides/slide19.xml><?xml version="1.0" encoding="utf-8"?>
+<file path=ppt/slides/slide2.xml><?xml version="1.0" encoding="utf-8"?>
+<p:sld xmlns:a="http://schemas.openxmlformats.org/drawingml/2006/main" xmlns:r="http://schemas.openxmlformats.org/officeDocument/2006/relationships" xmlns:p="http://schemas.openxmlformats.org/presentationml/2006/main">
+  <p:cSld>
+    <p:spTree>
+      <p:nvGrpSpPr>
+        <p:cNvPr id="1" name=""/>
+        <p:cNvGrpSpPr/>
+        <p:nvPr/>
+      </p:nvGrpSpPr>
+      <p:grpSpPr>
+        <a:xfrm>
+          <a:off x="0" y="0"/>
+          <a:ext cx="0" cy="0"/>
+          <a:chOff x="0" y="0"/>
+          <a:chExt cx="0" cy="0"/>
+        </a:xfrm>
+      </p:grpSpPr>
+      <p:sp>
+        <p:nvSpPr>
+          <p:cNvPr id="4" name="Title 3"/>
+          <p:cNvSpPr>
+            <a:spLocks noGrp="1"/>
+          </p:cNvSpPr>
+          <p:nvPr>
+            <p:ph type="title"/>
+          </p:nvPr>
+        </p:nvSpPr>
+        <p:spPr/>
+        <p:txBody>
+          <a:bodyPr>
+            <a:normAutofit/>
+          </a:bodyPr>
+          <a:lstStyle/>
+          <a:p>
+            <a:r>
+              <a:rPr lang="en-US" sz="3600" dirty="0"/>
+              <a:t>Outline</a:t>
+            </a:r>
+          </a:p>
+        </p:txBody>
+      </p:sp>
+      <p:sp>
+        <p:nvSpPr>
+          <p:cNvPr id="5" name="Content Placeholder 4"/>
+          <p:cNvSpPr>
+            <a:spLocks noGrp="1"/>
+          </p:cNvSpPr>
+          <p:nvPr>
+            <p:ph idx="1"/>
+          </p:nvPr>
+        </p:nvSpPr>
+        <p:spPr>
+          <a:xfrm>
+            <a:off x="1215340" y="1594648"/>
+            <a:ext cx="7141581" cy="3900198"/>
+          </a:xfrm>
+        </p:spPr>
+        <p:txBody>
+          <a:bodyPr>
+            <a:noAutofit/>
+          </a:bodyPr>
+          <a:lstStyle/>
+          <a:p>
+            <a:pPr>
+              <a:lnSpc>
+                <a:spcPct val="120000"/>
+              </a:lnSpc>
+            </a:pPr>
+            <a:r>
+              <a:rPr lang="en-US" sz="3200" dirty="0"/>
+              <a:t>Sequence data format</a:t>
+            </a:r>
+          </a:p>
+          <a:p>
+            <a:pPr>
+              <a:lnSpc>
+                <a:spcPct val="120000"/>
+              </a:lnSpc>
+            </a:pPr>
+            <a:r>
+              <a:rPr lang="en-US" sz="3200" dirty="0"/>
+              <a:t>Sequence quality</a:t>
+            </a:r>
+          </a:p>
+          <a:p>
+            <a:pPr>
+              <a:lnSpc>
+                <a:spcPct val="120000"/>
+              </a:lnSpc>
+            </a:pPr>
+            <a:r>
+              <a:rPr lang="en-US" sz="3200" dirty="0"/>
+              <a:t>Quality checking (</a:t>
+            </a:r>
+            <a:r>
+              <a:rPr lang="en-US" sz="3200" dirty="0" err="1"/>
+              <a:t>fastQC</a:t>
+            </a:r>
+            <a:r>
+              <a:rPr lang="en-US" sz="3200" dirty="0"/>
+              <a:t>)</a:t>
+            </a:r>
+          </a:p>
+          <a:p>
+            <a:pPr>
+              <a:lnSpc>
+                <a:spcPct val="120000"/>
+              </a:lnSpc>
+            </a:pPr>
+            <a:r>
+              <a:rPr lang="en-US" sz="3200" dirty="0"/>
+              <a:t>Sequence data processing (</a:t>
+            </a:r>
+            <a:r>
+              <a:rPr lang="en-US" sz="3200" dirty="0" err="1"/>
+              <a:t>seqtk</a:t>
+            </a:r>
+            <a:r>
+              <a:rPr lang="en-US" sz="3200" dirty="0"/>
+              <a:t>)</a:t>
+            </a:r>
+          </a:p>
+          <a:p>
+            <a:pPr>
+              <a:lnSpc>
+                <a:spcPct val="120000"/>
+              </a:lnSpc>
+            </a:pPr>
+            <a:r>
+              <a:rPr lang="en-US" sz="3200" dirty="0"/>
+              <a:t>Sequence</a:t>
+            </a:r>
+            <a:r>
+              <a:rPr lang="zh-CN" altLang="en-US" sz="3200" dirty="0"/>
+              <a:t> </a:t>
+            </a:r>
+            <a:r>
+              <a:rPr lang="en-US" sz="3200" dirty="0"/>
+              <a:t>trimming (</a:t>
+            </a:r>
+            <a:r>
+              <a:rPr lang="en-US" sz="3200" dirty="0" err="1"/>
+              <a:t>trimmomatic</a:t>
+            </a:r>
+            <a:r>
+              <a:rPr lang="en-US" sz="3200" dirty="0"/>
+              <a:t>)</a:t>
+            </a:r>
+          </a:p>
+        </p:txBody>
+      </p:sp>
+    </p:spTree>
+    <p:extLst>
+      <p:ext uri="{BB962C8B-B14F-4D97-AF65-F5344CB8AC3E}">
+        <p14:creationId xmlns:p14="http://schemas.microsoft.com/office/powerpoint/2010/main" val="1007287544"/>
+      </p:ext>
+    </p:extLst>
+  </p:cSld>
+  <p:clrMapOvr>
+    <a:masterClrMapping/>
+  </p:clrMapOvr>
+</p:sld>
+</file>
+
+<file path=ppt/slides/slide20.xml><?xml version="1.0" encoding="utf-8"?>
 <p:sld xmlns:a="http://schemas.openxmlformats.org/drawingml/2006/main" xmlns:r="http://schemas.openxmlformats.org/officeDocument/2006/relationships" xmlns:p="http://schemas.openxmlformats.org/presentationml/2006/main">
   <p:cSld>
     <p:spTree>
@@ -9159,171 +9957,7 @@
 </p:sld>
 </file>
 
-<file path=ppt/slides/slide2.xml><?xml version="1.0" encoding="utf-8"?>
-<p:sld xmlns:a="http://schemas.openxmlformats.org/drawingml/2006/main" xmlns:r="http://schemas.openxmlformats.org/officeDocument/2006/relationships" xmlns:p="http://schemas.openxmlformats.org/presentationml/2006/main">
-  <p:cSld>
-    <p:spTree>
-      <p:nvGrpSpPr>
-        <p:cNvPr id="1" name=""/>
-        <p:cNvGrpSpPr/>
-        <p:nvPr/>
-      </p:nvGrpSpPr>
-      <p:grpSpPr>
-        <a:xfrm>
-          <a:off x="0" y="0"/>
-          <a:ext cx="0" cy="0"/>
-          <a:chOff x="0" y="0"/>
-          <a:chExt cx="0" cy="0"/>
-        </a:xfrm>
-      </p:grpSpPr>
-      <p:sp>
-        <p:nvSpPr>
-          <p:cNvPr id="4" name="Title 3"/>
-          <p:cNvSpPr>
-            <a:spLocks noGrp="1"/>
-          </p:cNvSpPr>
-          <p:nvPr>
-            <p:ph type="title"/>
-          </p:nvPr>
-        </p:nvSpPr>
-        <p:spPr/>
-        <p:txBody>
-          <a:bodyPr>
-            <a:normAutofit/>
-          </a:bodyPr>
-          <a:lstStyle/>
-          <a:p>
-            <a:r>
-              <a:rPr lang="en-US" sz="3600" dirty="0"/>
-              <a:t>Outline</a:t>
-            </a:r>
-          </a:p>
-        </p:txBody>
-      </p:sp>
-      <p:sp>
-        <p:nvSpPr>
-          <p:cNvPr id="5" name="Content Placeholder 4"/>
-          <p:cNvSpPr>
-            <a:spLocks noGrp="1"/>
-          </p:cNvSpPr>
-          <p:nvPr>
-            <p:ph idx="1"/>
-          </p:nvPr>
-        </p:nvSpPr>
-        <p:spPr>
-          <a:xfrm>
-            <a:off x="1215340" y="1594648"/>
-            <a:ext cx="7141581" cy="3900198"/>
-          </a:xfrm>
-        </p:spPr>
-        <p:txBody>
-          <a:bodyPr>
-            <a:noAutofit/>
-          </a:bodyPr>
-          <a:lstStyle/>
-          <a:p>
-            <a:pPr>
-              <a:lnSpc>
-                <a:spcPct val="120000"/>
-              </a:lnSpc>
-            </a:pPr>
-            <a:r>
-              <a:rPr lang="en-US" sz="3200" dirty="0"/>
-              <a:t>Sequence data format</a:t>
-            </a:r>
-          </a:p>
-          <a:p>
-            <a:pPr>
-              <a:lnSpc>
-                <a:spcPct val="120000"/>
-              </a:lnSpc>
-            </a:pPr>
-            <a:r>
-              <a:rPr lang="en-US" sz="3200" dirty="0"/>
-              <a:t>Sequence quality</a:t>
-            </a:r>
-          </a:p>
-          <a:p>
-            <a:pPr>
-              <a:lnSpc>
-                <a:spcPct val="120000"/>
-              </a:lnSpc>
-            </a:pPr>
-            <a:r>
-              <a:rPr lang="en-US" sz="3200" dirty="0"/>
-              <a:t>Quality checking (</a:t>
-            </a:r>
-            <a:r>
-              <a:rPr lang="en-US" sz="3200" dirty="0" err="1"/>
-              <a:t>fastQC</a:t>
-            </a:r>
-            <a:r>
-              <a:rPr lang="en-US" sz="3200" dirty="0"/>
-              <a:t>)</a:t>
-            </a:r>
-          </a:p>
-          <a:p>
-            <a:pPr>
-              <a:lnSpc>
-                <a:spcPct val="120000"/>
-              </a:lnSpc>
-            </a:pPr>
-            <a:r>
-              <a:rPr lang="en-US" sz="3200" dirty="0"/>
-              <a:t>Sequence data processing (</a:t>
-            </a:r>
-            <a:r>
-              <a:rPr lang="en-US" sz="3200" dirty="0" err="1"/>
-              <a:t>seqtk</a:t>
-            </a:r>
-            <a:r>
-              <a:rPr lang="en-US" sz="3200" dirty="0"/>
-              <a:t>)</a:t>
-            </a:r>
-          </a:p>
-          <a:p>
-            <a:pPr>
-              <a:lnSpc>
-                <a:spcPct val="120000"/>
-              </a:lnSpc>
-            </a:pPr>
-            <a:r>
-              <a:rPr lang="en-US" sz="3200" dirty="0"/>
-              <a:t>Sequence</a:t>
-            </a:r>
-            <a:r>
-              <a:rPr lang="zh-CN" altLang="en-US" sz="3200" dirty="0"/>
-              <a:t> </a:t>
-            </a:r>
-            <a:r>
-              <a:rPr lang="en-US" sz="3200" dirty="0"/>
-              <a:t>trimming (</a:t>
-            </a:r>
-            <a:r>
-              <a:rPr lang="en-US" sz="3200" dirty="0" err="1"/>
-              <a:t>trimmomatic</a:t>
-            </a:r>
-            <a:r>
-              <a:rPr lang="en-US" sz="3200" dirty="0"/>
-              <a:t>)</a:t>
-            </a:r>
-          </a:p>
-        </p:txBody>
-      </p:sp>
-    </p:spTree>
-    <p:extLst>
-      <p:ext uri="{BB962C8B-B14F-4D97-AF65-F5344CB8AC3E}">
-        <p14:creationId xmlns:p14="http://schemas.microsoft.com/office/powerpoint/2010/main" val="1007287544"/>
-      </p:ext>
-    </p:extLst>
-  </p:cSld>
-  <p:clrMapOvr>
-    <a:masterClrMapping/>
-  </p:clrMapOvr>
-</p:sld>
-</file>
-
-<file path=ppt/slides/slide20.xml><?xml version="1.0" encoding="utf-8"?>
+<file path=ppt/slides/slide21.xml><?xml version="1.0" encoding="utf-8"?>
 <p:sld xmlns:a="http://schemas.openxmlformats.org/drawingml/2006/main" xmlns:r="http://schemas.openxmlformats.org/officeDocument/2006/relationships" xmlns:p="http://schemas.openxmlformats.org/presentationml/2006/main">
   <p:cSld>
     <p:spTree>
@@ -11108,7 +11742,7 @@
 </p:sld>
 </file>
 
-<file path=ppt/slides/slide21.xml><?xml version="1.0" encoding="utf-8"?>
+<file path=ppt/slides/slide22.xml><?xml version="1.0" encoding="utf-8"?>
 <p:sld xmlns:a="http://schemas.openxmlformats.org/drawingml/2006/main" xmlns:r="http://schemas.openxmlformats.org/officeDocument/2006/relationships" xmlns:p="http://schemas.openxmlformats.org/presentationml/2006/main">
   <p:cSld>
     <p:spTree>
@@ -12997,7 +13631,7 @@
 </p:sld>
 </file>
 
-<file path=ppt/slides/slide22.xml><?xml version="1.0" encoding="utf-8"?>
+<file path=ppt/slides/slide23.xml><?xml version="1.0" encoding="utf-8"?>
 <p:sld xmlns:a="http://schemas.openxmlformats.org/drawingml/2006/main" xmlns:r="http://schemas.openxmlformats.org/officeDocument/2006/relationships" xmlns:p="http://schemas.openxmlformats.org/presentationml/2006/main">
   <p:cSld>
     <p:spTree>
@@ -13074,1336 +13708,6 @@
     <p:extLst>
       <p:ext uri="{BB962C8B-B14F-4D97-AF65-F5344CB8AC3E}">
         <p14:creationId xmlns:p14="http://schemas.microsoft.com/office/powerpoint/2010/main" val="3583514925"/>
-      </p:ext>
-    </p:extLst>
-  </p:cSld>
-  <p:clrMapOvr>
-    <a:masterClrMapping/>
-  </p:clrMapOvr>
-</p:sld>
-</file>
-
-<file path=ppt/slides/slide23.xml><?xml version="1.0" encoding="utf-8"?>
-<p:sld xmlns:a="http://schemas.openxmlformats.org/drawingml/2006/main" xmlns:r="http://schemas.openxmlformats.org/officeDocument/2006/relationships" xmlns:p="http://schemas.openxmlformats.org/presentationml/2006/main">
-  <p:cSld>
-    <p:spTree>
-      <p:nvGrpSpPr>
-        <p:cNvPr id="1" name=""/>
-        <p:cNvGrpSpPr/>
-        <p:nvPr/>
-      </p:nvGrpSpPr>
-      <p:grpSpPr>
-        <a:xfrm>
-          <a:off x="0" y="0"/>
-          <a:ext cx="0" cy="0"/>
-          <a:chOff x="0" y="0"/>
-          <a:chExt cx="0" cy="0"/>
-        </a:xfrm>
-      </p:grpSpPr>
-      <p:sp>
-        <p:nvSpPr>
-          <p:cNvPr id="2" name="Title 1"/>
-          <p:cNvSpPr>
-            <a:spLocks noGrp="1"/>
-          </p:cNvSpPr>
-          <p:nvPr>
-            <p:ph type="title"/>
-          </p:nvPr>
-        </p:nvSpPr>
-        <p:spPr/>
-        <p:txBody>
-          <a:bodyPr/>
-          <a:lstStyle/>
-          <a:p>
-            <a:r>
-              <a:rPr lang="en-US" dirty="0" err="1"/>
-              <a:t>Trimmomatic</a:t>
-            </a:r>
-            <a:r>
-              <a:rPr lang="en-US" dirty="0"/>
-              <a:t> – simple mode</a:t>
-            </a:r>
-          </a:p>
-        </p:txBody>
-      </p:sp>
-      <p:sp>
-        <p:nvSpPr>
-          <p:cNvPr id="6" name="Rectangle 5"/>
-          <p:cNvSpPr/>
-          <p:nvPr/>
-        </p:nvSpPr>
-        <p:spPr>
-          <a:xfrm>
-            <a:off x="870523" y="2691913"/>
-            <a:ext cx="3682279" cy="133284"/>
-          </a:xfrm>
-          <a:prstGeom prst="rect">
-            <a:avLst/>
-          </a:prstGeom>
-          <a:solidFill>
-            <a:srgbClr val="FF0000"/>
-          </a:solidFill>
-          <a:ln>
-            <a:solidFill>
-              <a:srgbClr val="7F7F7F"/>
-            </a:solidFill>
-          </a:ln>
-          <a:effectLst/>
-        </p:spPr>
-        <p:style>
-          <a:lnRef idx="1">
-            <a:schemeClr val="accent1"/>
-          </a:lnRef>
-          <a:fillRef idx="3">
-            <a:schemeClr val="accent1"/>
-          </a:fillRef>
-          <a:effectRef idx="2">
-            <a:schemeClr val="accent1"/>
-          </a:effectRef>
-          <a:fontRef idx="minor">
-            <a:schemeClr val="lt1"/>
-          </a:fontRef>
-        </p:style>
-        <p:txBody>
-          <a:bodyPr rtlCol="0" anchor="ctr"/>
-          <a:lstStyle/>
-          <a:p>
-            <a:pPr algn="ctr"/>
-            <a:endParaRPr lang="en-US"/>
-          </a:p>
-        </p:txBody>
-      </p:sp>
-      <p:sp>
-        <p:nvSpPr>
-          <p:cNvPr id="8" name="TextBox 7"/>
-          <p:cNvSpPr txBox="1"/>
-          <p:nvPr/>
-        </p:nvSpPr>
-        <p:spPr>
-          <a:xfrm>
-            <a:off x="870524" y="2337495"/>
-            <a:ext cx="1122085" cy="369332"/>
-          </a:xfrm>
-          <a:prstGeom prst="rect">
-            <a:avLst/>
-          </a:prstGeom>
-          <a:noFill/>
-        </p:spPr>
-        <p:txBody>
-          <a:bodyPr wrap="none" rtlCol="0">
-            <a:spAutoFit/>
-          </a:bodyPr>
-          <a:lstStyle/>
-          <a:p>
-            <a:r>
-              <a:rPr lang="en-US" dirty="0">
-                <a:solidFill>
-                  <a:schemeClr val="tx1">
-                    <a:lumMod val="65000"/>
-                    <a:lumOff val="35000"/>
-                  </a:schemeClr>
-                </a:solidFill>
-              </a:rPr>
-              <a:t>Read 5’-3’</a:t>
-            </a:r>
-          </a:p>
-        </p:txBody>
-      </p:sp>
-      <p:cxnSp>
-        <p:nvCxnSpPr>
-          <p:cNvPr id="10" name="Straight Connector 9"/>
-          <p:cNvCxnSpPr/>
-          <p:nvPr/>
-        </p:nvCxnSpPr>
-        <p:spPr>
-          <a:xfrm>
-            <a:off x="880933" y="2363791"/>
-            <a:ext cx="0" cy="343036"/>
-          </a:xfrm>
-          <a:prstGeom prst="line">
-            <a:avLst/>
-          </a:prstGeom>
-          <a:ln>
-            <a:solidFill>
-              <a:schemeClr val="tx1">
-                <a:lumMod val="50000"/>
-                <a:lumOff val="50000"/>
-              </a:schemeClr>
-            </a:solidFill>
-          </a:ln>
-          <a:effectLst/>
-        </p:spPr>
-        <p:style>
-          <a:lnRef idx="2">
-            <a:schemeClr val="accent1"/>
-          </a:lnRef>
-          <a:fillRef idx="0">
-            <a:schemeClr val="accent1"/>
-          </a:fillRef>
-          <a:effectRef idx="1">
-            <a:schemeClr val="accent1"/>
-          </a:effectRef>
-          <a:fontRef idx="minor">
-            <a:schemeClr val="tx1"/>
-          </a:fontRef>
-        </p:style>
-      </p:cxnSp>
-      <p:cxnSp>
-        <p:nvCxnSpPr>
-          <p:cNvPr id="12" name="Straight Arrow Connector 11"/>
-          <p:cNvCxnSpPr>
-            <a:stCxn id="8" idx="3"/>
-          </p:cNvCxnSpPr>
-          <p:nvPr/>
-        </p:nvCxnSpPr>
-        <p:spPr>
-          <a:xfrm>
-            <a:off x="1992609" y="2522161"/>
-            <a:ext cx="1067656" cy="2201"/>
-          </a:xfrm>
-          <a:prstGeom prst="straightConnector1">
-            <a:avLst/>
-          </a:prstGeom>
-          <a:ln>
-            <a:solidFill>
-              <a:schemeClr val="tx1">
-                <a:lumMod val="50000"/>
-                <a:lumOff val="50000"/>
-              </a:schemeClr>
-            </a:solidFill>
-            <a:tailEnd type="arrow"/>
-          </a:ln>
-          <a:effectLst/>
-        </p:spPr>
-        <p:style>
-          <a:lnRef idx="2">
-            <a:schemeClr val="accent1"/>
-          </a:lnRef>
-          <a:fillRef idx="0">
-            <a:schemeClr val="accent1"/>
-          </a:fillRef>
-          <a:effectRef idx="1">
-            <a:schemeClr val="accent1"/>
-          </a:effectRef>
-          <a:fontRef idx="minor">
-            <a:schemeClr val="tx1"/>
-          </a:fontRef>
-        </p:style>
-      </p:cxnSp>
-      <p:sp>
-        <p:nvSpPr>
-          <p:cNvPr id="15" name="Rectangle 14"/>
-          <p:cNvSpPr/>
-          <p:nvPr/>
-        </p:nvSpPr>
-        <p:spPr>
-          <a:xfrm>
-            <a:off x="870523" y="3640338"/>
-            <a:ext cx="3682279" cy="133284"/>
-          </a:xfrm>
-          <a:prstGeom prst="rect">
-            <a:avLst/>
-          </a:prstGeom>
-          <a:solidFill>
-            <a:srgbClr val="FF0000"/>
-          </a:solidFill>
-          <a:ln>
-            <a:solidFill>
-              <a:srgbClr val="7F7F7F"/>
-            </a:solidFill>
-          </a:ln>
-          <a:effectLst/>
-        </p:spPr>
-        <p:style>
-          <a:lnRef idx="1">
-            <a:schemeClr val="accent1"/>
-          </a:lnRef>
-          <a:fillRef idx="3">
-            <a:schemeClr val="accent1"/>
-          </a:fillRef>
-          <a:effectRef idx="2">
-            <a:schemeClr val="accent1"/>
-          </a:effectRef>
-          <a:fontRef idx="minor">
-            <a:schemeClr val="lt1"/>
-          </a:fontRef>
-        </p:style>
-        <p:txBody>
-          <a:bodyPr rtlCol="0" anchor="ctr"/>
-          <a:lstStyle/>
-          <a:p>
-            <a:pPr algn="ctr"/>
-            <a:endParaRPr lang="en-US"/>
-          </a:p>
-        </p:txBody>
-      </p:sp>
-      <p:sp>
-        <p:nvSpPr>
-          <p:cNvPr id="16" name="TextBox 15"/>
-          <p:cNvSpPr txBox="1"/>
-          <p:nvPr/>
-        </p:nvSpPr>
-        <p:spPr>
-          <a:xfrm>
-            <a:off x="870524" y="3285920"/>
-            <a:ext cx="1122085" cy="369332"/>
-          </a:xfrm>
-          <a:prstGeom prst="rect">
-            <a:avLst/>
-          </a:prstGeom>
-          <a:noFill/>
-        </p:spPr>
-        <p:txBody>
-          <a:bodyPr wrap="none" rtlCol="0">
-            <a:spAutoFit/>
-          </a:bodyPr>
-          <a:lstStyle/>
-          <a:p>
-            <a:r>
-              <a:rPr lang="en-US" dirty="0">
-                <a:solidFill>
-                  <a:schemeClr val="tx1">
-                    <a:lumMod val="65000"/>
-                    <a:lumOff val="35000"/>
-                  </a:schemeClr>
-                </a:solidFill>
-              </a:rPr>
-              <a:t>Read 5’-3’</a:t>
-            </a:r>
-          </a:p>
-        </p:txBody>
-      </p:sp>
-      <p:cxnSp>
-        <p:nvCxnSpPr>
-          <p:cNvPr id="17" name="Straight Connector 16"/>
-          <p:cNvCxnSpPr/>
-          <p:nvPr/>
-        </p:nvCxnSpPr>
-        <p:spPr>
-          <a:xfrm>
-            <a:off x="880933" y="3312216"/>
-            <a:ext cx="0" cy="343036"/>
-          </a:xfrm>
-          <a:prstGeom prst="line">
-            <a:avLst/>
-          </a:prstGeom>
-          <a:ln>
-            <a:solidFill>
-              <a:schemeClr val="tx1">
-                <a:lumMod val="50000"/>
-                <a:lumOff val="50000"/>
-              </a:schemeClr>
-            </a:solidFill>
-          </a:ln>
-          <a:effectLst/>
-        </p:spPr>
-        <p:style>
-          <a:lnRef idx="2">
-            <a:schemeClr val="accent1"/>
-          </a:lnRef>
-          <a:fillRef idx="0">
-            <a:schemeClr val="accent1"/>
-          </a:fillRef>
-          <a:effectRef idx="1">
-            <a:schemeClr val="accent1"/>
-          </a:effectRef>
-          <a:fontRef idx="minor">
-            <a:schemeClr val="tx1"/>
-          </a:fontRef>
-        </p:style>
-      </p:cxnSp>
-      <p:cxnSp>
-        <p:nvCxnSpPr>
-          <p:cNvPr id="18" name="Straight Arrow Connector 17"/>
-          <p:cNvCxnSpPr>
-            <a:stCxn id="16" idx="3"/>
-          </p:cNvCxnSpPr>
-          <p:nvPr/>
-        </p:nvCxnSpPr>
-        <p:spPr>
-          <a:xfrm>
-            <a:off x="1992609" y="3470586"/>
-            <a:ext cx="1067656" cy="2201"/>
-          </a:xfrm>
-          <a:prstGeom prst="straightConnector1">
-            <a:avLst/>
-          </a:prstGeom>
-          <a:ln>
-            <a:solidFill>
-              <a:schemeClr val="tx1">
-                <a:lumMod val="50000"/>
-                <a:lumOff val="50000"/>
-              </a:schemeClr>
-            </a:solidFill>
-            <a:tailEnd type="arrow"/>
-          </a:ln>
-          <a:effectLst/>
-        </p:spPr>
-        <p:style>
-          <a:lnRef idx="2">
-            <a:schemeClr val="accent1"/>
-          </a:lnRef>
-          <a:fillRef idx="0">
-            <a:schemeClr val="accent1"/>
-          </a:fillRef>
-          <a:effectRef idx="1">
-            <a:schemeClr val="accent1"/>
-          </a:effectRef>
-          <a:fontRef idx="minor">
-            <a:schemeClr val="tx1"/>
-          </a:fontRef>
-        </p:style>
-      </p:cxnSp>
-      <p:sp>
-        <p:nvSpPr>
-          <p:cNvPr id="19" name="Rectangle 18"/>
-          <p:cNvSpPr/>
-          <p:nvPr/>
-        </p:nvSpPr>
-        <p:spPr>
-          <a:xfrm>
-            <a:off x="870524" y="4614112"/>
-            <a:ext cx="2265656" cy="133284"/>
-          </a:xfrm>
-          <a:prstGeom prst="rect">
-            <a:avLst/>
-          </a:prstGeom>
-          <a:solidFill>
-            <a:srgbClr val="008000"/>
-          </a:solidFill>
-          <a:ln>
-            <a:solidFill>
-              <a:srgbClr val="7F7F7F"/>
-            </a:solidFill>
-          </a:ln>
-          <a:effectLst/>
-        </p:spPr>
-        <p:style>
-          <a:lnRef idx="1">
-            <a:schemeClr val="accent1"/>
-          </a:lnRef>
-          <a:fillRef idx="3">
-            <a:schemeClr val="accent1"/>
-          </a:fillRef>
-          <a:effectRef idx="2">
-            <a:schemeClr val="accent1"/>
-          </a:effectRef>
-          <a:fontRef idx="minor">
-            <a:schemeClr val="lt1"/>
-          </a:fontRef>
-        </p:style>
-        <p:txBody>
-          <a:bodyPr rtlCol="0" anchor="ctr"/>
-          <a:lstStyle/>
-          <a:p>
-            <a:pPr algn="ctr"/>
-            <a:endParaRPr lang="en-US"/>
-          </a:p>
-        </p:txBody>
-      </p:sp>
-      <p:sp>
-        <p:nvSpPr>
-          <p:cNvPr id="20" name="TextBox 19"/>
-          <p:cNvSpPr txBox="1"/>
-          <p:nvPr/>
-        </p:nvSpPr>
-        <p:spPr>
-          <a:xfrm>
-            <a:off x="870524" y="4259694"/>
-            <a:ext cx="1122085" cy="369332"/>
-          </a:xfrm>
-          <a:prstGeom prst="rect">
-            <a:avLst/>
-          </a:prstGeom>
-          <a:noFill/>
-        </p:spPr>
-        <p:txBody>
-          <a:bodyPr wrap="none" rtlCol="0">
-            <a:spAutoFit/>
-          </a:bodyPr>
-          <a:lstStyle/>
-          <a:p>
-            <a:r>
-              <a:rPr lang="en-US" dirty="0">
-                <a:solidFill>
-                  <a:schemeClr val="tx1">
-                    <a:lumMod val="65000"/>
-                    <a:lumOff val="35000"/>
-                  </a:schemeClr>
-                </a:solidFill>
-              </a:rPr>
-              <a:t>Read 5’-3’</a:t>
-            </a:r>
-          </a:p>
-        </p:txBody>
-      </p:sp>
-      <p:cxnSp>
-        <p:nvCxnSpPr>
-          <p:cNvPr id="21" name="Straight Connector 20"/>
-          <p:cNvCxnSpPr/>
-          <p:nvPr/>
-        </p:nvCxnSpPr>
-        <p:spPr>
-          <a:xfrm>
-            <a:off x="880933" y="4285990"/>
-            <a:ext cx="0" cy="343036"/>
-          </a:xfrm>
-          <a:prstGeom prst="line">
-            <a:avLst/>
-          </a:prstGeom>
-          <a:ln>
-            <a:solidFill>
-              <a:schemeClr val="tx1">
-                <a:lumMod val="50000"/>
-                <a:lumOff val="50000"/>
-              </a:schemeClr>
-            </a:solidFill>
-          </a:ln>
-          <a:effectLst/>
-        </p:spPr>
-        <p:style>
-          <a:lnRef idx="2">
-            <a:schemeClr val="accent1"/>
-          </a:lnRef>
-          <a:fillRef idx="0">
-            <a:schemeClr val="accent1"/>
-          </a:fillRef>
-          <a:effectRef idx="1">
-            <a:schemeClr val="accent1"/>
-          </a:effectRef>
-          <a:fontRef idx="minor">
-            <a:schemeClr val="tx1"/>
-          </a:fontRef>
-        </p:style>
-      </p:cxnSp>
-      <p:cxnSp>
-        <p:nvCxnSpPr>
-          <p:cNvPr id="22" name="Straight Arrow Connector 21"/>
-          <p:cNvCxnSpPr>
-            <a:stCxn id="20" idx="3"/>
-          </p:cNvCxnSpPr>
-          <p:nvPr/>
-        </p:nvCxnSpPr>
-        <p:spPr>
-          <a:xfrm>
-            <a:off x="1992609" y="4444360"/>
-            <a:ext cx="1067656" cy="2201"/>
-          </a:xfrm>
-          <a:prstGeom prst="straightConnector1">
-            <a:avLst/>
-          </a:prstGeom>
-          <a:ln>
-            <a:solidFill>
-              <a:schemeClr val="tx1">
-                <a:lumMod val="50000"/>
-                <a:lumOff val="50000"/>
-              </a:schemeClr>
-            </a:solidFill>
-            <a:tailEnd type="arrow"/>
-          </a:ln>
-          <a:effectLst/>
-        </p:spPr>
-        <p:style>
-          <a:lnRef idx="2">
-            <a:schemeClr val="accent1"/>
-          </a:lnRef>
-          <a:fillRef idx="0">
-            <a:schemeClr val="accent1"/>
-          </a:fillRef>
-          <a:effectRef idx="1">
-            <a:schemeClr val="accent1"/>
-          </a:effectRef>
-          <a:fontRef idx="minor">
-            <a:schemeClr val="tx1"/>
-          </a:fontRef>
-        </p:style>
-      </p:cxnSp>
-      <p:sp>
-        <p:nvSpPr>
-          <p:cNvPr id="23" name="Rectangle 22"/>
-          <p:cNvSpPr/>
-          <p:nvPr/>
-        </p:nvSpPr>
-        <p:spPr>
-          <a:xfrm>
-            <a:off x="870523" y="5634340"/>
-            <a:ext cx="3105125" cy="133284"/>
-          </a:xfrm>
-          <a:prstGeom prst="rect">
-            <a:avLst/>
-          </a:prstGeom>
-          <a:solidFill>
-            <a:srgbClr val="008000"/>
-          </a:solidFill>
-          <a:ln>
-            <a:solidFill>
-              <a:srgbClr val="7F7F7F"/>
-            </a:solidFill>
-          </a:ln>
-          <a:effectLst/>
-        </p:spPr>
-        <p:style>
-          <a:lnRef idx="1">
-            <a:schemeClr val="accent1"/>
-          </a:lnRef>
-          <a:fillRef idx="3">
-            <a:schemeClr val="accent1"/>
-          </a:fillRef>
-          <a:effectRef idx="2">
-            <a:schemeClr val="accent1"/>
-          </a:effectRef>
-          <a:fontRef idx="minor">
-            <a:schemeClr val="lt1"/>
-          </a:fontRef>
-        </p:style>
-        <p:txBody>
-          <a:bodyPr rtlCol="0" anchor="ctr"/>
-          <a:lstStyle/>
-          <a:p>
-            <a:pPr algn="ctr"/>
-            <a:endParaRPr lang="en-US"/>
-          </a:p>
-        </p:txBody>
-      </p:sp>
-      <p:sp>
-        <p:nvSpPr>
-          <p:cNvPr id="24" name="TextBox 23"/>
-          <p:cNvSpPr txBox="1"/>
-          <p:nvPr/>
-        </p:nvSpPr>
-        <p:spPr>
-          <a:xfrm>
-            <a:off x="870524" y="5279922"/>
-            <a:ext cx="1122085" cy="369332"/>
-          </a:xfrm>
-          <a:prstGeom prst="rect">
-            <a:avLst/>
-          </a:prstGeom>
-          <a:noFill/>
-        </p:spPr>
-        <p:txBody>
-          <a:bodyPr wrap="none" rtlCol="0">
-            <a:spAutoFit/>
-          </a:bodyPr>
-          <a:lstStyle/>
-          <a:p>
-            <a:r>
-              <a:rPr lang="en-US" dirty="0">
-                <a:solidFill>
-                  <a:schemeClr val="tx1">
-                    <a:lumMod val="65000"/>
-                    <a:lumOff val="35000"/>
-                  </a:schemeClr>
-                </a:solidFill>
-              </a:rPr>
-              <a:t>Read 5’-3’</a:t>
-            </a:r>
-          </a:p>
-        </p:txBody>
-      </p:sp>
-      <p:cxnSp>
-        <p:nvCxnSpPr>
-          <p:cNvPr id="25" name="Straight Connector 24"/>
-          <p:cNvCxnSpPr/>
-          <p:nvPr/>
-        </p:nvCxnSpPr>
-        <p:spPr>
-          <a:xfrm>
-            <a:off x="880933" y="5306218"/>
-            <a:ext cx="0" cy="343036"/>
-          </a:xfrm>
-          <a:prstGeom prst="line">
-            <a:avLst/>
-          </a:prstGeom>
-          <a:ln>
-            <a:solidFill>
-              <a:schemeClr val="tx1">
-                <a:lumMod val="50000"/>
-                <a:lumOff val="50000"/>
-              </a:schemeClr>
-            </a:solidFill>
-          </a:ln>
-          <a:effectLst/>
-        </p:spPr>
-        <p:style>
-          <a:lnRef idx="2">
-            <a:schemeClr val="accent1"/>
-          </a:lnRef>
-          <a:fillRef idx="0">
-            <a:schemeClr val="accent1"/>
-          </a:fillRef>
-          <a:effectRef idx="1">
-            <a:schemeClr val="accent1"/>
-          </a:effectRef>
-          <a:fontRef idx="minor">
-            <a:schemeClr val="tx1"/>
-          </a:fontRef>
-        </p:style>
-      </p:cxnSp>
-      <p:cxnSp>
-        <p:nvCxnSpPr>
-          <p:cNvPr id="26" name="Straight Arrow Connector 25"/>
-          <p:cNvCxnSpPr>
-            <a:stCxn id="24" idx="3"/>
-          </p:cNvCxnSpPr>
-          <p:nvPr/>
-        </p:nvCxnSpPr>
-        <p:spPr>
-          <a:xfrm>
-            <a:off x="1992609" y="5464588"/>
-            <a:ext cx="1067656" cy="2201"/>
-          </a:xfrm>
-          <a:prstGeom prst="straightConnector1">
-            <a:avLst/>
-          </a:prstGeom>
-          <a:ln>
-            <a:solidFill>
-              <a:schemeClr val="tx1">
-                <a:lumMod val="50000"/>
-                <a:lumOff val="50000"/>
-              </a:schemeClr>
-            </a:solidFill>
-            <a:tailEnd type="arrow"/>
-          </a:ln>
-          <a:effectLst/>
-        </p:spPr>
-        <p:style>
-          <a:lnRef idx="2">
-            <a:schemeClr val="accent1"/>
-          </a:lnRef>
-          <a:fillRef idx="0">
-            <a:schemeClr val="accent1"/>
-          </a:fillRef>
-          <a:effectRef idx="1">
-            <a:schemeClr val="accent1"/>
-          </a:effectRef>
-          <a:fontRef idx="minor">
-            <a:schemeClr val="tx1"/>
-          </a:fontRef>
-        </p:style>
-      </p:cxnSp>
-      <p:sp>
-        <p:nvSpPr>
-          <p:cNvPr id="27" name="Rectangle 26"/>
-          <p:cNvSpPr/>
-          <p:nvPr/>
-        </p:nvSpPr>
-        <p:spPr>
-          <a:xfrm>
-            <a:off x="283803" y="2882194"/>
-            <a:ext cx="979398" cy="133284"/>
-          </a:xfrm>
-          <a:prstGeom prst="rect">
-            <a:avLst/>
-          </a:prstGeom>
-          <a:solidFill>
-            <a:schemeClr val="tx2">
-              <a:lumMod val="60000"/>
-              <a:lumOff val="40000"/>
-            </a:schemeClr>
-          </a:solidFill>
-          <a:ln>
-            <a:solidFill>
-              <a:srgbClr val="7F7F7F"/>
-            </a:solidFill>
-          </a:ln>
-          <a:effectLst/>
-        </p:spPr>
-        <p:style>
-          <a:lnRef idx="1">
-            <a:schemeClr val="accent1"/>
-          </a:lnRef>
-          <a:fillRef idx="3">
-            <a:schemeClr val="accent1"/>
-          </a:fillRef>
-          <a:effectRef idx="2">
-            <a:schemeClr val="accent1"/>
-          </a:effectRef>
-          <a:fontRef idx="minor">
-            <a:schemeClr val="lt1"/>
-          </a:fontRef>
-        </p:style>
-        <p:txBody>
-          <a:bodyPr rtlCol="0" anchor="ctr"/>
-          <a:lstStyle/>
-          <a:p>
-            <a:pPr algn="ctr"/>
-            <a:endParaRPr lang="en-US"/>
-          </a:p>
-        </p:txBody>
-      </p:sp>
-      <p:sp>
-        <p:nvSpPr>
-          <p:cNvPr id="28" name="Rectangle 27"/>
-          <p:cNvSpPr/>
-          <p:nvPr/>
-        </p:nvSpPr>
-        <p:spPr>
-          <a:xfrm>
-            <a:off x="870523" y="3820890"/>
-            <a:ext cx="979398" cy="133284"/>
-          </a:xfrm>
-          <a:prstGeom prst="rect">
-            <a:avLst/>
-          </a:prstGeom>
-          <a:solidFill>
-            <a:schemeClr val="tx2">
-              <a:lumMod val="60000"/>
-              <a:lumOff val="40000"/>
-            </a:schemeClr>
-          </a:solidFill>
-          <a:ln>
-            <a:solidFill>
-              <a:srgbClr val="7F7F7F"/>
-            </a:solidFill>
-          </a:ln>
-          <a:effectLst/>
-        </p:spPr>
-        <p:style>
-          <a:lnRef idx="1">
-            <a:schemeClr val="accent1"/>
-          </a:lnRef>
-          <a:fillRef idx="3">
-            <a:schemeClr val="accent1"/>
-          </a:fillRef>
-          <a:effectRef idx="2">
-            <a:schemeClr val="accent1"/>
-          </a:effectRef>
-          <a:fontRef idx="minor">
-            <a:schemeClr val="lt1"/>
-          </a:fontRef>
-        </p:style>
-        <p:txBody>
-          <a:bodyPr rtlCol="0" anchor="ctr"/>
-          <a:lstStyle/>
-          <a:p>
-            <a:pPr algn="ctr"/>
-            <a:endParaRPr lang="en-US"/>
-          </a:p>
-        </p:txBody>
-      </p:sp>
-      <p:sp>
-        <p:nvSpPr>
-          <p:cNvPr id="29" name="Rectangle 28"/>
-          <p:cNvSpPr/>
-          <p:nvPr/>
-        </p:nvSpPr>
-        <p:spPr>
-          <a:xfrm>
-            <a:off x="3136179" y="4808152"/>
-            <a:ext cx="979398" cy="133284"/>
-          </a:xfrm>
-          <a:prstGeom prst="rect">
-            <a:avLst/>
-          </a:prstGeom>
-          <a:solidFill>
-            <a:schemeClr val="tx2">
-              <a:lumMod val="60000"/>
-              <a:lumOff val="40000"/>
-            </a:schemeClr>
-          </a:solidFill>
-          <a:ln>
-            <a:solidFill>
-              <a:srgbClr val="7F7F7F"/>
-            </a:solidFill>
-          </a:ln>
-          <a:effectLst/>
-        </p:spPr>
-        <p:style>
-          <a:lnRef idx="1">
-            <a:schemeClr val="accent1"/>
-          </a:lnRef>
-          <a:fillRef idx="3">
-            <a:schemeClr val="accent1"/>
-          </a:fillRef>
-          <a:effectRef idx="2">
-            <a:schemeClr val="accent1"/>
-          </a:effectRef>
-          <a:fontRef idx="minor">
-            <a:schemeClr val="lt1"/>
-          </a:fontRef>
-        </p:style>
-        <p:txBody>
-          <a:bodyPr rtlCol="0" anchor="ctr"/>
-          <a:lstStyle/>
-          <a:p>
-            <a:pPr algn="ctr"/>
-            <a:endParaRPr lang="en-US"/>
-          </a:p>
-        </p:txBody>
-      </p:sp>
-      <p:sp>
-        <p:nvSpPr>
-          <p:cNvPr id="30" name="Rectangle 29"/>
-          <p:cNvSpPr/>
-          <p:nvPr/>
-        </p:nvSpPr>
-        <p:spPr>
-          <a:xfrm>
-            <a:off x="3136180" y="4614112"/>
-            <a:ext cx="1416622" cy="133284"/>
-          </a:xfrm>
-          <a:prstGeom prst="rect">
-            <a:avLst/>
-          </a:prstGeom>
-          <a:solidFill>
-            <a:srgbClr val="FF0000"/>
-          </a:solidFill>
-          <a:ln>
-            <a:solidFill>
-              <a:srgbClr val="7F7F7F"/>
-            </a:solidFill>
-          </a:ln>
-          <a:effectLst/>
-        </p:spPr>
-        <p:style>
-          <a:lnRef idx="1">
-            <a:schemeClr val="accent1"/>
-          </a:lnRef>
-          <a:fillRef idx="3">
-            <a:schemeClr val="accent1"/>
-          </a:fillRef>
-          <a:effectRef idx="2">
-            <a:schemeClr val="accent1"/>
-          </a:effectRef>
-          <a:fontRef idx="minor">
-            <a:schemeClr val="lt1"/>
-          </a:fontRef>
-        </p:style>
-        <p:txBody>
-          <a:bodyPr rtlCol="0" anchor="ctr"/>
-          <a:lstStyle/>
-          <a:p>
-            <a:pPr algn="ctr"/>
-            <a:endParaRPr lang="en-US"/>
-          </a:p>
-        </p:txBody>
-      </p:sp>
-      <p:sp>
-        <p:nvSpPr>
-          <p:cNvPr id="31" name="Rectangle 30"/>
-          <p:cNvSpPr/>
-          <p:nvPr/>
-        </p:nvSpPr>
-        <p:spPr>
-          <a:xfrm>
-            <a:off x="3975648" y="5814209"/>
-            <a:ext cx="979398" cy="133284"/>
-          </a:xfrm>
-          <a:prstGeom prst="rect">
-            <a:avLst/>
-          </a:prstGeom>
-          <a:solidFill>
-            <a:schemeClr val="tx2">
-              <a:lumMod val="60000"/>
-              <a:lumOff val="40000"/>
-            </a:schemeClr>
-          </a:solidFill>
-          <a:ln>
-            <a:solidFill>
-              <a:srgbClr val="7F7F7F"/>
-            </a:solidFill>
-          </a:ln>
-          <a:effectLst/>
-        </p:spPr>
-        <p:style>
-          <a:lnRef idx="1">
-            <a:schemeClr val="accent1"/>
-          </a:lnRef>
-          <a:fillRef idx="3">
-            <a:schemeClr val="accent1"/>
-          </a:fillRef>
-          <a:effectRef idx="2">
-            <a:schemeClr val="accent1"/>
-          </a:effectRef>
-          <a:fontRef idx="minor">
-            <a:schemeClr val="lt1"/>
-          </a:fontRef>
-        </p:style>
-        <p:txBody>
-          <a:bodyPr rtlCol="0" anchor="ctr"/>
-          <a:lstStyle/>
-          <a:p>
-            <a:pPr algn="ctr"/>
-            <a:endParaRPr lang="en-US"/>
-          </a:p>
-        </p:txBody>
-      </p:sp>
-      <p:sp>
-        <p:nvSpPr>
-          <p:cNvPr id="32" name="Rectangle 31"/>
-          <p:cNvSpPr/>
-          <p:nvPr/>
-        </p:nvSpPr>
-        <p:spPr>
-          <a:xfrm>
-            <a:off x="3975648" y="5636551"/>
-            <a:ext cx="577154" cy="133284"/>
-          </a:xfrm>
-          <a:prstGeom prst="rect">
-            <a:avLst/>
-          </a:prstGeom>
-          <a:solidFill>
-            <a:srgbClr val="FF0000"/>
-          </a:solidFill>
-          <a:ln>
-            <a:solidFill>
-              <a:srgbClr val="7F7F7F"/>
-            </a:solidFill>
-          </a:ln>
-          <a:effectLst/>
-        </p:spPr>
-        <p:style>
-          <a:lnRef idx="1">
-            <a:schemeClr val="accent1"/>
-          </a:lnRef>
-          <a:fillRef idx="3">
-            <a:schemeClr val="accent1"/>
-          </a:fillRef>
-          <a:effectRef idx="2">
-            <a:schemeClr val="accent1"/>
-          </a:effectRef>
-          <a:fontRef idx="minor">
-            <a:schemeClr val="lt1"/>
-          </a:fontRef>
-        </p:style>
-        <p:txBody>
-          <a:bodyPr rtlCol="0" anchor="ctr"/>
-          <a:lstStyle/>
-          <a:p>
-            <a:pPr algn="ctr"/>
-            <a:endParaRPr lang="en-US"/>
-          </a:p>
-        </p:txBody>
-      </p:sp>
-      <p:sp>
-        <p:nvSpPr>
-          <p:cNvPr id="33" name="TextBox 32"/>
-          <p:cNvSpPr txBox="1"/>
-          <p:nvPr/>
-        </p:nvSpPr>
-        <p:spPr>
-          <a:xfrm>
-            <a:off x="4955046" y="2053417"/>
-            <a:ext cx="4031529" cy="1569660"/>
-          </a:xfrm>
-          <a:prstGeom prst="rect">
-            <a:avLst/>
-          </a:prstGeom>
-          <a:noFill/>
-        </p:spPr>
-        <p:txBody>
-          <a:bodyPr wrap="square" rtlCol="0">
-            <a:spAutoFit/>
-          </a:bodyPr>
-          <a:lstStyle/>
-          <a:p>
-            <a:r>
-              <a:rPr lang="en-US" sz="2400" dirty="0"/>
-              <a:t>If an alignment was identified, the alignment region plus the remainder after the alignment are removed.</a:t>
-            </a:r>
-          </a:p>
-        </p:txBody>
-      </p:sp>
-      <p:sp>
-        <p:nvSpPr>
-          <p:cNvPr id="34" name="Rectangle 33"/>
-          <p:cNvSpPr/>
-          <p:nvPr/>
-        </p:nvSpPr>
-        <p:spPr>
-          <a:xfrm>
-            <a:off x="5621086" y="4931646"/>
-            <a:ext cx="481954" cy="232435"/>
-          </a:xfrm>
-          <a:prstGeom prst="rect">
-            <a:avLst/>
-          </a:prstGeom>
-          <a:solidFill>
-            <a:srgbClr val="008000"/>
-          </a:solidFill>
-          <a:ln>
-            <a:solidFill>
-              <a:srgbClr val="7F7F7F"/>
-            </a:solidFill>
-          </a:ln>
-          <a:effectLst/>
-        </p:spPr>
-        <p:style>
-          <a:lnRef idx="1">
-            <a:schemeClr val="accent1"/>
-          </a:lnRef>
-          <a:fillRef idx="3">
-            <a:schemeClr val="accent1"/>
-          </a:fillRef>
-          <a:effectRef idx="2">
-            <a:schemeClr val="accent1"/>
-          </a:effectRef>
-          <a:fontRef idx="minor">
-            <a:schemeClr val="lt1"/>
-          </a:fontRef>
-        </p:style>
-        <p:txBody>
-          <a:bodyPr rtlCol="0" anchor="ctr"/>
-          <a:lstStyle/>
-          <a:p>
-            <a:pPr algn="ctr"/>
-            <a:endParaRPr lang="en-US"/>
-          </a:p>
-        </p:txBody>
-      </p:sp>
-      <p:sp>
-        <p:nvSpPr>
-          <p:cNvPr id="35" name="Rectangle 34"/>
-          <p:cNvSpPr/>
-          <p:nvPr/>
-        </p:nvSpPr>
-        <p:spPr>
-          <a:xfrm>
-            <a:off x="5621086" y="5311993"/>
-            <a:ext cx="481954" cy="247641"/>
-          </a:xfrm>
-          <a:prstGeom prst="rect">
-            <a:avLst/>
-          </a:prstGeom>
-          <a:solidFill>
-            <a:srgbClr val="FF0000"/>
-          </a:solidFill>
-          <a:ln>
-            <a:solidFill>
-              <a:srgbClr val="7F7F7F"/>
-            </a:solidFill>
-          </a:ln>
-          <a:effectLst/>
-        </p:spPr>
-        <p:style>
-          <a:lnRef idx="1">
-            <a:schemeClr val="accent1"/>
-          </a:lnRef>
-          <a:fillRef idx="3">
-            <a:schemeClr val="accent1"/>
-          </a:fillRef>
-          <a:effectRef idx="2">
-            <a:schemeClr val="accent1"/>
-          </a:effectRef>
-          <a:fontRef idx="minor">
-            <a:schemeClr val="lt1"/>
-          </a:fontRef>
-        </p:style>
-        <p:txBody>
-          <a:bodyPr rtlCol="0" anchor="ctr"/>
-          <a:lstStyle/>
-          <a:p>
-            <a:pPr algn="ctr"/>
-            <a:endParaRPr lang="en-US"/>
-          </a:p>
-        </p:txBody>
-      </p:sp>
-      <p:sp>
-        <p:nvSpPr>
-          <p:cNvPr id="36" name="TextBox 35"/>
-          <p:cNvSpPr txBox="1"/>
-          <p:nvPr/>
-        </p:nvSpPr>
-        <p:spPr>
-          <a:xfrm>
-            <a:off x="6103040" y="4801786"/>
-            <a:ext cx="2583760" cy="830997"/>
-          </a:xfrm>
-          <a:prstGeom prst="rect">
-            <a:avLst/>
-          </a:prstGeom>
-          <a:noFill/>
-        </p:spPr>
-        <p:txBody>
-          <a:bodyPr wrap="none" rtlCol="0">
-            <a:spAutoFit/>
-          </a:bodyPr>
-          <a:lstStyle/>
-          <a:p>
-            <a:r>
-              <a:rPr lang="en-US" sz="2400" dirty="0"/>
-              <a:t>Valid sequence</a:t>
-            </a:r>
-          </a:p>
-          <a:p>
-            <a:r>
-              <a:rPr lang="en-US" sz="2400" dirty="0"/>
-              <a:t>Trimmed sequence</a:t>
-            </a:r>
-          </a:p>
-        </p:txBody>
-      </p:sp>
-      <p:sp>
-        <p:nvSpPr>
-          <p:cNvPr id="37" name="Rectangle 36"/>
-          <p:cNvSpPr/>
-          <p:nvPr/>
-        </p:nvSpPr>
-        <p:spPr>
-          <a:xfrm>
-            <a:off x="880933" y="1921025"/>
-            <a:ext cx="3682279" cy="133284"/>
-          </a:xfrm>
-          <a:prstGeom prst="rect">
-            <a:avLst/>
-          </a:prstGeom>
-          <a:solidFill>
-            <a:schemeClr val="bg1">
-              <a:lumMod val="65000"/>
-            </a:schemeClr>
-          </a:solidFill>
-          <a:ln>
-            <a:solidFill>
-              <a:srgbClr val="7F7F7F"/>
-            </a:solidFill>
-          </a:ln>
-          <a:effectLst/>
-        </p:spPr>
-        <p:style>
-          <a:lnRef idx="1">
-            <a:schemeClr val="accent1"/>
-          </a:lnRef>
-          <a:fillRef idx="3">
-            <a:schemeClr val="accent1"/>
-          </a:fillRef>
-          <a:effectRef idx="2">
-            <a:schemeClr val="accent1"/>
-          </a:effectRef>
-          <a:fontRef idx="minor">
-            <a:schemeClr val="lt1"/>
-          </a:fontRef>
-        </p:style>
-        <p:txBody>
-          <a:bodyPr rtlCol="0" anchor="ctr"/>
-          <a:lstStyle/>
-          <a:p>
-            <a:pPr algn="ctr"/>
-            <a:endParaRPr lang="en-US"/>
-          </a:p>
-        </p:txBody>
-      </p:sp>
-      <p:sp>
-        <p:nvSpPr>
-          <p:cNvPr id="38" name="TextBox 37"/>
-          <p:cNvSpPr txBox="1"/>
-          <p:nvPr/>
-        </p:nvSpPr>
-        <p:spPr>
-          <a:xfrm>
-            <a:off x="880934" y="1566607"/>
-            <a:ext cx="1122085" cy="369332"/>
-          </a:xfrm>
-          <a:prstGeom prst="rect">
-            <a:avLst/>
-          </a:prstGeom>
-          <a:noFill/>
-        </p:spPr>
-        <p:txBody>
-          <a:bodyPr wrap="none" rtlCol="0">
-            <a:spAutoFit/>
-          </a:bodyPr>
-          <a:lstStyle/>
-          <a:p>
-            <a:r>
-              <a:rPr lang="en-US" dirty="0">
-                <a:solidFill>
-                  <a:schemeClr val="tx1">
-                    <a:lumMod val="65000"/>
-                    <a:lumOff val="35000"/>
-                  </a:schemeClr>
-                </a:solidFill>
-              </a:rPr>
-              <a:t>Read 5’-3’</a:t>
-            </a:r>
-          </a:p>
-        </p:txBody>
-      </p:sp>
-      <p:cxnSp>
-        <p:nvCxnSpPr>
-          <p:cNvPr id="39" name="Straight Connector 38"/>
-          <p:cNvCxnSpPr/>
-          <p:nvPr/>
-        </p:nvCxnSpPr>
-        <p:spPr>
-          <a:xfrm>
-            <a:off x="891343" y="1592903"/>
-            <a:ext cx="0" cy="343036"/>
-          </a:xfrm>
-          <a:prstGeom prst="line">
-            <a:avLst/>
-          </a:prstGeom>
-          <a:ln>
-            <a:solidFill>
-              <a:schemeClr val="tx1">
-                <a:lumMod val="50000"/>
-                <a:lumOff val="50000"/>
-              </a:schemeClr>
-            </a:solidFill>
-          </a:ln>
-          <a:effectLst/>
-        </p:spPr>
-        <p:style>
-          <a:lnRef idx="2">
-            <a:schemeClr val="accent1"/>
-          </a:lnRef>
-          <a:fillRef idx="0">
-            <a:schemeClr val="accent1"/>
-          </a:fillRef>
-          <a:effectRef idx="1">
-            <a:schemeClr val="accent1"/>
-          </a:effectRef>
-          <a:fontRef idx="minor">
-            <a:schemeClr val="tx1"/>
-          </a:fontRef>
-        </p:style>
-      </p:cxnSp>
-      <p:cxnSp>
-        <p:nvCxnSpPr>
-          <p:cNvPr id="40" name="Straight Arrow Connector 39"/>
-          <p:cNvCxnSpPr>
-            <a:stCxn id="38" idx="3"/>
-          </p:cNvCxnSpPr>
-          <p:nvPr/>
-        </p:nvCxnSpPr>
-        <p:spPr>
-          <a:xfrm>
-            <a:off x="2003019" y="1751273"/>
-            <a:ext cx="1067656" cy="2201"/>
-          </a:xfrm>
-          <a:prstGeom prst="straightConnector1">
-            <a:avLst/>
-          </a:prstGeom>
-          <a:ln>
-            <a:solidFill>
-              <a:schemeClr val="tx1">
-                <a:lumMod val="50000"/>
-                <a:lumOff val="50000"/>
-              </a:schemeClr>
-            </a:solidFill>
-            <a:tailEnd type="arrow"/>
-          </a:ln>
-          <a:effectLst/>
-        </p:spPr>
-        <p:style>
-          <a:lnRef idx="2">
-            <a:schemeClr val="accent1"/>
-          </a:lnRef>
-          <a:fillRef idx="0">
-            <a:schemeClr val="accent1"/>
-          </a:fillRef>
-          <a:effectRef idx="1">
-            <a:schemeClr val="accent1"/>
-          </a:effectRef>
-          <a:fontRef idx="minor">
-            <a:schemeClr val="tx1"/>
-          </a:fontRef>
-        </p:style>
-      </p:cxnSp>
-    </p:spTree>
-    <p:extLst>
-      <p:ext uri="{BB962C8B-B14F-4D97-AF65-F5344CB8AC3E}">
-        <p14:creationId xmlns:p14="http://schemas.microsoft.com/office/powerpoint/2010/main" val="4033484276"/>
       </p:ext>
     </p:extLst>
   </p:cSld>
@@ -14446,6 +13750,1336 @@
           <a:lstStyle/>
           <a:p>
             <a:r>
+              <a:rPr lang="en-US" dirty="0" err="1"/>
+              <a:t>Trimmomatic</a:t>
+            </a:r>
+            <a:r>
+              <a:rPr lang="en-US" dirty="0"/>
+              <a:t> – simple mode</a:t>
+            </a:r>
+          </a:p>
+        </p:txBody>
+      </p:sp>
+      <p:sp>
+        <p:nvSpPr>
+          <p:cNvPr id="6" name="Rectangle 5"/>
+          <p:cNvSpPr/>
+          <p:nvPr/>
+        </p:nvSpPr>
+        <p:spPr>
+          <a:xfrm>
+            <a:off x="870523" y="2691913"/>
+            <a:ext cx="3682279" cy="133284"/>
+          </a:xfrm>
+          <a:prstGeom prst="rect">
+            <a:avLst/>
+          </a:prstGeom>
+          <a:solidFill>
+            <a:srgbClr val="FF0000"/>
+          </a:solidFill>
+          <a:ln>
+            <a:solidFill>
+              <a:srgbClr val="7F7F7F"/>
+            </a:solidFill>
+          </a:ln>
+          <a:effectLst/>
+        </p:spPr>
+        <p:style>
+          <a:lnRef idx="1">
+            <a:schemeClr val="accent1"/>
+          </a:lnRef>
+          <a:fillRef idx="3">
+            <a:schemeClr val="accent1"/>
+          </a:fillRef>
+          <a:effectRef idx="2">
+            <a:schemeClr val="accent1"/>
+          </a:effectRef>
+          <a:fontRef idx="minor">
+            <a:schemeClr val="lt1"/>
+          </a:fontRef>
+        </p:style>
+        <p:txBody>
+          <a:bodyPr rtlCol="0" anchor="ctr"/>
+          <a:lstStyle/>
+          <a:p>
+            <a:pPr algn="ctr"/>
+            <a:endParaRPr lang="en-US"/>
+          </a:p>
+        </p:txBody>
+      </p:sp>
+      <p:sp>
+        <p:nvSpPr>
+          <p:cNvPr id="8" name="TextBox 7"/>
+          <p:cNvSpPr txBox="1"/>
+          <p:nvPr/>
+        </p:nvSpPr>
+        <p:spPr>
+          <a:xfrm>
+            <a:off x="870524" y="2337495"/>
+            <a:ext cx="1122085" cy="369332"/>
+          </a:xfrm>
+          <a:prstGeom prst="rect">
+            <a:avLst/>
+          </a:prstGeom>
+          <a:noFill/>
+        </p:spPr>
+        <p:txBody>
+          <a:bodyPr wrap="none" rtlCol="0">
+            <a:spAutoFit/>
+          </a:bodyPr>
+          <a:lstStyle/>
+          <a:p>
+            <a:r>
+              <a:rPr lang="en-US" dirty="0">
+                <a:solidFill>
+                  <a:schemeClr val="tx1">
+                    <a:lumMod val="65000"/>
+                    <a:lumOff val="35000"/>
+                  </a:schemeClr>
+                </a:solidFill>
+              </a:rPr>
+              <a:t>Read 5’-3’</a:t>
+            </a:r>
+          </a:p>
+        </p:txBody>
+      </p:sp>
+      <p:cxnSp>
+        <p:nvCxnSpPr>
+          <p:cNvPr id="10" name="Straight Connector 9"/>
+          <p:cNvCxnSpPr/>
+          <p:nvPr/>
+        </p:nvCxnSpPr>
+        <p:spPr>
+          <a:xfrm>
+            <a:off x="880933" y="2363791"/>
+            <a:ext cx="0" cy="343036"/>
+          </a:xfrm>
+          <a:prstGeom prst="line">
+            <a:avLst/>
+          </a:prstGeom>
+          <a:ln>
+            <a:solidFill>
+              <a:schemeClr val="tx1">
+                <a:lumMod val="50000"/>
+                <a:lumOff val="50000"/>
+              </a:schemeClr>
+            </a:solidFill>
+          </a:ln>
+          <a:effectLst/>
+        </p:spPr>
+        <p:style>
+          <a:lnRef idx="2">
+            <a:schemeClr val="accent1"/>
+          </a:lnRef>
+          <a:fillRef idx="0">
+            <a:schemeClr val="accent1"/>
+          </a:fillRef>
+          <a:effectRef idx="1">
+            <a:schemeClr val="accent1"/>
+          </a:effectRef>
+          <a:fontRef idx="minor">
+            <a:schemeClr val="tx1"/>
+          </a:fontRef>
+        </p:style>
+      </p:cxnSp>
+      <p:cxnSp>
+        <p:nvCxnSpPr>
+          <p:cNvPr id="12" name="Straight Arrow Connector 11"/>
+          <p:cNvCxnSpPr>
+            <a:stCxn id="8" idx="3"/>
+          </p:cNvCxnSpPr>
+          <p:nvPr/>
+        </p:nvCxnSpPr>
+        <p:spPr>
+          <a:xfrm>
+            <a:off x="1992609" y="2522161"/>
+            <a:ext cx="1067656" cy="2201"/>
+          </a:xfrm>
+          <a:prstGeom prst="straightConnector1">
+            <a:avLst/>
+          </a:prstGeom>
+          <a:ln>
+            <a:solidFill>
+              <a:schemeClr val="tx1">
+                <a:lumMod val="50000"/>
+                <a:lumOff val="50000"/>
+              </a:schemeClr>
+            </a:solidFill>
+            <a:tailEnd type="arrow"/>
+          </a:ln>
+          <a:effectLst/>
+        </p:spPr>
+        <p:style>
+          <a:lnRef idx="2">
+            <a:schemeClr val="accent1"/>
+          </a:lnRef>
+          <a:fillRef idx="0">
+            <a:schemeClr val="accent1"/>
+          </a:fillRef>
+          <a:effectRef idx="1">
+            <a:schemeClr val="accent1"/>
+          </a:effectRef>
+          <a:fontRef idx="minor">
+            <a:schemeClr val="tx1"/>
+          </a:fontRef>
+        </p:style>
+      </p:cxnSp>
+      <p:sp>
+        <p:nvSpPr>
+          <p:cNvPr id="15" name="Rectangle 14"/>
+          <p:cNvSpPr/>
+          <p:nvPr/>
+        </p:nvSpPr>
+        <p:spPr>
+          <a:xfrm>
+            <a:off x="870523" y="3640338"/>
+            <a:ext cx="3682279" cy="133284"/>
+          </a:xfrm>
+          <a:prstGeom prst="rect">
+            <a:avLst/>
+          </a:prstGeom>
+          <a:solidFill>
+            <a:srgbClr val="FF0000"/>
+          </a:solidFill>
+          <a:ln>
+            <a:solidFill>
+              <a:srgbClr val="7F7F7F"/>
+            </a:solidFill>
+          </a:ln>
+          <a:effectLst/>
+        </p:spPr>
+        <p:style>
+          <a:lnRef idx="1">
+            <a:schemeClr val="accent1"/>
+          </a:lnRef>
+          <a:fillRef idx="3">
+            <a:schemeClr val="accent1"/>
+          </a:fillRef>
+          <a:effectRef idx="2">
+            <a:schemeClr val="accent1"/>
+          </a:effectRef>
+          <a:fontRef idx="minor">
+            <a:schemeClr val="lt1"/>
+          </a:fontRef>
+        </p:style>
+        <p:txBody>
+          <a:bodyPr rtlCol="0" anchor="ctr"/>
+          <a:lstStyle/>
+          <a:p>
+            <a:pPr algn="ctr"/>
+            <a:endParaRPr lang="en-US"/>
+          </a:p>
+        </p:txBody>
+      </p:sp>
+      <p:sp>
+        <p:nvSpPr>
+          <p:cNvPr id="16" name="TextBox 15"/>
+          <p:cNvSpPr txBox="1"/>
+          <p:nvPr/>
+        </p:nvSpPr>
+        <p:spPr>
+          <a:xfrm>
+            <a:off x="870524" y="3285920"/>
+            <a:ext cx="1122085" cy="369332"/>
+          </a:xfrm>
+          <a:prstGeom prst="rect">
+            <a:avLst/>
+          </a:prstGeom>
+          <a:noFill/>
+        </p:spPr>
+        <p:txBody>
+          <a:bodyPr wrap="none" rtlCol="0">
+            <a:spAutoFit/>
+          </a:bodyPr>
+          <a:lstStyle/>
+          <a:p>
+            <a:r>
+              <a:rPr lang="en-US" dirty="0">
+                <a:solidFill>
+                  <a:schemeClr val="tx1">
+                    <a:lumMod val="65000"/>
+                    <a:lumOff val="35000"/>
+                  </a:schemeClr>
+                </a:solidFill>
+              </a:rPr>
+              <a:t>Read 5’-3’</a:t>
+            </a:r>
+          </a:p>
+        </p:txBody>
+      </p:sp>
+      <p:cxnSp>
+        <p:nvCxnSpPr>
+          <p:cNvPr id="17" name="Straight Connector 16"/>
+          <p:cNvCxnSpPr/>
+          <p:nvPr/>
+        </p:nvCxnSpPr>
+        <p:spPr>
+          <a:xfrm>
+            <a:off x="880933" y="3312216"/>
+            <a:ext cx="0" cy="343036"/>
+          </a:xfrm>
+          <a:prstGeom prst="line">
+            <a:avLst/>
+          </a:prstGeom>
+          <a:ln>
+            <a:solidFill>
+              <a:schemeClr val="tx1">
+                <a:lumMod val="50000"/>
+                <a:lumOff val="50000"/>
+              </a:schemeClr>
+            </a:solidFill>
+          </a:ln>
+          <a:effectLst/>
+        </p:spPr>
+        <p:style>
+          <a:lnRef idx="2">
+            <a:schemeClr val="accent1"/>
+          </a:lnRef>
+          <a:fillRef idx="0">
+            <a:schemeClr val="accent1"/>
+          </a:fillRef>
+          <a:effectRef idx="1">
+            <a:schemeClr val="accent1"/>
+          </a:effectRef>
+          <a:fontRef idx="minor">
+            <a:schemeClr val="tx1"/>
+          </a:fontRef>
+        </p:style>
+      </p:cxnSp>
+      <p:cxnSp>
+        <p:nvCxnSpPr>
+          <p:cNvPr id="18" name="Straight Arrow Connector 17"/>
+          <p:cNvCxnSpPr>
+            <a:stCxn id="16" idx="3"/>
+          </p:cNvCxnSpPr>
+          <p:nvPr/>
+        </p:nvCxnSpPr>
+        <p:spPr>
+          <a:xfrm>
+            <a:off x="1992609" y="3470586"/>
+            <a:ext cx="1067656" cy="2201"/>
+          </a:xfrm>
+          <a:prstGeom prst="straightConnector1">
+            <a:avLst/>
+          </a:prstGeom>
+          <a:ln>
+            <a:solidFill>
+              <a:schemeClr val="tx1">
+                <a:lumMod val="50000"/>
+                <a:lumOff val="50000"/>
+              </a:schemeClr>
+            </a:solidFill>
+            <a:tailEnd type="arrow"/>
+          </a:ln>
+          <a:effectLst/>
+        </p:spPr>
+        <p:style>
+          <a:lnRef idx="2">
+            <a:schemeClr val="accent1"/>
+          </a:lnRef>
+          <a:fillRef idx="0">
+            <a:schemeClr val="accent1"/>
+          </a:fillRef>
+          <a:effectRef idx="1">
+            <a:schemeClr val="accent1"/>
+          </a:effectRef>
+          <a:fontRef idx="minor">
+            <a:schemeClr val="tx1"/>
+          </a:fontRef>
+        </p:style>
+      </p:cxnSp>
+      <p:sp>
+        <p:nvSpPr>
+          <p:cNvPr id="19" name="Rectangle 18"/>
+          <p:cNvSpPr/>
+          <p:nvPr/>
+        </p:nvSpPr>
+        <p:spPr>
+          <a:xfrm>
+            <a:off x="870524" y="4614112"/>
+            <a:ext cx="2265656" cy="133284"/>
+          </a:xfrm>
+          <a:prstGeom prst="rect">
+            <a:avLst/>
+          </a:prstGeom>
+          <a:solidFill>
+            <a:srgbClr val="008000"/>
+          </a:solidFill>
+          <a:ln>
+            <a:solidFill>
+              <a:srgbClr val="7F7F7F"/>
+            </a:solidFill>
+          </a:ln>
+          <a:effectLst/>
+        </p:spPr>
+        <p:style>
+          <a:lnRef idx="1">
+            <a:schemeClr val="accent1"/>
+          </a:lnRef>
+          <a:fillRef idx="3">
+            <a:schemeClr val="accent1"/>
+          </a:fillRef>
+          <a:effectRef idx="2">
+            <a:schemeClr val="accent1"/>
+          </a:effectRef>
+          <a:fontRef idx="minor">
+            <a:schemeClr val="lt1"/>
+          </a:fontRef>
+        </p:style>
+        <p:txBody>
+          <a:bodyPr rtlCol="0" anchor="ctr"/>
+          <a:lstStyle/>
+          <a:p>
+            <a:pPr algn="ctr"/>
+            <a:endParaRPr lang="en-US"/>
+          </a:p>
+        </p:txBody>
+      </p:sp>
+      <p:sp>
+        <p:nvSpPr>
+          <p:cNvPr id="20" name="TextBox 19"/>
+          <p:cNvSpPr txBox="1"/>
+          <p:nvPr/>
+        </p:nvSpPr>
+        <p:spPr>
+          <a:xfrm>
+            <a:off x="870524" y="4259694"/>
+            <a:ext cx="1122085" cy="369332"/>
+          </a:xfrm>
+          <a:prstGeom prst="rect">
+            <a:avLst/>
+          </a:prstGeom>
+          <a:noFill/>
+        </p:spPr>
+        <p:txBody>
+          <a:bodyPr wrap="none" rtlCol="0">
+            <a:spAutoFit/>
+          </a:bodyPr>
+          <a:lstStyle/>
+          <a:p>
+            <a:r>
+              <a:rPr lang="en-US" dirty="0">
+                <a:solidFill>
+                  <a:schemeClr val="tx1">
+                    <a:lumMod val="65000"/>
+                    <a:lumOff val="35000"/>
+                  </a:schemeClr>
+                </a:solidFill>
+              </a:rPr>
+              <a:t>Read 5’-3’</a:t>
+            </a:r>
+          </a:p>
+        </p:txBody>
+      </p:sp>
+      <p:cxnSp>
+        <p:nvCxnSpPr>
+          <p:cNvPr id="21" name="Straight Connector 20"/>
+          <p:cNvCxnSpPr/>
+          <p:nvPr/>
+        </p:nvCxnSpPr>
+        <p:spPr>
+          <a:xfrm>
+            <a:off x="880933" y="4285990"/>
+            <a:ext cx="0" cy="343036"/>
+          </a:xfrm>
+          <a:prstGeom prst="line">
+            <a:avLst/>
+          </a:prstGeom>
+          <a:ln>
+            <a:solidFill>
+              <a:schemeClr val="tx1">
+                <a:lumMod val="50000"/>
+                <a:lumOff val="50000"/>
+              </a:schemeClr>
+            </a:solidFill>
+          </a:ln>
+          <a:effectLst/>
+        </p:spPr>
+        <p:style>
+          <a:lnRef idx="2">
+            <a:schemeClr val="accent1"/>
+          </a:lnRef>
+          <a:fillRef idx="0">
+            <a:schemeClr val="accent1"/>
+          </a:fillRef>
+          <a:effectRef idx="1">
+            <a:schemeClr val="accent1"/>
+          </a:effectRef>
+          <a:fontRef idx="minor">
+            <a:schemeClr val="tx1"/>
+          </a:fontRef>
+        </p:style>
+      </p:cxnSp>
+      <p:cxnSp>
+        <p:nvCxnSpPr>
+          <p:cNvPr id="22" name="Straight Arrow Connector 21"/>
+          <p:cNvCxnSpPr>
+            <a:stCxn id="20" idx="3"/>
+          </p:cNvCxnSpPr>
+          <p:nvPr/>
+        </p:nvCxnSpPr>
+        <p:spPr>
+          <a:xfrm>
+            <a:off x="1992609" y="4444360"/>
+            <a:ext cx="1067656" cy="2201"/>
+          </a:xfrm>
+          <a:prstGeom prst="straightConnector1">
+            <a:avLst/>
+          </a:prstGeom>
+          <a:ln>
+            <a:solidFill>
+              <a:schemeClr val="tx1">
+                <a:lumMod val="50000"/>
+                <a:lumOff val="50000"/>
+              </a:schemeClr>
+            </a:solidFill>
+            <a:tailEnd type="arrow"/>
+          </a:ln>
+          <a:effectLst/>
+        </p:spPr>
+        <p:style>
+          <a:lnRef idx="2">
+            <a:schemeClr val="accent1"/>
+          </a:lnRef>
+          <a:fillRef idx="0">
+            <a:schemeClr val="accent1"/>
+          </a:fillRef>
+          <a:effectRef idx="1">
+            <a:schemeClr val="accent1"/>
+          </a:effectRef>
+          <a:fontRef idx="minor">
+            <a:schemeClr val="tx1"/>
+          </a:fontRef>
+        </p:style>
+      </p:cxnSp>
+      <p:sp>
+        <p:nvSpPr>
+          <p:cNvPr id="23" name="Rectangle 22"/>
+          <p:cNvSpPr/>
+          <p:nvPr/>
+        </p:nvSpPr>
+        <p:spPr>
+          <a:xfrm>
+            <a:off x="870523" y="5634340"/>
+            <a:ext cx="3105125" cy="133284"/>
+          </a:xfrm>
+          <a:prstGeom prst="rect">
+            <a:avLst/>
+          </a:prstGeom>
+          <a:solidFill>
+            <a:srgbClr val="008000"/>
+          </a:solidFill>
+          <a:ln>
+            <a:solidFill>
+              <a:srgbClr val="7F7F7F"/>
+            </a:solidFill>
+          </a:ln>
+          <a:effectLst/>
+        </p:spPr>
+        <p:style>
+          <a:lnRef idx="1">
+            <a:schemeClr val="accent1"/>
+          </a:lnRef>
+          <a:fillRef idx="3">
+            <a:schemeClr val="accent1"/>
+          </a:fillRef>
+          <a:effectRef idx="2">
+            <a:schemeClr val="accent1"/>
+          </a:effectRef>
+          <a:fontRef idx="minor">
+            <a:schemeClr val="lt1"/>
+          </a:fontRef>
+        </p:style>
+        <p:txBody>
+          <a:bodyPr rtlCol="0" anchor="ctr"/>
+          <a:lstStyle/>
+          <a:p>
+            <a:pPr algn="ctr"/>
+            <a:endParaRPr lang="en-US"/>
+          </a:p>
+        </p:txBody>
+      </p:sp>
+      <p:sp>
+        <p:nvSpPr>
+          <p:cNvPr id="24" name="TextBox 23"/>
+          <p:cNvSpPr txBox="1"/>
+          <p:nvPr/>
+        </p:nvSpPr>
+        <p:spPr>
+          <a:xfrm>
+            <a:off x="870524" y="5279922"/>
+            <a:ext cx="1122085" cy="369332"/>
+          </a:xfrm>
+          <a:prstGeom prst="rect">
+            <a:avLst/>
+          </a:prstGeom>
+          <a:noFill/>
+        </p:spPr>
+        <p:txBody>
+          <a:bodyPr wrap="none" rtlCol="0">
+            <a:spAutoFit/>
+          </a:bodyPr>
+          <a:lstStyle/>
+          <a:p>
+            <a:r>
+              <a:rPr lang="en-US" dirty="0">
+                <a:solidFill>
+                  <a:schemeClr val="tx1">
+                    <a:lumMod val="65000"/>
+                    <a:lumOff val="35000"/>
+                  </a:schemeClr>
+                </a:solidFill>
+              </a:rPr>
+              <a:t>Read 5’-3’</a:t>
+            </a:r>
+          </a:p>
+        </p:txBody>
+      </p:sp>
+      <p:cxnSp>
+        <p:nvCxnSpPr>
+          <p:cNvPr id="25" name="Straight Connector 24"/>
+          <p:cNvCxnSpPr/>
+          <p:nvPr/>
+        </p:nvCxnSpPr>
+        <p:spPr>
+          <a:xfrm>
+            <a:off x="880933" y="5306218"/>
+            <a:ext cx="0" cy="343036"/>
+          </a:xfrm>
+          <a:prstGeom prst="line">
+            <a:avLst/>
+          </a:prstGeom>
+          <a:ln>
+            <a:solidFill>
+              <a:schemeClr val="tx1">
+                <a:lumMod val="50000"/>
+                <a:lumOff val="50000"/>
+              </a:schemeClr>
+            </a:solidFill>
+          </a:ln>
+          <a:effectLst/>
+        </p:spPr>
+        <p:style>
+          <a:lnRef idx="2">
+            <a:schemeClr val="accent1"/>
+          </a:lnRef>
+          <a:fillRef idx="0">
+            <a:schemeClr val="accent1"/>
+          </a:fillRef>
+          <a:effectRef idx="1">
+            <a:schemeClr val="accent1"/>
+          </a:effectRef>
+          <a:fontRef idx="minor">
+            <a:schemeClr val="tx1"/>
+          </a:fontRef>
+        </p:style>
+      </p:cxnSp>
+      <p:cxnSp>
+        <p:nvCxnSpPr>
+          <p:cNvPr id="26" name="Straight Arrow Connector 25"/>
+          <p:cNvCxnSpPr>
+            <a:stCxn id="24" idx="3"/>
+          </p:cNvCxnSpPr>
+          <p:nvPr/>
+        </p:nvCxnSpPr>
+        <p:spPr>
+          <a:xfrm>
+            <a:off x="1992609" y="5464588"/>
+            <a:ext cx="1067656" cy="2201"/>
+          </a:xfrm>
+          <a:prstGeom prst="straightConnector1">
+            <a:avLst/>
+          </a:prstGeom>
+          <a:ln>
+            <a:solidFill>
+              <a:schemeClr val="tx1">
+                <a:lumMod val="50000"/>
+                <a:lumOff val="50000"/>
+              </a:schemeClr>
+            </a:solidFill>
+            <a:tailEnd type="arrow"/>
+          </a:ln>
+          <a:effectLst/>
+        </p:spPr>
+        <p:style>
+          <a:lnRef idx="2">
+            <a:schemeClr val="accent1"/>
+          </a:lnRef>
+          <a:fillRef idx="0">
+            <a:schemeClr val="accent1"/>
+          </a:fillRef>
+          <a:effectRef idx="1">
+            <a:schemeClr val="accent1"/>
+          </a:effectRef>
+          <a:fontRef idx="minor">
+            <a:schemeClr val="tx1"/>
+          </a:fontRef>
+        </p:style>
+      </p:cxnSp>
+      <p:sp>
+        <p:nvSpPr>
+          <p:cNvPr id="27" name="Rectangle 26"/>
+          <p:cNvSpPr/>
+          <p:nvPr/>
+        </p:nvSpPr>
+        <p:spPr>
+          <a:xfrm>
+            <a:off x="283803" y="2882194"/>
+            <a:ext cx="979398" cy="133284"/>
+          </a:xfrm>
+          <a:prstGeom prst="rect">
+            <a:avLst/>
+          </a:prstGeom>
+          <a:solidFill>
+            <a:schemeClr val="tx2">
+              <a:lumMod val="60000"/>
+              <a:lumOff val="40000"/>
+            </a:schemeClr>
+          </a:solidFill>
+          <a:ln>
+            <a:solidFill>
+              <a:srgbClr val="7F7F7F"/>
+            </a:solidFill>
+          </a:ln>
+          <a:effectLst/>
+        </p:spPr>
+        <p:style>
+          <a:lnRef idx="1">
+            <a:schemeClr val="accent1"/>
+          </a:lnRef>
+          <a:fillRef idx="3">
+            <a:schemeClr val="accent1"/>
+          </a:fillRef>
+          <a:effectRef idx="2">
+            <a:schemeClr val="accent1"/>
+          </a:effectRef>
+          <a:fontRef idx="minor">
+            <a:schemeClr val="lt1"/>
+          </a:fontRef>
+        </p:style>
+        <p:txBody>
+          <a:bodyPr rtlCol="0" anchor="ctr"/>
+          <a:lstStyle/>
+          <a:p>
+            <a:pPr algn="ctr"/>
+            <a:endParaRPr lang="en-US"/>
+          </a:p>
+        </p:txBody>
+      </p:sp>
+      <p:sp>
+        <p:nvSpPr>
+          <p:cNvPr id="28" name="Rectangle 27"/>
+          <p:cNvSpPr/>
+          <p:nvPr/>
+        </p:nvSpPr>
+        <p:spPr>
+          <a:xfrm>
+            <a:off x="870523" y="3820890"/>
+            <a:ext cx="979398" cy="133284"/>
+          </a:xfrm>
+          <a:prstGeom prst="rect">
+            <a:avLst/>
+          </a:prstGeom>
+          <a:solidFill>
+            <a:schemeClr val="tx2">
+              <a:lumMod val="60000"/>
+              <a:lumOff val="40000"/>
+            </a:schemeClr>
+          </a:solidFill>
+          <a:ln>
+            <a:solidFill>
+              <a:srgbClr val="7F7F7F"/>
+            </a:solidFill>
+          </a:ln>
+          <a:effectLst/>
+        </p:spPr>
+        <p:style>
+          <a:lnRef idx="1">
+            <a:schemeClr val="accent1"/>
+          </a:lnRef>
+          <a:fillRef idx="3">
+            <a:schemeClr val="accent1"/>
+          </a:fillRef>
+          <a:effectRef idx="2">
+            <a:schemeClr val="accent1"/>
+          </a:effectRef>
+          <a:fontRef idx="minor">
+            <a:schemeClr val="lt1"/>
+          </a:fontRef>
+        </p:style>
+        <p:txBody>
+          <a:bodyPr rtlCol="0" anchor="ctr"/>
+          <a:lstStyle/>
+          <a:p>
+            <a:pPr algn="ctr"/>
+            <a:endParaRPr lang="en-US"/>
+          </a:p>
+        </p:txBody>
+      </p:sp>
+      <p:sp>
+        <p:nvSpPr>
+          <p:cNvPr id="29" name="Rectangle 28"/>
+          <p:cNvSpPr/>
+          <p:nvPr/>
+        </p:nvSpPr>
+        <p:spPr>
+          <a:xfrm>
+            <a:off x="3136179" y="4808152"/>
+            <a:ext cx="979398" cy="133284"/>
+          </a:xfrm>
+          <a:prstGeom prst="rect">
+            <a:avLst/>
+          </a:prstGeom>
+          <a:solidFill>
+            <a:schemeClr val="tx2">
+              <a:lumMod val="60000"/>
+              <a:lumOff val="40000"/>
+            </a:schemeClr>
+          </a:solidFill>
+          <a:ln>
+            <a:solidFill>
+              <a:srgbClr val="7F7F7F"/>
+            </a:solidFill>
+          </a:ln>
+          <a:effectLst/>
+        </p:spPr>
+        <p:style>
+          <a:lnRef idx="1">
+            <a:schemeClr val="accent1"/>
+          </a:lnRef>
+          <a:fillRef idx="3">
+            <a:schemeClr val="accent1"/>
+          </a:fillRef>
+          <a:effectRef idx="2">
+            <a:schemeClr val="accent1"/>
+          </a:effectRef>
+          <a:fontRef idx="minor">
+            <a:schemeClr val="lt1"/>
+          </a:fontRef>
+        </p:style>
+        <p:txBody>
+          <a:bodyPr rtlCol="0" anchor="ctr"/>
+          <a:lstStyle/>
+          <a:p>
+            <a:pPr algn="ctr"/>
+            <a:endParaRPr lang="en-US"/>
+          </a:p>
+        </p:txBody>
+      </p:sp>
+      <p:sp>
+        <p:nvSpPr>
+          <p:cNvPr id="30" name="Rectangle 29"/>
+          <p:cNvSpPr/>
+          <p:nvPr/>
+        </p:nvSpPr>
+        <p:spPr>
+          <a:xfrm>
+            <a:off x="3136180" y="4614112"/>
+            <a:ext cx="1416622" cy="133284"/>
+          </a:xfrm>
+          <a:prstGeom prst="rect">
+            <a:avLst/>
+          </a:prstGeom>
+          <a:solidFill>
+            <a:srgbClr val="FF0000"/>
+          </a:solidFill>
+          <a:ln>
+            <a:solidFill>
+              <a:srgbClr val="7F7F7F"/>
+            </a:solidFill>
+          </a:ln>
+          <a:effectLst/>
+        </p:spPr>
+        <p:style>
+          <a:lnRef idx="1">
+            <a:schemeClr val="accent1"/>
+          </a:lnRef>
+          <a:fillRef idx="3">
+            <a:schemeClr val="accent1"/>
+          </a:fillRef>
+          <a:effectRef idx="2">
+            <a:schemeClr val="accent1"/>
+          </a:effectRef>
+          <a:fontRef idx="minor">
+            <a:schemeClr val="lt1"/>
+          </a:fontRef>
+        </p:style>
+        <p:txBody>
+          <a:bodyPr rtlCol="0" anchor="ctr"/>
+          <a:lstStyle/>
+          <a:p>
+            <a:pPr algn="ctr"/>
+            <a:endParaRPr lang="en-US"/>
+          </a:p>
+        </p:txBody>
+      </p:sp>
+      <p:sp>
+        <p:nvSpPr>
+          <p:cNvPr id="31" name="Rectangle 30"/>
+          <p:cNvSpPr/>
+          <p:nvPr/>
+        </p:nvSpPr>
+        <p:spPr>
+          <a:xfrm>
+            <a:off x="3975648" y="5814209"/>
+            <a:ext cx="979398" cy="133284"/>
+          </a:xfrm>
+          <a:prstGeom prst="rect">
+            <a:avLst/>
+          </a:prstGeom>
+          <a:solidFill>
+            <a:schemeClr val="tx2">
+              <a:lumMod val="60000"/>
+              <a:lumOff val="40000"/>
+            </a:schemeClr>
+          </a:solidFill>
+          <a:ln>
+            <a:solidFill>
+              <a:srgbClr val="7F7F7F"/>
+            </a:solidFill>
+          </a:ln>
+          <a:effectLst/>
+        </p:spPr>
+        <p:style>
+          <a:lnRef idx="1">
+            <a:schemeClr val="accent1"/>
+          </a:lnRef>
+          <a:fillRef idx="3">
+            <a:schemeClr val="accent1"/>
+          </a:fillRef>
+          <a:effectRef idx="2">
+            <a:schemeClr val="accent1"/>
+          </a:effectRef>
+          <a:fontRef idx="minor">
+            <a:schemeClr val="lt1"/>
+          </a:fontRef>
+        </p:style>
+        <p:txBody>
+          <a:bodyPr rtlCol="0" anchor="ctr"/>
+          <a:lstStyle/>
+          <a:p>
+            <a:pPr algn="ctr"/>
+            <a:endParaRPr lang="en-US"/>
+          </a:p>
+        </p:txBody>
+      </p:sp>
+      <p:sp>
+        <p:nvSpPr>
+          <p:cNvPr id="32" name="Rectangle 31"/>
+          <p:cNvSpPr/>
+          <p:nvPr/>
+        </p:nvSpPr>
+        <p:spPr>
+          <a:xfrm>
+            <a:off x="3975648" y="5636551"/>
+            <a:ext cx="577154" cy="133284"/>
+          </a:xfrm>
+          <a:prstGeom prst="rect">
+            <a:avLst/>
+          </a:prstGeom>
+          <a:solidFill>
+            <a:srgbClr val="FF0000"/>
+          </a:solidFill>
+          <a:ln>
+            <a:solidFill>
+              <a:srgbClr val="7F7F7F"/>
+            </a:solidFill>
+          </a:ln>
+          <a:effectLst/>
+        </p:spPr>
+        <p:style>
+          <a:lnRef idx="1">
+            <a:schemeClr val="accent1"/>
+          </a:lnRef>
+          <a:fillRef idx="3">
+            <a:schemeClr val="accent1"/>
+          </a:fillRef>
+          <a:effectRef idx="2">
+            <a:schemeClr val="accent1"/>
+          </a:effectRef>
+          <a:fontRef idx="minor">
+            <a:schemeClr val="lt1"/>
+          </a:fontRef>
+        </p:style>
+        <p:txBody>
+          <a:bodyPr rtlCol="0" anchor="ctr"/>
+          <a:lstStyle/>
+          <a:p>
+            <a:pPr algn="ctr"/>
+            <a:endParaRPr lang="en-US"/>
+          </a:p>
+        </p:txBody>
+      </p:sp>
+      <p:sp>
+        <p:nvSpPr>
+          <p:cNvPr id="33" name="TextBox 32"/>
+          <p:cNvSpPr txBox="1"/>
+          <p:nvPr/>
+        </p:nvSpPr>
+        <p:spPr>
+          <a:xfrm>
+            <a:off x="4955046" y="2053417"/>
+            <a:ext cx="4031529" cy="1569660"/>
+          </a:xfrm>
+          <a:prstGeom prst="rect">
+            <a:avLst/>
+          </a:prstGeom>
+          <a:noFill/>
+        </p:spPr>
+        <p:txBody>
+          <a:bodyPr wrap="square" rtlCol="0">
+            <a:spAutoFit/>
+          </a:bodyPr>
+          <a:lstStyle/>
+          <a:p>
+            <a:r>
+              <a:rPr lang="en-US" sz="2400" dirty="0"/>
+              <a:t>If an alignment was identified, the alignment region plus the remainder after the alignment are removed.</a:t>
+            </a:r>
+          </a:p>
+        </p:txBody>
+      </p:sp>
+      <p:sp>
+        <p:nvSpPr>
+          <p:cNvPr id="34" name="Rectangle 33"/>
+          <p:cNvSpPr/>
+          <p:nvPr/>
+        </p:nvSpPr>
+        <p:spPr>
+          <a:xfrm>
+            <a:off x="5621086" y="4931646"/>
+            <a:ext cx="481954" cy="232435"/>
+          </a:xfrm>
+          <a:prstGeom prst="rect">
+            <a:avLst/>
+          </a:prstGeom>
+          <a:solidFill>
+            <a:srgbClr val="008000"/>
+          </a:solidFill>
+          <a:ln>
+            <a:solidFill>
+              <a:srgbClr val="7F7F7F"/>
+            </a:solidFill>
+          </a:ln>
+          <a:effectLst/>
+        </p:spPr>
+        <p:style>
+          <a:lnRef idx="1">
+            <a:schemeClr val="accent1"/>
+          </a:lnRef>
+          <a:fillRef idx="3">
+            <a:schemeClr val="accent1"/>
+          </a:fillRef>
+          <a:effectRef idx="2">
+            <a:schemeClr val="accent1"/>
+          </a:effectRef>
+          <a:fontRef idx="minor">
+            <a:schemeClr val="lt1"/>
+          </a:fontRef>
+        </p:style>
+        <p:txBody>
+          <a:bodyPr rtlCol="0" anchor="ctr"/>
+          <a:lstStyle/>
+          <a:p>
+            <a:pPr algn="ctr"/>
+            <a:endParaRPr lang="en-US"/>
+          </a:p>
+        </p:txBody>
+      </p:sp>
+      <p:sp>
+        <p:nvSpPr>
+          <p:cNvPr id="35" name="Rectangle 34"/>
+          <p:cNvSpPr/>
+          <p:nvPr/>
+        </p:nvSpPr>
+        <p:spPr>
+          <a:xfrm>
+            <a:off x="5621086" y="5311993"/>
+            <a:ext cx="481954" cy="247641"/>
+          </a:xfrm>
+          <a:prstGeom prst="rect">
+            <a:avLst/>
+          </a:prstGeom>
+          <a:solidFill>
+            <a:srgbClr val="FF0000"/>
+          </a:solidFill>
+          <a:ln>
+            <a:solidFill>
+              <a:srgbClr val="7F7F7F"/>
+            </a:solidFill>
+          </a:ln>
+          <a:effectLst/>
+        </p:spPr>
+        <p:style>
+          <a:lnRef idx="1">
+            <a:schemeClr val="accent1"/>
+          </a:lnRef>
+          <a:fillRef idx="3">
+            <a:schemeClr val="accent1"/>
+          </a:fillRef>
+          <a:effectRef idx="2">
+            <a:schemeClr val="accent1"/>
+          </a:effectRef>
+          <a:fontRef idx="minor">
+            <a:schemeClr val="lt1"/>
+          </a:fontRef>
+        </p:style>
+        <p:txBody>
+          <a:bodyPr rtlCol="0" anchor="ctr"/>
+          <a:lstStyle/>
+          <a:p>
+            <a:pPr algn="ctr"/>
+            <a:endParaRPr lang="en-US"/>
+          </a:p>
+        </p:txBody>
+      </p:sp>
+      <p:sp>
+        <p:nvSpPr>
+          <p:cNvPr id="36" name="TextBox 35"/>
+          <p:cNvSpPr txBox="1"/>
+          <p:nvPr/>
+        </p:nvSpPr>
+        <p:spPr>
+          <a:xfrm>
+            <a:off x="6103040" y="4801786"/>
+            <a:ext cx="2583760" cy="830997"/>
+          </a:xfrm>
+          <a:prstGeom prst="rect">
+            <a:avLst/>
+          </a:prstGeom>
+          <a:noFill/>
+        </p:spPr>
+        <p:txBody>
+          <a:bodyPr wrap="none" rtlCol="0">
+            <a:spAutoFit/>
+          </a:bodyPr>
+          <a:lstStyle/>
+          <a:p>
+            <a:r>
+              <a:rPr lang="en-US" sz="2400" dirty="0"/>
+              <a:t>Valid sequence</a:t>
+            </a:r>
+          </a:p>
+          <a:p>
+            <a:r>
+              <a:rPr lang="en-US" sz="2400" dirty="0"/>
+              <a:t>Trimmed sequence</a:t>
+            </a:r>
+          </a:p>
+        </p:txBody>
+      </p:sp>
+      <p:sp>
+        <p:nvSpPr>
+          <p:cNvPr id="37" name="Rectangle 36"/>
+          <p:cNvSpPr/>
+          <p:nvPr/>
+        </p:nvSpPr>
+        <p:spPr>
+          <a:xfrm>
+            <a:off x="880933" y="1921025"/>
+            <a:ext cx="3682279" cy="133284"/>
+          </a:xfrm>
+          <a:prstGeom prst="rect">
+            <a:avLst/>
+          </a:prstGeom>
+          <a:solidFill>
+            <a:schemeClr val="bg1">
+              <a:lumMod val="65000"/>
+            </a:schemeClr>
+          </a:solidFill>
+          <a:ln>
+            <a:solidFill>
+              <a:srgbClr val="7F7F7F"/>
+            </a:solidFill>
+          </a:ln>
+          <a:effectLst/>
+        </p:spPr>
+        <p:style>
+          <a:lnRef idx="1">
+            <a:schemeClr val="accent1"/>
+          </a:lnRef>
+          <a:fillRef idx="3">
+            <a:schemeClr val="accent1"/>
+          </a:fillRef>
+          <a:effectRef idx="2">
+            <a:schemeClr val="accent1"/>
+          </a:effectRef>
+          <a:fontRef idx="minor">
+            <a:schemeClr val="lt1"/>
+          </a:fontRef>
+        </p:style>
+        <p:txBody>
+          <a:bodyPr rtlCol="0" anchor="ctr"/>
+          <a:lstStyle/>
+          <a:p>
+            <a:pPr algn="ctr"/>
+            <a:endParaRPr lang="en-US"/>
+          </a:p>
+        </p:txBody>
+      </p:sp>
+      <p:sp>
+        <p:nvSpPr>
+          <p:cNvPr id="38" name="TextBox 37"/>
+          <p:cNvSpPr txBox="1"/>
+          <p:nvPr/>
+        </p:nvSpPr>
+        <p:spPr>
+          <a:xfrm>
+            <a:off x="880934" y="1566607"/>
+            <a:ext cx="1122085" cy="369332"/>
+          </a:xfrm>
+          <a:prstGeom prst="rect">
+            <a:avLst/>
+          </a:prstGeom>
+          <a:noFill/>
+        </p:spPr>
+        <p:txBody>
+          <a:bodyPr wrap="none" rtlCol="0">
+            <a:spAutoFit/>
+          </a:bodyPr>
+          <a:lstStyle/>
+          <a:p>
+            <a:r>
+              <a:rPr lang="en-US" dirty="0">
+                <a:solidFill>
+                  <a:schemeClr val="tx1">
+                    <a:lumMod val="65000"/>
+                    <a:lumOff val="35000"/>
+                  </a:schemeClr>
+                </a:solidFill>
+              </a:rPr>
+              <a:t>Read 5’-3’</a:t>
+            </a:r>
+          </a:p>
+        </p:txBody>
+      </p:sp>
+      <p:cxnSp>
+        <p:nvCxnSpPr>
+          <p:cNvPr id="39" name="Straight Connector 38"/>
+          <p:cNvCxnSpPr/>
+          <p:nvPr/>
+        </p:nvCxnSpPr>
+        <p:spPr>
+          <a:xfrm>
+            <a:off x="891343" y="1592903"/>
+            <a:ext cx="0" cy="343036"/>
+          </a:xfrm>
+          <a:prstGeom prst="line">
+            <a:avLst/>
+          </a:prstGeom>
+          <a:ln>
+            <a:solidFill>
+              <a:schemeClr val="tx1">
+                <a:lumMod val="50000"/>
+                <a:lumOff val="50000"/>
+              </a:schemeClr>
+            </a:solidFill>
+          </a:ln>
+          <a:effectLst/>
+        </p:spPr>
+        <p:style>
+          <a:lnRef idx="2">
+            <a:schemeClr val="accent1"/>
+          </a:lnRef>
+          <a:fillRef idx="0">
+            <a:schemeClr val="accent1"/>
+          </a:fillRef>
+          <a:effectRef idx="1">
+            <a:schemeClr val="accent1"/>
+          </a:effectRef>
+          <a:fontRef idx="minor">
+            <a:schemeClr val="tx1"/>
+          </a:fontRef>
+        </p:style>
+      </p:cxnSp>
+      <p:cxnSp>
+        <p:nvCxnSpPr>
+          <p:cNvPr id="40" name="Straight Arrow Connector 39"/>
+          <p:cNvCxnSpPr>
+            <a:stCxn id="38" idx="3"/>
+          </p:cNvCxnSpPr>
+          <p:nvPr/>
+        </p:nvCxnSpPr>
+        <p:spPr>
+          <a:xfrm>
+            <a:off x="2003019" y="1751273"/>
+            <a:ext cx="1067656" cy="2201"/>
+          </a:xfrm>
+          <a:prstGeom prst="straightConnector1">
+            <a:avLst/>
+          </a:prstGeom>
+          <a:ln>
+            <a:solidFill>
+              <a:schemeClr val="tx1">
+                <a:lumMod val="50000"/>
+                <a:lumOff val="50000"/>
+              </a:schemeClr>
+            </a:solidFill>
+            <a:tailEnd type="arrow"/>
+          </a:ln>
+          <a:effectLst/>
+        </p:spPr>
+        <p:style>
+          <a:lnRef idx="2">
+            <a:schemeClr val="accent1"/>
+          </a:lnRef>
+          <a:fillRef idx="0">
+            <a:schemeClr val="accent1"/>
+          </a:fillRef>
+          <a:effectRef idx="1">
+            <a:schemeClr val="accent1"/>
+          </a:effectRef>
+          <a:fontRef idx="minor">
+            <a:schemeClr val="tx1"/>
+          </a:fontRef>
+        </p:style>
+      </p:cxnSp>
+    </p:spTree>
+    <p:extLst>
+      <p:ext uri="{BB962C8B-B14F-4D97-AF65-F5344CB8AC3E}">
+        <p14:creationId xmlns:p14="http://schemas.microsoft.com/office/powerpoint/2010/main" val="4033484276"/>
+      </p:ext>
+    </p:extLst>
+  </p:cSld>
+  <p:clrMapOvr>
+    <a:masterClrMapping/>
+  </p:clrMapOvr>
+</p:sld>
+</file>
+
+<file path=ppt/slides/slide25.xml><?xml version="1.0" encoding="utf-8"?>
+<p:sld xmlns:a="http://schemas.openxmlformats.org/drawingml/2006/main" xmlns:r="http://schemas.openxmlformats.org/officeDocument/2006/relationships" xmlns:p="http://schemas.openxmlformats.org/presentationml/2006/main">
+  <p:cSld>
+    <p:spTree>
+      <p:nvGrpSpPr>
+        <p:cNvPr id="1" name=""/>
+        <p:cNvGrpSpPr/>
+        <p:nvPr/>
+      </p:nvGrpSpPr>
+      <p:grpSpPr>
+        <a:xfrm>
+          <a:off x="0" y="0"/>
+          <a:ext cx="0" cy="0"/>
+          <a:chOff x="0" y="0"/>
+          <a:chExt cx="0" cy="0"/>
+        </a:xfrm>
+      </p:grpSpPr>
+      <p:sp>
+        <p:nvSpPr>
+          <p:cNvPr id="2" name="Title 1"/>
+          <p:cNvSpPr>
+            <a:spLocks noGrp="1"/>
+          </p:cNvSpPr>
+          <p:nvPr>
+            <p:ph type="title"/>
+          </p:nvPr>
+        </p:nvSpPr>
+        <p:spPr/>
+        <p:txBody>
+          <a:bodyPr/>
+          <a:lstStyle/>
+          <a:p>
+            <a:r>
               <a:rPr lang="en-US" dirty="0"/>
               <a:t>Simple mode: pro and cons</a:t>
             </a:r>
@@ -14502,7 +15136,7 @@
 </p:sld>
 </file>
 
-<file path=ppt/slides/slide25.xml><?xml version="1.0" encoding="utf-8"?>
+<file path=ppt/slides/slide26.xml><?xml version="1.0" encoding="utf-8"?>
 <p:sld xmlns:a="http://schemas.openxmlformats.org/drawingml/2006/main" xmlns:r="http://schemas.openxmlformats.org/officeDocument/2006/relationships" xmlns:p="http://schemas.openxmlformats.org/presentationml/2006/main">
   <p:cSld>
     <p:spTree>
@@ -16039,7 +16673,7 @@
 </p:sld>
 </file>
 
-<file path=ppt/slides/slide26.xml><?xml version="1.0" encoding="utf-8"?>
+<file path=ppt/slides/slide27.xml><?xml version="1.0" encoding="utf-8"?>
 <p:sld xmlns:a="http://schemas.openxmlformats.org/drawingml/2006/main" xmlns:r="http://schemas.openxmlformats.org/officeDocument/2006/relationships" xmlns:p="http://schemas.openxmlformats.org/presentationml/2006/main">
   <p:cSld>
     <p:spTree>
@@ -17598,7 +18232,7 @@
 </p:sld>
 </file>
 
-<file path=ppt/slides/slide27.xml><?xml version="1.0" encoding="utf-8"?>
+<file path=ppt/slides/slide28.xml><?xml version="1.0" encoding="utf-8"?>
 <p:sld xmlns:a="http://schemas.openxmlformats.org/drawingml/2006/main" xmlns:r="http://schemas.openxmlformats.org/officeDocument/2006/relationships" xmlns:p="http://schemas.openxmlformats.org/presentationml/2006/main">
   <p:cSld>
     <p:spTree>
@@ -18483,7 +19117,7 @@
 </p:sld>
 </file>
 
-<file path=ppt/slides/slide28.xml><?xml version="1.0" encoding="utf-8"?>
+<file path=ppt/slides/slide29.xml><?xml version="1.0" encoding="utf-8"?>
 <p:sld xmlns:a="http://schemas.openxmlformats.org/drawingml/2006/main" xmlns:r="http://schemas.openxmlformats.org/officeDocument/2006/relationships" xmlns:p="http://schemas.openxmlformats.org/presentationml/2006/main">
   <p:cSld>
     <p:spTree>
@@ -18622,289 +19256,6 @@
   <p:clrMapOvr>
     <a:masterClrMapping/>
   </p:clrMapOvr>
-</p:sld>
-</file>
-
-<file path=ppt/slides/slide29.xml><?xml version="1.0" encoding="utf-8"?>
-<p:sld xmlns:a="http://schemas.openxmlformats.org/drawingml/2006/main" xmlns:r="http://schemas.openxmlformats.org/officeDocument/2006/relationships" xmlns:p="http://schemas.openxmlformats.org/presentationml/2006/main">
-  <p:cSld>
-    <p:spTree>
-      <p:nvGrpSpPr>
-        <p:cNvPr id="1" name=""/>
-        <p:cNvGrpSpPr/>
-        <p:nvPr/>
-      </p:nvGrpSpPr>
-      <p:grpSpPr>
-        <a:xfrm>
-          <a:off x="0" y="0"/>
-          <a:ext cx="0" cy="0"/>
-          <a:chOff x="0" y="0"/>
-          <a:chExt cx="0" cy="0"/>
-        </a:xfrm>
-      </p:grpSpPr>
-      <p:sp>
-        <p:nvSpPr>
-          <p:cNvPr id="2" name="Title 1"/>
-          <p:cNvSpPr>
-            <a:spLocks noGrp="1"/>
-          </p:cNvSpPr>
-          <p:nvPr>
-            <p:ph type="title"/>
-          </p:nvPr>
-        </p:nvSpPr>
-        <p:spPr/>
-        <p:txBody>
-          <a:bodyPr/>
-          <a:lstStyle/>
-          <a:p>
-            <a:r>
-              <a:rPr lang="en-US" dirty="0"/>
-              <a:t>Output from </a:t>
-            </a:r>
-            <a:r>
-              <a:rPr lang="en-US" dirty="0" err="1"/>
-              <a:t>Trimmomatic</a:t>
-            </a:r>
-            <a:endParaRPr lang="en-US" dirty="0"/>
-          </a:p>
-        </p:txBody>
-      </p:sp>
-      <p:pic>
-        <p:nvPicPr>
-          <p:cNvPr id="4" name="Picture 3" descr="Screen Shot 2015-01-02 at 12.25.43 PM.png"/>
-          <p:cNvPicPr>
-            <a:picLocks noChangeAspect="1"/>
-          </p:cNvPicPr>
-          <p:nvPr/>
-        </p:nvPicPr>
-        <p:blipFill>
-          <a:blip r:embed="rId2">
-            <a:extLst>
-              <a:ext uri="{28A0092B-C50C-407E-A947-70E740481C1C}">
-                <a14:useLocalDpi xmlns:a14="http://schemas.microsoft.com/office/drawing/2010/main" val="0"/>
-              </a:ext>
-            </a:extLst>
-          </a:blip>
-          <a:stretch>
-            <a:fillRect/>
-          </a:stretch>
-        </p:blipFill>
-        <p:spPr>
-          <a:xfrm>
-            <a:off x="1063802" y="1047625"/>
-            <a:ext cx="7181506" cy="5645275"/>
-          </a:xfrm>
-          <a:prstGeom prst="rect">
-            <a:avLst/>
-          </a:prstGeom>
-        </p:spPr>
-      </p:pic>
-      <p:sp>
-        <p:nvSpPr>
-          <p:cNvPr id="3" name="Oval 2"/>
-          <p:cNvSpPr/>
-          <p:nvPr/>
-        </p:nvSpPr>
-        <p:spPr>
-          <a:xfrm>
-            <a:off x="5308600" y="876299"/>
-            <a:ext cx="3378200" cy="5397501"/>
-          </a:xfrm>
-          <a:prstGeom prst="ellipse">
-            <a:avLst/>
-          </a:prstGeom>
-          <a:noFill/>
-          <a:ln w="28575" cmpd="sng">
-            <a:solidFill>
-              <a:srgbClr val="FF0000"/>
-            </a:solidFill>
-          </a:ln>
-          <a:effectLst/>
-        </p:spPr>
-        <p:style>
-          <a:lnRef idx="1">
-            <a:schemeClr val="accent1"/>
-          </a:lnRef>
-          <a:fillRef idx="3">
-            <a:schemeClr val="accent1"/>
-          </a:fillRef>
-          <a:effectRef idx="2">
-            <a:schemeClr val="accent1"/>
-          </a:effectRef>
-          <a:fontRef idx="minor">
-            <a:schemeClr val="lt1"/>
-          </a:fontRef>
-        </p:style>
-        <p:txBody>
-          <a:bodyPr rtlCol="0" anchor="ctr"/>
-          <a:lstStyle/>
-          <a:p>
-            <a:pPr algn="ctr"/>
-            <a:endParaRPr lang="en-US"/>
-          </a:p>
-        </p:txBody>
-      </p:sp>
-      <p:sp>
-        <p:nvSpPr>
-          <p:cNvPr id="5" name="Oval 4"/>
-          <p:cNvSpPr/>
-          <p:nvPr/>
-        </p:nvSpPr>
-        <p:spPr>
-          <a:xfrm>
-            <a:off x="660400" y="1371600"/>
-            <a:ext cx="2438400" cy="4241800"/>
-          </a:xfrm>
-          <a:prstGeom prst="ellipse">
-            <a:avLst/>
-          </a:prstGeom>
-          <a:noFill/>
-          <a:ln w="28575" cmpd="sng">
-            <a:solidFill>
-              <a:srgbClr val="FF0000"/>
-            </a:solidFill>
-          </a:ln>
-          <a:effectLst/>
-        </p:spPr>
-        <p:style>
-          <a:lnRef idx="1">
-            <a:schemeClr val="accent1"/>
-          </a:lnRef>
-          <a:fillRef idx="3">
-            <a:schemeClr val="accent1"/>
-          </a:fillRef>
-          <a:effectRef idx="2">
-            <a:schemeClr val="accent1"/>
-          </a:effectRef>
-          <a:fontRef idx="minor">
-            <a:schemeClr val="lt1"/>
-          </a:fontRef>
-        </p:style>
-        <p:txBody>
-          <a:bodyPr rtlCol="0" anchor="ctr"/>
-          <a:lstStyle/>
-          <a:p>
-            <a:pPr algn="ctr"/>
-            <a:endParaRPr lang="en-US"/>
-          </a:p>
-        </p:txBody>
-      </p:sp>
-    </p:spTree>
-    <p:extLst>
-      <p:ext uri="{BB962C8B-B14F-4D97-AF65-F5344CB8AC3E}">
-        <p14:creationId xmlns:p14="http://schemas.microsoft.com/office/powerpoint/2010/main" val="3632401533"/>
-      </p:ext>
-    </p:extLst>
-  </p:cSld>
-  <p:clrMapOvr>
-    <a:masterClrMapping/>
-  </p:clrMapOvr>
-  <p:timing>
-    <p:tnLst>
-      <p:par>
-        <p:cTn id="1" dur="indefinite" restart="never" nodeType="tmRoot">
-          <p:childTnLst>
-            <p:seq concurrent="1" nextAc="seek">
-              <p:cTn id="2" dur="indefinite" nodeType="mainSeq">
-                <p:childTnLst>
-                  <p:par>
-                    <p:cTn id="3" fill="hold">
-                      <p:stCondLst>
-                        <p:cond delay="indefinite"/>
-                      </p:stCondLst>
-                      <p:childTnLst>
-                        <p:par>
-                          <p:cTn id="4" fill="hold">
-                            <p:stCondLst>
-                              <p:cond delay="0"/>
-                            </p:stCondLst>
-                            <p:childTnLst>
-                              <p:par>
-                                <p:cTn id="5" presetID="1" presetClass="entr" presetSubtype="0" fill="hold" grpId="0" nodeType="clickEffect">
-                                  <p:stCondLst>
-                                    <p:cond delay="0"/>
-                                  </p:stCondLst>
-                                  <p:childTnLst>
-                                    <p:set>
-                                      <p:cBhvr>
-                                        <p:cTn id="6" dur="1" fill="hold">
-                                          <p:stCondLst>
-                                            <p:cond delay="0"/>
-                                          </p:stCondLst>
-                                        </p:cTn>
-                                        <p:tgtEl>
-                                          <p:spTgt spid="5"/>
-                                        </p:tgtEl>
-                                        <p:attrNameLst>
-                                          <p:attrName>style.visibility</p:attrName>
-                                        </p:attrNameLst>
-                                      </p:cBhvr>
-                                      <p:to>
-                                        <p:strVal val="visible"/>
-                                      </p:to>
-                                    </p:set>
-                                  </p:childTnLst>
-                                </p:cTn>
-                              </p:par>
-                              <p:par>
-                                <p:cTn id="7" presetID="1" presetClass="entr" presetSubtype="0" fill="hold" grpId="0" nodeType="withEffect">
-                                  <p:stCondLst>
-                                    <p:cond delay="0"/>
-                                  </p:stCondLst>
-                                  <p:childTnLst>
-                                    <p:set>
-                                      <p:cBhvr>
-                                        <p:cTn id="8" dur="1" fill="hold">
-                                          <p:stCondLst>
-                                            <p:cond delay="0"/>
-                                          </p:stCondLst>
-                                        </p:cTn>
-                                        <p:tgtEl>
-                                          <p:spTgt spid="3"/>
-                                        </p:tgtEl>
-                                        <p:attrNameLst>
-                                          <p:attrName>style.visibility</p:attrName>
-                                        </p:attrNameLst>
-                                      </p:cBhvr>
-                                      <p:to>
-                                        <p:strVal val="visible"/>
-                                      </p:to>
-                                    </p:set>
-                                  </p:childTnLst>
-                                </p:cTn>
-                              </p:par>
-                            </p:childTnLst>
-                          </p:cTn>
-                        </p:par>
-                      </p:childTnLst>
-                    </p:cTn>
-                  </p:par>
-                </p:childTnLst>
-              </p:cTn>
-              <p:prevCondLst>
-                <p:cond evt="onPrev" delay="0">
-                  <p:tgtEl>
-                    <p:sldTgt/>
-                  </p:tgtEl>
-                </p:cond>
-              </p:prevCondLst>
-              <p:nextCondLst>
-                <p:cond evt="onNext" delay="0">
-                  <p:tgtEl>
-                    <p:sldTgt/>
-                  </p:tgtEl>
-                </p:cond>
-              </p:nextCondLst>
-            </p:seq>
-          </p:childTnLst>
-        </p:cTn>
-      </p:par>
-    </p:tnLst>
-    <p:bldLst>
-      <p:bldP spid="3" grpId="0" animBg="1"/>
-      <p:bldP spid="5" grpId="0" animBg="1"/>
-    </p:bldLst>
-  </p:timing>
 </p:sld>
 </file>
 
@@ -19284,7 +19635,7 @@
           <a:p>
             <a:r>
               <a:rPr lang="en-US" dirty="0"/>
-              <a:t>Some convenience features of </a:t>
+              <a:t>Output from </a:t>
             </a:r>
             <a:r>
               <a:rPr lang="en-US" dirty="0" err="1"/>
@@ -19294,91 +19645,242 @@
           </a:p>
         </p:txBody>
       </p:sp>
-      <p:sp>
-        <p:nvSpPr>
-          <p:cNvPr id="3" name="Content Placeholder 2"/>
-          <p:cNvSpPr>
-            <a:spLocks noGrp="1"/>
-          </p:cNvSpPr>
-          <p:nvPr>
-            <p:ph idx="1"/>
-          </p:nvPr>
-        </p:nvSpPr>
+      <p:pic>
+        <p:nvPicPr>
+          <p:cNvPr id="4" name="Picture 3" descr="Screen Shot 2015-01-02 at 12.25.43 PM.png"/>
+          <p:cNvPicPr>
+            <a:picLocks noChangeAspect="1"/>
+          </p:cNvPicPr>
+          <p:nvPr/>
+        </p:nvPicPr>
+        <p:blipFill>
+          <a:blip r:embed="rId2">
+            <a:extLst>
+              <a:ext uri="{28A0092B-C50C-407E-A947-70E740481C1C}">
+                <a14:useLocalDpi xmlns:a14="http://schemas.microsoft.com/office/drawing/2010/main" val="0"/>
+              </a:ext>
+            </a:extLst>
+          </a:blip>
+          <a:stretch>
+            <a:fillRect/>
+          </a:stretch>
+        </p:blipFill>
         <p:spPr>
           <a:xfrm>
-            <a:off x="457200" y="1663890"/>
-            <a:ext cx="8141569" cy="3238310"/>
-          </a:xfrm>
-        </p:spPr>
-        <p:txBody>
-          <a:bodyPr>
-            <a:noAutofit/>
-          </a:bodyPr>
+            <a:off x="1063802" y="1047625"/>
+            <a:ext cx="7181506" cy="5645275"/>
+          </a:xfrm>
+          <a:prstGeom prst="rect">
+            <a:avLst/>
+          </a:prstGeom>
+        </p:spPr>
+      </p:pic>
+      <p:sp>
+        <p:nvSpPr>
+          <p:cNvPr id="3" name="Oval 2"/>
+          <p:cNvSpPr/>
+          <p:nvPr/>
+        </p:nvSpPr>
+        <p:spPr>
+          <a:xfrm>
+            <a:off x="5308600" y="876299"/>
+            <a:ext cx="3378200" cy="5397501"/>
+          </a:xfrm>
+          <a:prstGeom prst="ellipse">
+            <a:avLst/>
+          </a:prstGeom>
+          <a:noFill/>
+          <a:ln w="28575" cmpd="sng">
+            <a:solidFill>
+              <a:srgbClr val="FF0000"/>
+            </a:solidFill>
+          </a:ln>
+          <a:effectLst/>
+        </p:spPr>
+        <p:style>
+          <a:lnRef idx="1">
+            <a:schemeClr val="accent1"/>
+          </a:lnRef>
+          <a:fillRef idx="3">
+            <a:schemeClr val="accent1"/>
+          </a:fillRef>
+          <a:effectRef idx="2">
+            <a:schemeClr val="accent1"/>
+          </a:effectRef>
+          <a:fontRef idx="minor">
+            <a:schemeClr val="lt1"/>
+          </a:fontRef>
+        </p:style>
+        <p:txBody>
+          <a:bodyPr rtlCol="0" anchor="ctr"/>
           <a:lstStyle/>
           <a:p>
-            <a:pPr>
-              <a:lnSpc>
-                <a:spcPct val="120000"/>
-              </a:lnSpc>
-            </a:pPr>
-            <a:r>
-              <a:rPr lang="en-US" sz="2800" dirty="0"/>
-              <a:t>Accept compressed input (</a:t>
-            </a:r>
-            <a:r>
-              <a:rPr lang="en-US" sz="2800" dirty="0" err="1"/>
-              <a:t>gzip</a:t>
-            </a:r>
-            <a:r>
-              <a:rPr lang="en-US" sz="2800" dirty="0"/>
-              <a:t> or bzip2)</a:t>
-            </a:r>
-          </a:p>
-          <a:p>
-            <a:pPr>
-              <a:lnSpc>
-                <a:spcPct val="120000"/>
-              </a:lnSpc>
-            </a:pPr>
-            <a:r>
-              <a:rPr lang="en-US" sz="2800" dirty="0"/>
-              <a:t>Automatically determine quality format</a:t>
-            </a:r>
-          </a:p>
-          <a:p>
-            <a:pPr>
-              <a:lnSpc>
-                <a:spcPct val="120000"/>
-              </a:lnSpc>
-            </a:pPr>
-            <a:r>
-              <a:rPr lang="en-US" sz="2800" dirty="0"/>
-              <a:t>Use multiple threads if multiple CPU cores are available</a:t>
-            </a:r>
-          </a:p>
-          <a:p>
-            <a:pPr>
-              <a:lnSpc>
-                <a:spcPct val="120000"/>
-              </a:lnSpc>
-            </a:pPr>
-            <a:r>
-              <a:rPr lang="en-US" sz="2800" dirty="0"/>
-              <a:t>Provide trimming log for each read</a:t>
-            </a:r>
+            <a:pPr algn="ctr"/>
+            <a:endParaRPr lang="en-US"/>
+          </a:p>
+        </p:txBody>
+      </p:sp>
+      <p:sp>
+        <p:nvSpPr>
+          <p:cNvPr id="5" name="Oval 4"/>
+          <p:cNvSpPr/>
+          <p:nvPr/>
+        </p:nvSpPr>
+        <p:spPr>
+          <a:xfrm>
+            <a:off x="660400" y="1371600"/>
+            <a:ext cx="2438400" cy="4241800"/>
+          </a:xfrm>
+          <a:prstGeom prst="ellipse">
+            <a:avLst/>
+          </a:prstGeom>
+          <a:noFill/>
+          <a:ln w="28575" cmpd="sng">
+            <a:solidFill>
+              <a:srgbClr val="FF0000"/>
+            </a:solidFill>
+          </a:ln>
+          <a:effectLst/>
+        </p:spPr>
+        <p:style>
+          <a:lnRef idx="1">
+            <a:schemeClr val="accent1"/>
+          </a:lnRef>
+          <a:fillRef idx="3">
+            <a:schemeClr val="accent1"/>
+          </a:fillRef>
+          <a:effectRef idx="2">
+            <a:schemeClr val="accent1"/>
+          </a:effectRef>
+          <a:fontRef idx="minor">
+            <a:schemeClr val="lt1"/>
+          </a:fontRef>
+        </p:style>
+        <p:txBody>
+          <a:bodyPr rtlCol="0" anchor="ctr"/>
+          <a:lstStyle/>
+          <a:p>
+            <a:pPr algn="ctr"/>
+            <a:endParaRPr lang="en-US"/>
           </a:p>
         </p:txBody>
       </p:sp>
     </p:spTree>
     <p:extLst>
       <p:ext uri="{BB962C8B-B14F-4D97-AF65-F5344CB8AC3E}">
-        <p14:creationId xmlns:p14="http://schemas.microsoft.com/office/powerpoint/2010/main" val="3842007696"/>
+        <p14:creationId xmlns:p14="http://schemas.microsoft.com/office/powerpoint/2010/main" val="3632401533"/>
       </p:ext>
     </p:extLst>
   </p:cSld>
   <p:clrMapOvr>
     <a:masterClrMapping/>
   </p:clrMapOvr>
+  <p:timing>
+    <p:tnLst>
+      <p:par>
+        <p:cTn id="1" dur="indefinite" restart="never" nodeType="tmRoot">
+          <p:childTnLst>
+            <p:seq concurrent="1" nextAc="seek">
+              <p:cTn id="2" dur="indefinite" nodeType="mainSeq">
+                <p:childTnLst>
+                  <p:par>
+                    <p:cTn id="3" fill="hold">
+                      <p:stCondLst>
+                        <p:cond delay="indefinite"/>
+                      </p:stCondLst>
+                      <p:childTnLst>
+                        <p:par>
+                          <p:cTn id="4" fill="hold">
+                            <p:stCondLst>
+                              <p:cond delay="0"/>
+                            </p:stCondLst>
+                            <p:childTnLst>
+                              <p:par>
+                                <p:cTn id="5" presetID="1" presetClass="entr" presetSubtype="0" fill="hold" grpId="0" nodeType="clickEffect">
+                                  <p:stCondLst>
+                                    <p:cond delay="0"/>
+                                  </p:stCondLst>
+                                  <p:childTnLst>
+                                    <p:set>
+                                      <p:cBhvr>
+                                        <p:cTn id="6" dur="1" fill="hold">
+                                          <p:stCondLst>
+                                            <p:cond delay="0"/>
+                                          </p:stCondLst>
+                                        </p:cTn>
+                                        <p:tgtEl>
+                                          <p:spTgt spid="5"/>
+                                        </p:tgtEl>
+                                        <p:attrNameLst>
+                                          <p:attrName>style.visibility</p:attrName>
+                                        </p:attrNameLst>
+                                      </p:cBhvr>
+                                      <p:to>
+                                        <p:strVal val="visible"/>
+                                      </p:to>
+                                    </p:set>
+                                  </p:childTnLst>
+                                </p:cTn>
+                              </p:par>
+                              <p:par>
+                                <p:cTn id="7" presetID="1" presetClass="entr" presetSubtype="0" fill="hold" grpId="0" nodeType="withEffect">
+                                  <p:stCondLst>
+                                    <p:cond delay="0"/>
+                                  </p:stCondLst>
+                                  <p:childTnLst>
+                                    <p:set>
+                                      <p:cBhvr>
+                                        <p:cTn id="8" dur="1" fill="hold">
+                                          <p:stCondLst>
+                                            <p:cond delay="0"/>
+                                          </p:stCondLst>
+                                        </p:cTn>
+                                        <p:tgtEl>
+                                          <p:spTgt spid="3"/>
+                                        </p:tgtEl>
+                                        <p:attrNameLst>
+                                          <p:attrName>style.visibility</p:attrName>
+                                        </p:attrNameLst>
+                                      </p:cBhvr>
+                                      <p:to>
+                                        <p:strVal val="visible"/>
+                                      </p:to>
+                                    </p:set>
+                                  </p:childTnLst>
+                                </p:cTn>
+                              </p:par>
+                            </p:childTnLst>
+                          </p:cTn>
+                        </p:par>
+                      </p:childTnLst>
+                    </p:cTn>
+                  </p:par>
+                </p:childTnLst>
+              </p:cTn>
+              <p:prevCondLst>
+                <p:cond evt="onPrev" delay="0">
+                  <p:tgtEl>
+                    <p:sldTgt/>
+                  </p:tgtEl>
+                </p:cond>
+              </p:prevCondLst>
+              <p:nextCondLst>
+                <p:cond evt="onNext" delay="0">
+                  <p:tgtEl>
+                    <p:sldTgt/>
+                  </p:tgtEl>
+                </p:cond>
+              </p:nextCondLst>
+            </p:seq>
+          </p:childTnLst>
+        </p:cTn>
+      </p:par>
+    </p:tnLst>
+    <p:bldLst>
+      <p:bldP spid="3" grpId="0" animBg="1"/>
+      <p:bldP spid="5" grpId="0" animBg="1"/>
+    </p:bldLst>
+  </p:timing>
 </p:sld>
 </file>
 
@@ -19598,6 +20100,722 @@
 </p:sld>
 </file>
 
+<file path=ppt/slides/slide33.xml><?xml version="1.0" encoding="utf-8"?>
+<p:sld xmlns:a="http://schemas.openxmlformats.org/drawingml/2006/main" xmlns:r="http://schemas.openxmlformats.org/officeDocument/2006/relationships" xmlns:p="http://schemas.openxmlformats.org/presentationml/2006/main">
+  <p:cSld>
+    <p:spTree>
+      <p:nvGrpSpPr>
+        <p:cNvPr id="1" name=""/>
+        <p:cNvGrpSpPr/>
+        <p:nvPr/>
+      </p:nvGrpSpPr>
+      <p:grpSpPr>
+        <a:xfrm>
+          <a:off x="0" y="0"/>
+          <a:ext cx="0" cy="0"/>
+          <a:chOff x="0" y="0"/>
+          <a:chExt cx="0" cy="0"/>
+        </a:xfrm>
+      </p:grpSpPr>
+      <p:sp>
+        <p:nvSpPr>
+          <p:cNvPr id="59393" name="Title 1"/>
+          <p:cNvSpPr>
+            <a:spLocks noGrp="1"/>
+          </p:cNvSpPr>
+          <p:nvPr>
+            <p:ph type="title" idx="4294967295"/>
+          </p:nvPr>
+        </p:nvSpPr>
+        <p:spPr>
+          <a:xfrm>
+            <a:off x="457200" y="71438"/>
+            <a:ext cx="8229600" cy="723900"/>
+          </a:xfrm>
+        </p:spPr>
+        <p:txBody>
+          <a:bodyPr/>
+          <a:lstStyle/>
+          <a:p>
+            <a:pPr eaLnBrk="1" hangingPunct="1"/>
+            <a:r>
+              <a:rPr lang="en-US" b="1" dirty="0">
+                <a:latin typeface="Calibri" charset="0"/>
+                <a:ea typeface="ＭＳ Ｐゴシック" charset="0"/>
+                <a:cs typeface="ＭＳ Ｐゴシック" charset="0"/>
+              </a:rPr>
+              <a:t>Illumina reads</a:t>
+            </a:r>
+          </a:p>
+        </p:txBody>
+      </p:sp>
+      <p:sp>
+        <p:nvSpPr>
+          <p:cNvPr id="59394" name="TextBox 2"/>
+          <p:cNvSpPr txBox="1">
+            <a:spLocks noChangeArrowheads="1"/>
+          </p:cNvSpPr>
+          <p:nvPr/>
+        </p:nvSpPr>
+        <p:spPr bwMode="auto">
+          <a:xfrm>
+            <a:off x="127000" y="896938"/>
+            <a:ext cx="4614863" cy="2308225"/>
+          </a:xfrm>
+          <a:prstGeom prst="rect">
+            <a:avLst/>
+          </a:prstGeom>
+          <a:noFill/>
+          <a:ln>
+            <a:noFill/>
+          </a:ln>
+          <a:extLst>
+            <a:ext uri="{909E8E84-426E-40dd-AFC4-6F175D3DCCD1}">
+              <a14:hiddenFill xmlns:a14="http://schemas.microsoft.com/office/drawing/2010/main" xmlns="">
+                <a:solidFill>
+                  <a:srgbClr val="FFFFFF"/>
+                </a:solidFill>
+              </a14:hiddenFill>
+            </a:ext>
+            <a:ext uri="{91240B29-F687-4f45-9708-019B960494DF}">
+              <a14:hiddenLine xmlns:a14="http://schemas.microsoft.com/office/drawing/2010/main" xmlns="" w="9525">
+                <a:solidFill>
+                  <a:srgbClr val="000000"/>
+                </a:solidFill>
+                <a:miter lim="800000"/>
+                <a:headEnd/>
+                <a:tailEnd/>
+              </a14:hiddenLine>
+            </a:ext>
+          </a:extLst>
+        </p:spPr>
+        <p:txBody>
+          <a:bodyPr>
+            <a:spAutoFit/>
+          </a:bodyPr>
+          <a:lstStyle>
+            <a:lvl1pPr eaLnBrk="0" hangingPunct="0">
+              <a:defRPr sz="2400">
+                <a:solidFill>
+                  <a:schemeClr val="tx1"/>
+                </a:solidFill>
+                <a:latin typeface="Arial" charset="0"/>
+                <a:ea typeface="ＭＳ Ｐゴシック" charset="0"/>
+                <a:cs typeface="ＭＳ Ｐゴシック" charset="0"/>
+              </a:defRPr>
+            </a:lvl1pPr>
+            <a:lvl2pPr marL="742950" indent="-285750" eaLnBrk="0" hangingPunct="0">
+              <a:defRPr sz="2400">
+                <a:solidFill>
+                  <a:schemeClr val="tx1"/>
+                </a:solidFill>
+                <a:latin typeface="Arial" charset="0"/>
+                <a:ea typeface="ＭＳ Ｐゴシック" charset="0"/>
+              </a:defRPr>
+            </a:lvl2pPr>
+            <a:lvl3pPr marL="1143000" indent="-228600" eaLnBrk="0" hangingPunct="0">
+              <a:defRPr sz="2400">
+                <a:solidFill>
+                  <a:schemeClr val="tx1"/>
+                </a:solidFill>
+                <a:latin typeface="Arial" charset="0"/>
+                <a:ea typeface="ＭＳ Ｐゴシック" charset="0"/>
+              </a:defRPr>
+            </a:lvl3pPr>
+            <a:lvl4pPr marL="1600200" indent="-228600" eaLnBrk="0" hangingPunct="0">
+              <a:defRPr sz="2400">
+                <a:solidFill>
+                  <a:schemeClr val="tx1"/>
+                </a:solidFill>
+                <a:latin typeface="Arial" charset="0"/>
+                <a:ea typeface="ＭＳ Ｐゴシック" charset="0"/>
+              </a:defRPr>
+            </a:lvl4pPr>
+            <a:lvl5pPr marL="2057400" indent="-228600" eaLnBrk="0" hangingPunct="0">
+              <a:defRPr sz="2400">
+                <a:solidFill>
+                  <a:schemeClr val="tx1"/>
+                </a:solidFill>
+                <a:latin typeface="Arial" charset="0"/>
+                <a:ea typeface="ＭＳ Ｐゴシック" charset="0"/>
+              </a:defRPr>
+            </a:lvl5pPr>
+            <a:lvl6pPr marL="2514600" indent="-228600" eaLnBrk="0" fontAlgn="base" hangingPunct="0">
+              <a:spcBef>
+                <a:spcPct val="0"/>
+              </a:spcBef>
+              <a:spcAft>
+                <a:spcPct val="0"/>
+              </a:spcAft>
+              <a:defRPr sz="2400">
+                <a:solidFill>
+                  <a:schemeClr val="tx1"/>
+                </a:solidFill>
+                <a:latin typeface="Arial" charset="0"/>
+                <a:ea typeface="ＭＳ Ｐゴシック" charset="0"/>
+              </a:defRPr>
+            </a:lvl6pPr>
+            <a:lvl7pPr marL="2971800" indent="-228600" eaLnBrk="0" fontAlgn="base" hangingPunct="0">
+              <a:spcBef>
+                <a:spcPct val="0"/>
+              </a:spcBef>
+              <a:spcAft>
+                <a:spcPct val="0"/>
+              </a:spcAft>
+              <a:defRPr sz="2400">
+                <a:solidFill>
+                  <a:schemeClr val="tx1"/>
+                </a:solidFill>
+                <a:latin typeface="Arial" charset="0"/>
+                <a:ea typeface="ＭＳ Ｐゴシック" charset="0"/>
+              </a:defRPr>
+            </a:lvl7pPr>
+            <a:lvl8pPr marL="3429000" indent="-228600" eaLnBrk="0" fontAlgn="base" hangingPunct="0">
+              <a:spcBef>
+                <a:spcPct val="0"/>
+              </a:spcBef>
+              <a:spcAft>
+                <a:spcPct val="0"/>
+              </a:spcAft>
+              <a:defRPr sz="2400">
+                <a:solidFill>
+                  <a:schemeClr val="tx1"/>
+                </a:solidFill>
+                <a:latin typeface="Arial" charset="0"/>
+                <a:ea typeface="ＭＳ Ｐゴシック" charset="0"/>
+              </a:defRPr>
+            </a:lvl8pPr>
+            <a:lvl9pPr marL="3886200" indent="-228600" eaLnBrk="0" fontAlgn="base" hangingPunct="0">
+              <a:spcBef>
+                <a:spcPct val="0"/>
+              </a:spcBef>
+              <a:spcAft>
+                <a:spcPct val="0"/>
+              </a:spcAft>
+              <a:defRPr sz="2400">
+                <a:solidFill>
+                  <a:schemeClr val="tx1"/>
+                </a:solidFill>
+                <a:latin typeface="Arial" charset="0"/>
+                <a:ea typeface="ＭＳ Ｐゴシック" charset="0"/>
+              </a:defRPr>
+            </a:lvl9pPr>
+          </a:lstStyle>
+          <a:p>
+            <a:pPr eaLnBrk="1" hangingPunct="1"/>
+            <a:r>
+              <a:rPr lang="en-US" sz="1600" b="1" dirty="0">
+                <a:latin typeface="Calibri" charset="0"/>
+              </a:rPr>
+              <a:t>Standard data format - FASTQ</a:t>
+            </a:r>
+            <a:r>
+              <a:rPr lang="en-US" sz="1600" dirty="0">
+                <a:latin typeface="Calibri" charset="0"/>
+              </a:rPr>
+              <a:t> </a:t>
+            </a:r>
+          </a:p>
+          <a:p>
+            <a:pPr eaLnBrk="1" hangingPunct="1"/>
+            <a:endParaRPr lang="en-US" sz="1600" dirty="0">
+              <a:latin typeface="Calibri" charset="0"/>
+            </a:endParaRPr>
+          </a:p>
+          <a:p>
+            <a:pPr eaLnBrk="1" hangingPunct="1"/>
+            <a:r>
+              <a:rPr lang="en-US" sz="1600" dirty="0">
+                <a:latin typeface="Calibri" charset="0"/>
+              </a:rPr>
+              <a:t>@</a:t>
+            </a:r>
+            <a:r>
+              <a:rPr lang="en-US" sz="1600" dirty="0">
+                <a:solidFill>
+                  <a:srgbClr val="FF0000"/>
+                </a:solidFill>
+                <a:latin typeface="Calibri" charset="0"/>
+              </a:rPr>
+              <a:t>HWI-EAS225:3:1:2:854#0/1</a:t>
+            </a:r>
+          </a:p>
+          <a:p>
+            <a:pPr eaLnBrk="1" hangingPunct="1"/>
+            <a:r>
+              <a:rPr lang="en-US" sz="1600" dirty="0">
+                <a:latin typeface="Calibri" charset="0"/>
+              </a:rPr>
+              <a:t>GGGGGGAAGTCGGCAAAATAGATCCGTAACTTCGGG</a:t>
+            </a:r>
+          </a:p>
+          <a:p>
+            <a:pPr eaLnBrk="1" hangingPunct="1"/>
+            <a:r>
+              <a:rPr lang="en-US" sz="1600" dirty="0">
+                <a:latin typeface="Calibri" charset="0"/>
+              </a:rPr>
+              <a:t>+</a:t>
+            </a:r>
+          </a:p>
+          <a:p>
+            <a:pPr eaLnBrk="1" hangingPunct="1"/>
+            <a:r>
+              <a:rPr lang="en-US" sz="1600" dirty="0" err="1">
+                <a:latin typeface="Calibri" charset="0"/>
+              </a:rPr>
+              <a:t>a`abbbbabaabbababb</a:t>
+            </a:r>
+            <a:r>
+              <a:rPr lang="en-US" sz="1600" dirty="0">
+                <a:latin typeface="Calibri" charset="0"/>
+              </a:rPr>
+              <a:t>^`[</a:t>
+            </a:r>
+            <a:r>
+              <a:rPr lang="en-US" sz="1600" dirty="0" err="1">
+                <a:latin typeface="Calibri" charset="0"/>
+              </a:rPr>
+              <a:t>aaa</a:t>
+            </a:r>
+            <a:r>
+              <a:rPr lang="en-US" sz="1600" dirty="0">
+                <a:latin typeface="Calibri" charset="0"/>
+              </a:rPr>
+              <a:t>`_N]</a:t>
+            </a:r>
+            <a:r>
+              <a:rPr lang="en-US" sz="1600" dirty="0" err="1">
+                <a:latin typeface="Calibri" charset="0"/>
+              </a:rPr>
+              <a:t>b^ab</a:t>
+            </a:r>
+            <a:r>
+              <a:rPr lang="en-US" sz="1600" dirty="0">
+                <a:latin typeface="Calibri" charset="0"/>
+              </a:rPr>
+              <a:t>^``a</a:t>
+            </a:r>
+          </a:p>
+          <a:p>
+            <a:pPr eaLnBrk="1" hangingPunct="1"/>
+            <a:endParaRPr lang="en-US" sz="1600" dirty="0">
+              <a:latin typeface="Calibri" charset="0"/>
+            </a:endParaRPr>
+          </a:p>
+          <a:p>
+            <a:pPr eaLnBrk="1" hangingPunct="1"/>
+            <a:r>
+              <a:rPr lang="en-US" sz="1200" dirty="0">
+                <a:latin typeface="Calibri" charset="0"/>
+                <a:hlinkClick r:id="rId3"/>
+              </a:rPr>
+              <a:t>http://en.wikipedia.org/wiki/FASTQ_format</a:t>
+            </a:r>
+            <a:endParaRPr lang="en-US" sz="1200" dirty="0">
+              <a:latin typeface="Calibri" charset="0"/>
+            </a:endParaRPr>
+          </a:p>
+          <a:p>
+            <a:pPr eaLnBrk="1" hangingPunct="1"/>
+            <a:endParaRPr lang="en-US" sz="1600" dirty="0">
+              <a:latin typeface="Calibri" charset="0"/>
+            </a:endParaRPr>
+          </a:p>
+        </p:txBody>
+      </p:sp>
+      <p:sp>
+        <p:nvSpPr>
+          <p:cNvPr id="59395" name="Slide Number Placeholder 3"/>
+          <p:cNvSpPr>
+            <a:spLocks noGrp="1"/>
+          </p:cNvSpPr>
+          <p:nvPr>
+            <p:ph type="sldNum" sz="quarter" idx="12"/>
+          </p:nvPr>
+        </p:nvSpPr>
+        <p:spPr bwMode="auto">
+          <a:noFill/>
+          <a:extLst>
+            <a:ext uri="{909E8E84-426E-40dd-AFC4-6F175D3DCCD1}">
+              <a14:hiddenFill xmlns:a14="http://schemas.microsoft.com/office/drawing/2010/main" xmlns="">
+                <a:solidFill>
+                  <a:srgbClr val="FFFFFF"/>
+                </a:solidFill>
+              </a14:hiddenFill>
+            </a:ext>
+            <a:ext uri="{91240B29-F687-4f45-9708-019B960494DF}">
+              <a14:hiddenLine xmlns:a14="http://schemas.microsoft.com/office/drawing/2010/main" xmlns="" w="9525">
+                <a:solidFill>
+                  <a:srgbClr val="000000"/>
+                </a:solidFill>
+                <a:miter lim="800000"/>
+                <a:headEnd/>
+                <a:tailEnd/>
+              </a14:hiddenLine>
+            </a:ext>
+          </a:extLst>
+        </p:spPr>
+        <p:txBody>
+          <a:bodyPr/>
+          <a:lstStyle>
+            <a:lvl1pPr eaLnBrk="0" hangingPunct="0">
+              <a:defRPr sz="2400">
+                <a:solidFill>
+                  <a:schemeClr val="tx1"/>
+                </a:solidFill>
+                <a:latin typeface="Arial" charset="0"/>
+                <a:ea typeface="ＭＳ Ｐゴシック" charset="0"/>
+                <a:cs typeface="ＭＳ Ｐゴシック" charset="0"/>
+              </a:defRPr>
+            </a:lvl1pPr>
+            <a:lvl2pPr marL="742950" indent="-285750" eaLnBrk="0" hangingPunct="0">
+              <a:defRPr sz="2400">
+                <a:solidFill>
+                  <a:schemeClr val="tx1"/>
+                </a:solidFill>
+                <a:latin typeface="Arial" charset="0"/>
+                <a:ea typeface="ＭＳ Ｐゴシック" charset="0"/>
+              </a:defRPr>
+            </a:lvl2pPr>
+            <a:lvl3pPr marL="1143000" indent="-228600" eaLnBrk="0" hangingPunct="0">
+              <a:defRPr sz="2400">
+                <a:solidFill>
+                  <a:schemeClr val="tx1"/>
+                </a:solidFill>
+                <a:latin typeface="Arial" charset="0"/>
+                <a:ea typeface="ＭＳ Ｐゴシック" charset="0"/>
+              </a:defRPr>
+            </a:lvl3pPr>
+            <a:lvl4pPr marL="1600200" indent="-228600" eaLnBrk="0" hangingPunct="0">
+              <a:defRPr sz="2400">
+                <a:solidFill>
+                  <a:schemeClr val="tx1"/>
+                </a:solidFill>
+                <a:latin typeface="Arial" charset="0"/>
+                <a:ea typeface="ＭＳ Ｐゴシック" charset="0"/>
+              </a:defRPr>
+            </a:lvl4pPr>
+            <a:lvl5pPr marL="2057400" indent="-228600" eaLnBrk="0" hangingPunct="0">
+              <a:defRPr sz="2400">
+                <a:solidFill>
+                  <a:schemeClr val="tx1"/>
+                </a:solidFill>
+                <a:latin typeface="Arial" charset="0"/>
+                <a:ea typeface="ＭＳ Ｐゴシック" charset="0"/>
+              </a:defRPr>
+            </a:lvl5pPr>
+            <a:lvl6pPr marL="2514600" indent="-228600" eaLnBrk="0" fontAlgn="base" hangingPunct="0">
+              <a:spcBef>
+                <a:spcPct val="0"/>
+              </a:spcBef>
+              <a:spcAft>
+                <a:spcPct val="0"/>
+              </a:spcAft>
+              <a:defRPr sz="2400">
+                <a:solidFill>
+                  <a:schemeClr val="tx1"/>
+                </a:solidFill>
+                <a:latin typeface="Arial" charset="0"/>
+                <a:ea typeface="ＭＳ Ｐゴシック" charset="0"/>
+              </a:defRPr>
+            </a:lvl6pPr>
+            <a:lvl7pPr marL="2971800" indent="-228600" eaLnBrk="0" fontAlgn="base" hangingPunct="0">
+              <a:spcBef>
+                <a:spcPct val="0"/>
+              </a:spcBef>
+              <a:spcAft>
+                <a:spcPct val="0"/>
+              </a:spcAft>
+              <a:defRPr sz="2400">
+                <a:solidFill>
+                  <a:schemeClr val="tx1"/>
+                </a:solidFill>
+                <a:latin typeface="Arial" charset="0"/>
+                <a:ea typeface="ＭＳ Ｐゴシック" charset="0"/>
+              </a:defRPr>
+            </a:lvl7pPr>
+            <a:lvl8pPr marL="3429000" indent="-228600" eaLnBrk="0" fontAlgn="base" hangingPunct="0">
+              <a:spcBef>
+                <a:spcPct val="0"/>
+              </a:spcBef>
+              <a:spcAft>
+                <a:spcPct val="0"/>
+              </a:spcAft>
+              <a:defRPr sz="2400">
+                <a:solidFill>
+                  <a:schemeClr val="tx1"/>
+                </a:solidFill>
+                <a:latin typeface="Arial" charset="0"/>
+                <a:ea typeface="ＭＳ Ｐゴシック" charset="0"/>
+              </a:defRPr>
+            </a:lvl8pPr>
+            <a:lvl9pPr marL="3886200" indent="-228600" eaLnBrk="0" fontAlgn="base" hangingPunct="0">
+              <a:spcBef>
+                <a:spcPct val="0"/>
+              </a:spcBef>
+              <a:spcAft>
+                <a:spcPct val="0"/>
+              </a:spcAft>
+              <a:defRPr sz="2400">
+                <a:solidFill>
+                  <a:schemeClr val="tx1"/>
+                </a:solidFill>
+                <a:latin typeface="Arial" charset="0"/>
+                <a:ea typeface="ＭＳ Ｐゴシック" charset="0"/>
+              </a:defRPr>
+            </a:lvl9pPr>
+          </a:lstStyle>
+          <a:p>
+            <a:pPr eaLnBrk="1" hangingPunct="1"/>
+            <a:fld id="{2A0E17D0-6DA8-404A-B5F4-B87CD97C7EDC}" type="slidenum">
+              <a:rPr lang="en-US" sz="1200">
+                <a:solidFill>
+                  <a:srgbClr val="898989"/>
+                </a:solidFill>
+                <a:latin typeface="Calibri" charset="0"/>
+              </a:rPr>
+              <a:pPr eaLnBrk="1" hangingPunct="1"/>
+              <a:t>33</a:t>
+            </a:fld>
+            <a:endParaRPr lang="en-US" sz="1200">
+              <a:solidFill>
+                <a:srgbClr val="898989"/>
+              </a:solidFill>
+              <a:latin typeface="Calibri" charset="0"/>
+            </a:endParaRPr>
+          </a:p>
+        </p:txBody>
+      </p:sp>
+      <p:pic>
+        <p:nvPicPr>
+          <p:cNvPr id="59396" name="Picture 4" descr="Picture 10.png"/>
+          <p:cNvPicPr>
+            <a:picLocks noChangeAspect="1"/>
+          </p:cNvPicPr>
+          <p:nvPr/>
+        </p:nvPicPr>
+        <p:blipFill>
+          <a:blip r:embed="rId4">
+            <a:extLst>
+              <a:ext uri="{28A0092B-C50C-407E-A947-70E740481C1C}">
+                <a14:useLocalDpi xmlns:a14="http://schemas.microsoft.com/office/drawing/2010/main" val="0"/>
+              </a:ext>
+            </a:extLst>
+          </a:blip>
+          <a:srcRect/>
+          <a:stretch>
+            <a:fillRect/>
+          </a:stretch>
+        </p:blipFill>
+        <p:spPr bwMode="auto">
+          <a:xfrm>
+            <a:off x="4533900" y="1017588"/>
+            <a:ext cx="4570413" cy="2155825"/>
+          </a:xfrm>
+          <a:prstGeom prst="rect">
+            <a:avLst/>
+          </a:prstGeom>
+          <a:noFill/>
+          <a:ln>
+            <a:noFill/>
+          </a:ln>
+          <a:extLst>
+            <a:ext uri="{909E8E84-426E-40dd-AFC4-6F175D3DCCD1}">
+              <a14:hiddenFill xmlns:a14="http://schemas.microsoft.com/office/drawing/2010/main" xmlns="">
+                <a:solidFill>
+                  <a:srgbClr val="FFFFFF"/>
+                </a:solidFill>
+              </a14:hiddenFill>
+            </a:ext>
+            <a:ext uri="{91240B29-F687-4f45-9708-019B960494DF}">
+              <a14:hiddenLine xmlns:a14="http://schemas.microsoft.com/office/drawing/2010/main" xmlns="" w="9525">
+                <a:solidFill>
+                  <a:srgbClr val="000000"/>
+                </a:solidFill>
+                <a:miter lim="800000"/>
+                <a:headEnd/>
+                <a:tailEnd/>
+              </a14:hiddenLine>
+            </a:ext>
+          </a:extLst>
+        </p:spPr>
+      </p:pic>
+      <p:pic>
+        <p:nvPicPr>
+          <p:cNvPr id="59397" name="Picture 5" descr="Picture 11.png"/>
+          <p:cNvPicPr>
+            <a:picLocks noChangeAspect="1"/>
+          </p:cNvPicPr>
+          <p:nvPr/>
+        </p:nvPicPr>
+        <p:blipFill>
+          <a:blip r:embed="rId5">
+            <a:extLst>
+              <a:ext uri="{28A0092B-C50C-407E-A947-70E740481C1C}">
+                <a14:useLocalDpi xmlns:a14="http://schemas.microsoft.com/office/drawing/2010/main" val="0"/>
+              </a:ext>
+            </a:extLst>
+          </a:blip>
+          <a:srcRect/>
+          <a:stretch>
+            <a:fillRect/>
+          </a:stretch>
+        </p:blipFill>
+        <p:spPr bwMode="auto">
+          <a:xfrm>
+            <a:off x="266700" y="3173413"/>
+            <a:ext cx="5105400" cy="3685152"/>
+          </a:xfrm>
+          <a:prstGeom prst="rect">
+            <a:avLst/>
+          </a:prstGeom>
+          <a:noFill/>
+          <a:ln>
+            <a:noFill/>
+          </a:ln>
+          <a:extLst>
+            <a:ext uri="{909E8E84-426E-40dd-AFC4-6F175D3DCCD1}">
+              <a14:hiddenFill xmlns:a14="http://schemas.microsoft.com/office/drawing/2010/main" xmlns="">
+                <a:solidFill>
+                  <a:srgbClr val="FFFFFF"/>
+                </a:solidFill>
+              </a14:hiddenFill>
+            </a:ext>
+            <a:ext uri="{91240B29-F687-4f45-9708-019B960494DF}">
+              <a14:hiddenLine xmlns:a14="http://schemas.microsoft.com/office/drawing/2010/main" xmlns="" w="9525">
+                <a:solidFill>
+                  <a:srgbClr val="000000"/>
+                </a:solidFill>
+                <a:miter lim="800000"/>
+                <a:headEnd/>
+                <a:tailEnd/>
+              </a14:hiddenLine>
+            </a:ext>
+          </a:extLst>
+        </p:spPr>
+      </p:pic>
+      <p:pic>
+        <p:nvPicPr>
+          <p:cNvPr id="59398" name="Picture 28"/>
+          <p:cNvPicPr>
+            <a:picLocks noChangeAspect="1"/>
+          </p:cNvPicPr>
+          <p:nvPr/>
+        </p:nvPicPr>
+        <p:blipFill>
+          <a:blip r:embed="rId6">
+            <a:extLst>
+              <a:ext uri="{28A0092B-C50C-407E-A947-70E740481C1C}">
+                <a14:useLocalDpi xmlns:a14="http://schemas.microsoft.com/office/drawing/2010/main" val="0"/>
+              </a:ext>
+            </a:extLst>
+          </a:blip>
+          <a:srcRect/>
+          <a:stretch>
+            <a:fillRect/>
+          </a:stretch>
+        </p:blipFill>
+        <p:spPr bwMode="auto">
+          <a:xfrm>
+            <a:off x="5105401" y="4407819"/>
+            <a:ext cx="3194146" cy="1746250"/>
+          </a:xfrm>
+          <a:prstGeom prst="rect">
+            <a:avLst/>
+          </a:prstGeom>
+          <a:noFill/>
+          <a:ln>
+            <a:noFill/>
+          </a:ln>
+          <a:extLst>
+            <a:ext uri="{909E8E84-426E-40dd-AFC4-6F175D3DCCD1}">
+              <a14:hiddenFill xmlns:a14="http://schemas.microsoft.com/office/drawing/2010/main" xmlns="">
+                <a:solidFill>
+                  <a:srgbClr val="FFFFFF"/>
+                </a:solidFill>
+              </a14:hiddenFill>
+            </a:ext>
+            <a:ext uri="{91240B29-F687-4f45-9708-019B960494DF}">
+              <a14:hiddenLine xmlns:a14="http://schemas.microsoft.com/office/drawing/2010/main" xmlns="" w="9525">
+                <a:solidFill>
+                  <a:srgbClr val="000000"/>
+                </a:solidFill>
+                <a:miter lim="800000"/>
+                <a:headEnd/>
+                <a:tailEnd/>
+              </a14:hiddenLine>
+            </a:ext>
+          </a:extLst>
+        </p:spPr>
+      </p:pic>
+      <p:pic>
+        <p:nvPicPr>
+          <p:cNvPr id="59399" name="Picture 1" descr="Screen Shot 2015-02-12 at 11.11.22 AM.png"/>
+          <p:cNvPicPr>
+            <a:picLocks noChangeAspect="1"/>
+          </p:cNvPicPr>
+          <p:nvPr/>
+        </p:nvPicPr>
+        <p:blipFill>
+          <a:blip r:embed="rId7">
+            <a:extLst>
+              <a:ext uri="{28A0092B-C50C-407E-A947-70E740481C1C}">
+                <a14:useLocalDpi xmlns:a14="http://schemas.microsoft.com/office/drawing/2010/main" val="0"/>
+              </a:ext>
+            </a:extLst>
+          </a:blip>
+          <a:srcRect/>
+          <a:stretch>
+            <a:fillRect/>
+          </a:stretch>
+        </p:blipFill>
+        <p:spPr bwMode="auto">
+          <a:xfrm>
+            <a:off x="7416801" y="3405188"/>
+            <a:ext cx="1270000" cy="1002631"/>
+          </a:xfrm>
+          <a:prstGeom prst="rect">
+            <a:avLst/>
+          </a:prstGeom>
+          <a:noFill/>
+          <a:ln>
+            <a:noFill/>
+          </a:ln>
+          <a:extLst>
+            <a:ext uri="{909E8E84-426E-40dd-AFC4-6F175D3DCCD1}">
+              <a14:hiddenFill xmlns:a14="http://schemas.microsoft.com/office/drawing/2010/main" xmlns="">
+                <a:solidFill>
+                  <a:srgbClr val="FFFFFF"/>
+                </a:solidFill>
+              </a14:hiddenFill>
+            </a:ext>
+            <a:ext uri="{91240B29-F687-4f45-9708-019B960494DF}">
+              <a14:hiddenLine xmlns:a14="http://schemas.microsoft.com/office/drawing/2010/main" xmlns="" w="9525">
+                <a:solidFill>
+                  <a:srgbClr val="000000"/>
+                </a:solidFill>
+                <a:miter lim="800000"/>
+                <a:headEnd/>
+                <a:tailEnd/>
+              </a14:hiddenLine>
+            </a:ext>
+          </a:extLst>
+        </p:spPr>
+      </p:pic>
+    </p:spTree>
+    <p:extLst>
+      <p:ext uri="{BB962C8B-B14F-4D97-AF65-F5344CB8AC3E}">
+        <p14:creationId xmlns:p14="http://schemas.microsoft.com/office/powerpoint/2010/main" val="2532393287"/>
+      </p:ext>
+    </p:extLst>
+  </p:cSld>
+  <p:clrMapOvr>
+    <a:masterClrMapping/>
+  </p:clrMapOvr>
+</p:sld>
+</file>
+
 <file path=ppt/slides/slide4.xml><?xml version="1.0" encoding="utf-8"?>
 <p:sld xmlns:a="http://schemas.openxmlformats.org/drawingml/2006/main" xmlns:r="http://schemas.openxmlformats.org/officeDocument/2006/relationships" xmlns:p="http://schemas.openxmlformats.org/presentationml/2006/main">
   <p:cSld>
@@ -19632,7 +20850,7 @@
           <a:p>
             <a:r>
               <a:rPr lang="en-US" dirty="0"/>
-              <a:t>Quality coding</a:t>
+              <a:t>Quality score</a:t>
             </a:r>
           </a:p>
         </p:txBody>
@@ -19935,8 +21153,8 @@
         </p:nvSpPr>
         <p:spPr>
           <a:xfrm>
-            <a:off x="625606" y="3562172"/>
-            <a:ext cx="7242242" cy="1569660"/>
+            <a:off x="625605" y="3562172"/>
+            <a:ext cx="8006071" cy="1569660"/>
           </a:xfrm>
           <a:prstGeom prst="rect">
             <a:avLst/>
@@ -20006,9 +21224,21 @@
           <a:p>
             <a:r>
               <a:rPr lang="en-US" sz="2400" dirty="0"/>
-              <a:t>where Q is quality score and p is the probability of error</a:t>
-            </a:r>
-            <a:endParaRPr lang="en-US" sz="2400" baseline="30000" dirty="0"/>
+              <a:t>where Q is the </a:t>
+            </a:r>
+            <a:r>
+              <a:rPr lang="en-US" sz="2400" i="1" dirty="0"/>
+              <a:t>quality score </a:t>
+            </a:r>
+            <a:r>
+              <a:rPr lang="en-US" sz="2400" dirty="0"/>
+              <a:t>and p is the </a:t>
+            </a:r>
+            <a:r>
+              <a:rPr lang="en-US" sz="2400" i="1" dirty="0"/>
+              <a:t>probability of error</a:t>
+            </a:r>
+            <a:endParaRPr lang="en-US" sz="2400" i="1" baseline="30000" dirty="0"/>
           </a:p>
         </p:txBody>
       </p:sp>
@@ -20021,7 +21251,7 @@
         <p:spPr>
           <a:xfrm>
             <a:off x="269111" y="5449332"/>
-            <a:ext cx="8417689" cy="954107"/>
+            <a:ext cx="7855227" cy="954107"/>
           </a:xfrm>
           <a:prstGeom prst="rect">
             <a:avLst/>
@@ -20048,7 +21278,7 @@
             </a:pPr>
             <a:r>
               <a:rPr lang="en-US" sz="2800" dirty="0"/>
-              <a:t>What is the quality score of a base call with p = 0.01?</a:t>
+              <a:t>What is the quality score of a base with p = 0.01?</a:t>
             </a:r>
           </a:p>
         </p:txBody>
@@ -20100,39 +21330,934 @@
           <a:p>
             <a:r>
               <a:rPr lang="en-US" dirty="0"/>
-              <a:t>Convert quality score to numbers</a:t>
-            </a:r>
-          </a:p>
-        </p:txBody>
-      </p:sp>
-      <p:pic>
-        <p:nvPicPr>
-          <p:cNvPr id="4" name="Picture 3"/>
-          <p:cNvPicPr>
-            <a:picLocks noChangeAspect="1"/>
-          </p:cNvPicPr>
-          <p:nvPr/>
-        </p:nvPicPr>
-        <p:blipFill>
-          <a:blip r:embed="rId2"/>
-          <a:stretch>
-            <a:fillRect/>
-          </a:stretch>
-        </p:blipFill>
+              <a:t>FASTQ</a:t>
+            </a:r>
+          </a:p>
+        </p:txBody>
+      </p:sp>
+      <p:sp>
+        <p:nvSpPr>
+          <p:cNvPr id="4" name="Content Placeholder 2"/>
+          <p:cNvSpPr>
+            <a:spLocks noGrp="1"/>
+          </p:cNvSpPr>
+          <p:nvPr>
+            <p:ph idx="1"/>
+          </p:nvPr>
+        </p:nvSpPr>
         <p:spPr>
           <a:xfrm>
-            <a:off x="279400" y="1047625"/>
-            <a:ext cx="8546428" cy="5683375"/>
+            <a:off x="3274419" y="1110351"/>
+            <a:ext cx="4593428" cy="799946"/>
+          </a:xfrm>
+        </p:spPr>
+        <p:txBody>
+          <a:bodyPr>
+            <a:normAutofit fontScale="92500" lnSpcReduction="10000"/>
+          </a:bodyPr>
+          <a:lstStyle/>
+          <a:p>
+            <a:pPr marL="0" indent="0">
+              <a:buNone/>
+            </a:pPr>
+            <a:r>
+              <a:rPr lang="en-US" dirty="0">
+                <a:solidFill>
+                  <a:schemeClr val="bg1">
+                    <a:lumMod val="65000"/>
+                  </a:schemeClr>
+                </a:solidFill>
+                <a:latin typeface="Courier New"/>
+                <a:cs typeface="Courier New"/>
+              </a:rPr>
+              <a:t>&gt;SEQ_ID</a:t>
+            </a:r>
+          </a:p>
+          <a:p>
+            <a:pPr marL="0" indent="0">
+              <a:buNone/>
+            </a:pPr>
+            <a:r>
+              <a:rPr lang="en-US" dirty="0">
+                <a:solidFill>
+                  <a:schemeClr val="bg1">
+                    <a:lumMod val="65000"/>
+                  </a:schemeClr>
+                </a:solidFill>
+                <a:latin typeface="Courier New"/>
+                <a:cs typeface="Courier New"/>
+              </a:rPr>
+              <a:t>ATCAACTGATGCATC</a:t>
+            </a:r>
+          </a:p>
+        </p:txBody>
+      </p:sp>
+      <p:sp>
+        <p:nvSpPr>
+          <p:cNvPr id="6" name="Content Placeholder 2"/>
+          <p:cNvSpPr txBox="1">
+            <a:spLocks/>
+          </p:cNvSpPr>
+          <p:nvPr/>
+        </p:nvSpPr>
+        <p:spPr>
+          <a:xfrm>
+            <a:off x="3274418" y="1924398"/>
+            <a:ext cx="4869524" cy="1306696"/>
           </a:xfrm>
           <a:prstGeom prst="rect">
             <a:avLst/>
           </a:prstGeom>
         </p:spPr>
-      </p:pic>
+        <p:txBody>
+          <a:bodyPr vert="horz" lIns="91440" tIns="45720" rIns="91440" bIns="45720" rtlCol="0">
+            <a:noAutofit/>
+          </a:bodyPr>
+          <a:lstStyle>
+            <a:lvl1pPr marL="342900" indent="-342900" algn="l" defTabSz="457200" rtl="0" eaLnBrk="1" latinLnBrk="0" hangingPunct="1">
+              <a:spcBef>
+                <a:spcPct val="20000"/>
+              </a:spcBef>
+              <a:buFont typeface="Arial"/>
+              <a:buChar char="•"/>
+              <a:defRPr sz="2400" kern="1200">
+                <a:solidFill>
+                  <a:schemeClr val="tx1"/>
+                </a:solidFill>
+                <a:latin typeface="+mn-lt"/>
+                <a:ea typeface="+mn-ea"/>
+                <a:cs typeface="+mn-cs"/>
+              </a:defRPr>
+            </a:lvl1pPr>
+            <a:lvl2pPr marL="742950" indent="-285750" algn="l" defTabSz="457200" rtl="0" eaLnBrk="1" latinLnBrk="0" hangingPunct="1">
+              <a:spcBef>
+                <a:spcPct val="20000"/>
+              </a:spcBef>
+              <a:buFont typeface="Arial"/>
+              <a:buChar char="–"/>
+              <a:defRPr sz="2400" kern="1200">
+                <a:solidFill>
+                  <a:schemeClr val="tx1"/>
+                </a:solidFill>
+                <a:latin typeface="+mn-lt"/>
+                <a:ea typeface="+mn-ea"/>
+                <a:cs typeface="+mn-cs"/>
+              </a:defRPr>
+            </a:lvl2pPr>
+            <a:lvl3pPr marL="1143000" indent="-228600" algn="l" defTabSz="457200" rtl="0" eaLnBrk="1" latinLnBrk="0" hangingPunct="1">
+              <a:spcBef>
+                <a:spcPct val="20000"/>
+              </a:spcBef>
+              <a:buFont typeface="Arial"/>
+              <a:buChar char="•"/>
+              <a:defRPr sz="2400" kern="1200">
+                <a:solidFill>
+                  <a:schemeClr val="tx1"/>
+                </a:solidFill>
+                <a:latin typeface="+mn-lt"/>
+                <a:ea typeface="+mn-ea"/>
+                <a:cs typeface="+mn-cs"/>
+              </a:defRPr>
+            </a:lvl3pPr>
+            <a:lvl4pPr marL="1600200" indent="-228600" algn="l" defTabSz="457200" rtl="0" eaLnBrk="1" latinLnBrk="0" hangingPunct="1">
+              <a:spcBef>
+                <a:spcPct val="20000"/>
+              </a:spcBef>
+              <a:buFont typeface="Arial"/>
+              <a:buChar char="–"/>
+              <a:defRPr sz="2400" kern="1200">
+                <a:solidFill>
+                  <a:schemeClr val="tx1"/>
+                </a:solidFill>
+                <a:latin typeface="+mn-lt"/>
+                <a:ea typeface="+mn-ea"/>
+                <a:cs typeface="+mn-cs"/>
+              </a:defRPr>
+            </a:lvl4pPr>
+            <a:lvl5pPr marL="2057400" indent="-228600" algn="l" defTabSz="457200" rtl="0" eaLnBrk="1" latinLnBrk="0" hangingPunct="1">
+              <a:spcBef>
+                <a:spcPct val="20000"/>
+              </a:spcBef>
+              <a:buFont typeface="Arial"/>
+              <a:buChar char="»"/>
+              <a:defRPr sz="2400" kern="1200">
+                <a:solidFill>
+                  <a:schemeClr val="tx1"/>
+                </a:solidFill>
+                <a:latin typeface="+mn-lt"/>
+                <a:ea typeface="+mn-ea"/>
+                <a:cs typeface="+mn-cs"/>
+              </a:defRPr>
+            </a:lvl5pPr>
+            <a:lvl6pPr marL="2514600" indent="-228600" algn="l" defTabSz="457200" rtl="0" eaLnBrk="1" latinLnBrk="0" hangingPunct="1">
+              <a:spcBef>
+                <a:spcPct val="20000"/>
+              </a:spcBef>
+              <a:buFont typeface="Arial"/>
+              <a:buChar char="•"/>
+              <a:defRPr sz="2000" kern="1200">
+                <a:solidFill>
+                  <a:schemeClr val="tx1"/>
+                </a:solidFill>
+                <a:latin typeface="+mn-lt"/>
+                <a:ea typeface="+mn-ea"/>
+                <a:cs typeface="+mn-cs"/>
+              </a:defRPr>
+            </a:lvl6pPr>
+            <a:lvl7pPr marL="2971800" indent="-228600" algn="l" defTabSz="457200" rtl="0" eaLnBrk="1" latinLnBrk="0" hangingPunct="1">
+              <a:spcBef>
+                <a:spcPct val="20000"/>
+              </a:spcBef>
+              <a:buFont typeface="Arial"/>
+              <a:buChar char="•"/>
+              <a:defRPr sz="2000" kern="1200">
+                <a:solidFill>
+                  <a:schemeClr val="tx1"/>
+                </a:solidFill>
+                <a:latin typeface="+mn-lt"/>
+                <a:ea typeface="+mn-ea"/>
+                <a:cs typeface="+mn-cs"/>
+              </a:defRPr>
+            </a:lvl7pPr>
+            <a:lvl8pPr marL="3429000" indent="-228600" algn="l" defTabSz="457200" rtl="0" eaLnBrk="1" latinLnBrk="0" hangingPunct="1">
+              <a:spcBef>
+                <a:spcPct val="20000"/>
+              </a:spcBef>
+              <a:buFont typeface="Arial"/>
+              <a:buChar char="•"/>
+              <a:defRPr sz="2000" kern="1200">
+                <a:solidFill>
+                  <a:schemeClr val="tx1"/>
+                </a:solidFill>
+                <a:latin typeface="+mn-lt"/>
+                <a:ea typeface="+mn-ea"/>
+                <a:cs typeface="+mn-cs"/>
+              </a:defRPr>
+            </a:lvl8pPr>
+            <a:lvl9pPr marL="3886200" indent="-228600" algn="l" defTabSz="457200" rtl="0" eaLnBrk="1" latinLnBrk="0" hangingPunct="1">
+              <a:spcBef>
+                <a:spcPct val="20000"/>
+              </a:spcBef>
+              <a:buFont typeface="Arial"/>
+              <a:buChar char="•"/>
+              <a:defRPr sz="2000" kern="1200">
+                <a:solidFill>
+                  <a:schemeClr val="tx1"/>
+                </a:solidFill>
+                <a:latin typeface="+mn-lt"/>
+                <a:ea typeface="+mn-ea"/>
+                <a:cs typeface="+mn-cs"/>
+              </a:defRPr>
+            </a:lvl9pPr>
+          </a:lstStyle>
+          <a:p>
+            <a:pPr marL="0" indent="0">
+              <a:buNone/>
+            </a:pPr>
+            <a:r>
+              <a:rPr lang="en-US" dirty="0">
+                <a:solidFill>
+                  <a:schemeClr val="bg1">
+                    <a:lumMod val="65000"/>
+                  </a:schemeClr>
+                </a:solidFill>
+                <a:latin typeface="Courier New"/>
+                <a:cs typeface="Courier New"/>
+              </a:rPr>
+              <a:t>&gt;SEQ_ID</a:t>
+            </a:r>
+          </a:p>
+          <a:p>
+            <a:pPr marL="0" indent="0">
+              <a:buFont typeface="Arial"/>
+              <a:buNone/>
+            </a:pPr>
+            <a:r>
+              <a:rPr lang="en-US" dirty="0">
+                <a:solidFill>
+                  <a:schemeClr val="bg1">
+                    <a:lumMod val="65000"/>
+                  </a:schemeClr>
+                </a:solidFill>
+                <a:latin typeface="Courier New"/>
+                <a:cs typeface="Courier New"/>
+              </a:rPr>
+              <a:t>28 30 33 34 33 35 38 37 36 35 38 35 36 36 30</a:t>
+            </a:r>
+          </a:p>
+        </p:txBody>
+      </p:sp>
+      <p:sp>
+        <p:nvSpPr>
+          <p:cNvPr id="7" name="TextBox 6"/>
+          <p:cNvSpPr txBox="1"/>
+          <p:nvPr/>
+        </p:nvSpPr>
+        <p:spPr>
+          <a:xfrm>
+            <a:off x="457199" y="1924398"/>
+            <a:ext cx="2399365" cy="461665"/>
+          </a:xfrm>
+          <a:prstGeom prst="rect">
+            <a:avLst/>
+          </a:prstGeom>
+          <a:noFill/>
+        </p:spPr>
+        <p:txBody>
+          <a:bodyPr wrap="none" rtlCol="0">
+            <a:spAutoFit/>
+          </a:bodyPr>
+          <a:lstStyle/>
+          <a:p>
+            <a:r>
+              <a:rPr lang="en-US" sz="2400" dirty="0">
+                <a:solidFill>
+                  <a:schemeClr val="bg1">
+                    <a:lumMod val="65000"/>
+                  </a:schemeClr>
+                </a:solidFill>
+              </a:rPr>
+              <a:t>Quality FASTA file</a:t>
+            </a:r>
+          </a:p>
+        </p:txBody>
+      </p:sp>
+      <p:sp>
+        <p:nvSpPr>
+          <p:cNvPr id="8" name="TextBox 7"/>
+          <p:cNvSpPr txBox="1"/>
+          <p:nvPr/>
+        </p:nvSpPr>
+        <p:spPr>
+          <a:xfrm>
+            <a:off x="457200" y="1110351"/>
+            <a:ext cx="2715557" cy="461665"/>
+          </a:xfrm>
+          <a:prstGeom prst="rect">
+            <a:avLst/>
+          </a:prstGeom>
+          <a:noFill/>
+        </p:spPr>
+        <p:txBody>
+          <a:bodyPr wrap="none" rtlCol="0">
+            <a:spAutoFit/>
+          </a:bodyPr>
+          <a:lstStyle/>
+          <a:p>
+            <a:r>
+              <a:rPr lang="en-US" sz="2400" dirty="0">
+                <a:solidFill>
+                  <a:schemeClr val="bg1">
+                    <a:lumMod val="65000"/>
+                  </a:schemeClr>
+                </a:solidFill>
+              </a:rPr>
+              <a:t>Sequence FASTA file</a:t>
+            </a:r>
+          </a:p>
+        </p:txBody>
+      </p:sp>
+      <p:sp>
+        <p:nvSpPr>
+          <p:cNvPr id="3" name="Content Placeholder 2">
+            <a:extLst>
+              <a:ext uri="{FF2B5EF4-FFF2-40B4-BE49-F238E27FC236}">
+                <a16:creationId xmlns:a16="http://schemas.microsoft.com/office/drawing/2014/main" id="{B4FCC329-4EEF-A39B-7B21-D7BF30852C27}"/>
+              </a:ext>
+            </a:extLst>
+          </p:cNvPr>
+          <p:cNvSpPr txBox="1">
+            <a:spLocks/>
+          </p:cNvSpPr>
+          <p:nvPr/>
+        </p:nvSpPr>
+        <p:spPr>
+          <a:xfrm>
+            <a:off x="3172757" y="3751370"/>
+            <a:ext cx="4869524" cy="1861154"/>
+          </a:xfrm>
+          <a:prstGeom prst="rect">
+            <a:avLst/>
+          </a:prstGeom>
+        </p:spPr>
+        <p:txBody>
+          <a:bodyPr vert="horz" lIns="91440" tIns="45720" rIns="91440" bIns="45720" rtlCol="0">
+            <a:noAutofit/>
+          </a:bodyPr>
+          <a:lstStyle>
+            <a:lvl1pPr marL="342900" indent="-342900" algn="l" defTabSz="457200" rtl="0" eaLnBrk="1" latinLnBrk="0" hangingPunct="1">
+              <a:spcBef>
+                <a:spcPct val="20000"/>
+              </a:spcBef>
+              <a:buFont typeface="Arial"/>
+              <a:buChar char="•"/>
+              <a:defRPr sz="2400" kern="1200">
+                <a:solidFill>
+                  <a:schemeClr val="tx1"/>
+                </a:solidFill>
+                <a:latin typeface="+mn-lt"/>
+                <a:ea typeface="+mn-ea"/>
+                <a:cs typeface="+mn-cs"/>
+              </a:defRPr>
+            </a:lvl1pPr>
+            <a:lvl2pPr marL="742950" indent="-285750" algn="l" defTabSz="457200" rtl="0" eaLnBrk="1" latinLnBrk="0" hangingPunct="1">
+              <a:spcBef>
+                <a:spcPct val="20000"/>
+              </a:spcBef>
+              <a:buFont typeface="Arial"/>
+              <a:buChar char="–"/>
+              <a:defRPr sz="2400" kern="1200">
+                <a:solidFill>
+                  <a:schemeClr val="tx1"/>
+                </a:solidFill>
+                <a:latin typeface="+mn-lt"/>
+                <a:ea typeface="+mn-ea"/>
+                <a:cs typeface="+mn-cs"/>
+              </a:defRPr>
+            </a:lvl2pPr>
+            <a:lvl3pPr marL="1143000" indent="-228600" algn="l" defTabSz="457200" rtl="0" eaLnBrk="1" latinLnBrk="0" hangingPunct="1">
+              <a:spcBef>
+                <a:spcPct val="20000"/>
+              </a:spcBef>
+              <a:buFont typeface="Arial"/>
+              <a:buChar char="•"/>
+              <a:defRPr sz="2400" kern="1200">
+                <a:solidFill>
+                  <a:schemeClr val="tx1"/>
+                </a:solidFill>
+                <a:latin typeface="+mn-lt"/>
+                <a:ea typeface="+mn-ea"/>
+                <a:cs typeface="+mn-cs"/>
+              </a:defRPr>
+            </a:lvl3pPr>
+            <a:lvl4pPr marL="1600200" indent="-228600" algn="l" defTabSz="457200" rtl="0" eaLnBrk="1" latinLnBrk="0" hangingPunct="1">
+              <a:spcBef>
+                <a:spcPct val="20000"/>
+              </a:spcBef>
+              <a:buFont typeface="Arial"/>
+              <a:buChar char="–"/>
+              <a:defRPr sz="2400" kern="1200">
+                <a:solidFill>
+                  <a:schemeClr val="tx1"/>
+                </a:solidFill>
+                <a:latin typeface="+mn-lt"/>
+                <a:ea typeface="+mn-ea"/>
+                <a:cs typeface="+mn-cs"/>
+              </a:defRPr>
+            </a:lvl4pPr>
+            <a:lvl5pPr marL="2057400" indent="-228600" algn="l" defTabSz="457200" rtl="0" eaLnBrk="1" latinLnBrk="0" hangingPunct="1">
+              <a:spcBef>
+                <a:spcPct val="20000"/>
+              </a:spcBef>
+              <a:buFont typeface="Arial"/>
+              <a:buChar char="»"/>
+              <a:defRPr sz="2400" kern="1200">
+                <a:solidFill>
+                  <a:schemeClr val="tx1"/>
+                </a:solidFill>
+                <a:latin typeface="+mn-lt"/>
+                <a:ea typeface="+mn-ea"/>
+                <a:cs typeface="+mn-cs"/>
+              </a:defRPr>
+            </a:lvl5pPr>
+            <a:lvl6pPr marL="2514600" indent="-228600" algn="l" defTabSz="457200" rtl="0" eaLnBrk="1" latinLnBrk="0" hangingPunct="1">
+              <a:spcBef>
+                <a:spcPct val="20000"/>
+              </a:spcBef>
+              <a:buFont typeface="Arial"/>
+              <a:buChar char="•"/>
+              <a:defRPr sz="2000" kern="1200">
+                <a:solidFill>
+                  <a:schemeClr val="tx1"/>
+                </a:solidFill>
+                <a:latin typeface="+mn-lt"/>
+                <a:ea typeface="+mn-ea"/>
+                <a:cs typeface="+mn-cs"/>
+              </a:defRPr>
+            </a:lvl6pPr>
+            <a:lvl7pPr marL="2971800" indent="-228600" algn="l" defTabSz="457200" rtl="0" eaLnBrk="1" latinLnBrk="0" hangingPunct="1">
+              <a:spcBef>
+                <a:spcPct val="20000"/>
+              </a:spcBef>
+              <a:buFont typeface="Arial"/>
+              <a:buChar char="•"/>
+              <a:defRPr sz="2000" kern="1200">
+                <a:solidFill>
+                  <a:schemeClr val="tx1"/>
+                </a:solidFill>
+                <a:latin typeface="+mn-lt"/>
+                <a:ea typeface="+mn-ea"/>
+                <a:cs typeface="+mn-cs"/>
+              </a:defRPr>
+            </a:lvl7pPr>
+            <a:lvl8pPr marL="3429000" indent="-228600" algn="l" defTabSz="457200" rtl="0" eaLnBrk="1" latinLnBrk="0" hangingPunct="1">
+              <a:spcBef>
+                <a:spcPct val="20000"/>
+              </a:spcBef>
+              <a:buFont typeface="Arial"/>
+              <a:buChar char="•"/>
+              <a:defRPr sz="2000" kern="1200">
+                <a:solidFill>
+                  <a:schemeClr val="tx1"/>
+                </a:solidFill>
+                <a:latin typeface="+mn-lt"/>
+                <a:ea typeface="+mn-ea"/>
+                <a:cs typeface="+mn-cs"/>
+              </a:defRPr>
+            </a:lvl8pPr>
+            <a:lvl9pPr marL="3886200" indent="-228600" algn="l" defTabSz="457200" rtl="0" eaLnBrk="1" latinLnBrk="0" hangingPunct="1">
+              <a:spcBef>
+                <a:spcPct val="20000"/>
+              </a:spcBef>
+              <a:buFont typeface="Arial"/>
+              <a:buChar char="•"/>
+              <a:defRPr sz="2000" kern="1200">
+                <a:solidFill>
+                  <a:schemeClr val="tx1"/>
+                </a:solidFill>
+                <a:latin typeface="+mn-lt"/>
+                <a:ea typeface="+mn-ea"/>
+                <a:cs typeface="+mn-cs"/>
+              </a:defRPr>
+            </a:lvl9pPr>
+          </a:lstStyle>
+          <a:p>
+            <a:pPr marL="0" indent="0">
+              <a:buNone/>
+            </a:pPr>
+            <a:r>
+              <a:rPr lang="en-US" dirty="0">
+                <a:latin typeface="Courier New"/>
+                <a:cs typeface="Courier New"/>
+              </a:rPr>
+              <a:t>@SEQ_ID</a:t>
+            </a:r>
+          </a:p>
+          <a:p>
+            <a:pPr marL="0" indent="0">
+              <a:buNone/>
+            </a:pPr>
+            <a:r>
+              <a:rPr lang="en-US" dirty="0">
+                <a:latin typeface="Courier New"/>
+                <a:cs typeface="Courier New"/>
+              </a:rPr>
+              <a:t>ATCAACTGATGCATC</a:t>
+            </a:r>
+          </a:p>
+          <a:p>
+            <a:pPr marL="0" indent="0">
+              <a:buNone/>
+            </a:pPr>
+            <a:r>
+              <a:rPr lang="en-US" dirty="0">
+                <a:latin typeface="Courier New"/>
+                <a:cs typeface="Courier New"/>
+              </a:rPr>
+              <a:t>+</a:t>
+            </a:r>
+            <a:r>
+              <a:rPr lang="en-US" dirty="0">
+                <a:solidFill>
+                  <a:schemeClr val="bg1">
+                    <a:lumMod val="65000"/>
+                  </a:schemeClr>
+                </a:solidFill>
+                <a:latin typeface="Courier New"/>
+                <a:cs typeface="Courier New"/>
+              </a:rPr>
+              <a:t>SEQ_ID</a:t>
+            </a:r>
+          </a:p>
+          <a:p>
+            <a:pPr marL="0" indent="0">
+              <a:buFont typeface="Arial"/>
+              <a:buNone/>
+            </a:pPr>
+            <a:r>
+              <a:rPr lang="en-US" dirty="0">
+                <a:latin typeface="Courier New"/>
+                <a:cs typeface="Courier New"/>
+              </a:rPr>
+              <a:t>=?BCBDGFEDGDEE?</a:t>
+            </a:r>
+          </a:p>
+        </p:txBody>
+      </p:sp>
+      <p:sp>
+        <p:nvSpPr>
+          <p:cNvPr id="5" name="TextBox 4">
+            <a:extLst>
+              <a:ext uri="{FF2B5EF4-FFF2-40B4-BE49-F238E27FC236}">
+                <a16:creationId xmlns:a16="http://schemas.microsoft.com/office/drawing/2014/main" id="{909E3539-B14B-15A1-4069-AE31B4CD9A80}"/>
+              </a:ext>
+            </a:extLst>
+          </p:cNvPr>
+          <p:cNvSpPr txBox="1"/>
+          <p:nvPr/>
+        </p:nvSpPr>
+        <p:spPr>
+          <a:xfrm>
+            <a:off x="1882515" y="3751370"/>
+            <a:ext cx="974049" cy="461665"/>
+          </a:xfrm>
+          <a:prstGeom prst="rect">
+            <a:avLst/>
+          </a:prstGeom>
+          <a:noFill/>
+        </p:spPr>
+        <p:txBody>
+          <a:bodyPr wrap="none" rtlCol="0">
+            <a:spAutoFit/>
+          </a:bodyPr>
+          <a:lstStyle/>
+          <a:p>
+            <a:r>
+              <a:rPr lang="en-US" sz="2400" dirty="0"/>
+              <a:t>FASTQ</a:t>
+            </a:r>
+          </a:p>
+        </p:txBody>
+      </p:sp>
+      <p:sp>
+        <p:nvSpPr>
+          <p:cNvPr id="13" name="TextBox 12">
+            <a:extLst>
+              <a:ext uri="{FF2B5EF4-FFF2-40B4-BE49-F238E27FC236}">
+                <a16:creationId xmlns:a16="http://schemas.microsoft.com/office/drawing/2014/main" id="{4DA227A7-C8CB-B996-6C8A-9BAFFF28E6E4}"/>
+              </a:ext>
+            </a:extLst>
+          </p:cNvPr>
+          <p:cNvSpPr txBox="1"/>
+          <p:nvPr/>
+        </p:nvSpPr>
+        <p:spPr>
+          <a:xfrm>
+            <a:off x="6673397" y="3508663"/>
+            <a:ext cx="1891865" cy="369332"/>
+          </a:xfrm>
+          <a:prstGeom prst="rect">
+            <a:avLst/>
+          </a:prstGeom>
+          <a:noFill/>
+        </p:spPr>
+        <p:txBody>
+          <a:bodyPr wrap="none" rtlCol="0">
+            <a:spAutoFit/>
+          </a:bodyPr>
+          <a:lstStyle/>
+          <a:p>
+            <a:r>
+              <a:rPr lang="en-US" dirty="0"/>
+              <a:t>@Sequence name</a:t>
+            </a:r>
+          </a:p>
+        </p:txBody>
+      </p:sp>
+      <p:sp>
+        <p:nvSpPr>
+          <p:cNvPr id="14" name="TextBox 13">
+            <a:extLst>
+              <a:ext uri="{FF2B5EF4-FFF2-40B4-BE49-F238E27FC236}">
+                <a16:creationId xmlns:a16="http://schemas.microsoft.com/office/drawing/2014/main" id="{E368969F-C78F-DC6C-EEA3-774AEDB88CFC}"/>
+              </a:ext>
+            </a:extLst>
+          </p:cNvPr>
+          <p:cNvSpPr txBox="1"/>
+          <p:nvPr/>
+        </p:nvSpPr>
+        <p:spPr>
+          <a:xfrm>
+            <a:off x="6673397" y="3950210"/>
+            <a:ext cx="1099981" cy="369332"/>
+          </a:xfrm>
+          <a:prstGeom prst="rect">
+            <a:avLst/>
+          </a:prstGeom>
+          <a:noFill/>
+        </p:spPr>
+        <p:txBody>
+          <a:bodyPr wrap="none" rtlCol="0">
+            <a:spAutoFit/>
+          </a:bodyPr>
+          <a:lstStyle/>
+          <a:p>
+            <a:r>
+              <a:rPr lang="en-US" dirty="0"/>
+              <a:t>Sequence</a:t>
+            </a:r>
+          </a:p>
+        </p:txBody>
+      </p:sp>
+      <p:sp>
+        <p:nvSpPr>
+          <p:cNvPr id="15" name="TextBox 14">
+            <a:extLst>
+              <a:ext uri="{FF2B5EF4-FFF2-40B4-BE49-F238E27FC236}">
+                <a16:creationId xmlns:a16="http://schemas.microsoft.com/office/drawing/2014/main" id="{A28C1C18-3DCC-5A7E-5DDD-285DEAA20EDB}"/>
+              </a:ext>
+            </a:extLst>
+          </p:cNvPr>
+          <p:cNvSpPr txBox="1"/>
+          <p:nvPr/>
+        </p:nvSpPr>
+        <p:spPr>
+          <a:xfrm>
+            <a:off x="6697046" y="4318696"/>
+            <a:ext cx="1800493" cy="923330"/>
+          </a:xfrm>
+          <a:prstGeom prst="rect">
+            <a:avLst/>
+          </a:prstGeom>
+          <a:noFill/>
+        </p:spPr>
+        <p:txBody>
+          <a:bodyPr wrap="none" rtlCol="0">
+            <a:spAutoFit/>
+          </a:bodyPr>
+          <a:lstStyle/>
+          <a:p>
+            <a:r>
+              <a:rPr lang="en-US" dirty="0"/>
+              <a:t>+Sequence name</a:t>
+            </a:r>
+          </a:p>
+          <a:p>
+            <a:r>
+              <a:rPr lang="en-US" dirty="0"/>
+              <a:t>or</a:t>
+            </a:r>
+          </a:p>
+          <a:p>
+            <a:r>
+              <a:rPr lang="en-US" dirty="0"/>
+              <a:t>+</a:t>
+            </a:r>
+          </a:p>
+        </p:txBody>
+      </p:sp>
+      <p:sp>
+        <p:nvSpPr>
+          <p:cNvPr id="16" name="TextBox 15">
+            <a:extLst>
+              <a:ext uri="{FF2B5EF4-FFF2-40B4-BE49-F238E27FC236}">
+                <a16:creationId xmlns:a16="http://schemas.microsoft.com/office/drawing/2014/main" id="{29BC9E66-8AE9-F8A9-EF94-142C560D3699}"/>
+              </a:ext>
+            </a:extLst>
+          </p:cNvPr>
+          <p:cNvSpPr txBox="1"/>
+          <p:nvPr/>
+        </p:nvSpPr>
+        <p:spPr>
+          <a:xfrm>
+            <a:off x="6673397" y="5360272"/>
+            <a:ext cx="859531" cy="369332"/>
+          </a:xfrm>
+          <a:prstGeom prst="rect">
+            <a:avLst/>
+          </a:prstGeom>
+          <a:noFill/>
+        </p:spPr>
+        <p:txBody>
+          <a:bodyPr wrap="none" rtlCol="0">
+            <a:spAutoFit/>
+          </a:bodyPr>
+          <a:lstStyle/>
+          <a:p>
+            <a:r>
+              <a:rPr lang="en-US" dirty="0"/>
+              <a:t>Quality</a:t>
+            </a:r>
+          </a:p>
+        </p:txBody>
+      </p:sp>
+      <p:cxnSp>
+        <p:nvCxnSpPr>
+          <p:cNvPr id="18" name="Straight Arrow Connector 17">
+            <a:extLst>
+              <a:ext uri="{FF2B5EF4-FFF2-40B4-BE49-F238E27FC236}">
+                <a16:creationId xmlns:a16="http://schemas.microsoft.com/office/drawing/2014/main" id="{8F3DF185-ED1A-917B-4EC5-5D33DE6A21FA}"/>
+              </a:ext>
+            </a:extLst>
+          </p:cNvPr>
+          <p:cNvCxnSpPr>
+            <a:stCxn id="15" idx="1"/>
+          </p:cNvCxnSpPr>
+          <p:nvPr/>
+        </p:nvCxnSpPr>
+        <p:spPr>
+          <a:xfrm flipH="1">
+            <a:off x="6014546" y="4780361"/>
+            <a:ext cx="682500" cy="59457"/>
+          </a:xfrm>
+          <a:prstGeom prst="straightConnector1">
+            <a:avLst/>
+          </a:prstGeom>
+          <a:ln>
+            <a:solidFill>
+              <a:srgbClr val="FF0000"/>
+            </a:solidFill>
+            <a:tailEnd type="triangle"/>
+          </a:ln>
+          <a:effectLst/>
+        </p:spPr>
+        <p:style>
+          <a:lnRef idx="2">
+            <a:schemeClr val="accent1"/>
+          </a:lnRef>
+          <a:fillRef idx="0">
+            <a:schemeClr val="accent1"/>
+          </a:fillRef>
+          <a:effectRef idx="1">
+            <a:schemeClr val="accent1"/>
+          </a:effectRef>
+          <a:fontRef idx="minor">
+            <a:schemeClr val="tx1"/>
+          </a:fontRef>
+        </p:style>
+      </p:cxnSp>
+      <p:cxnSp>
+        <p:nvCxnSpPr>
+          <p:cNvPr id="19" name="Straight Arrow Connector 18">
+            <a:extLst>
+              <a:ext uri="{FF2B5EF4-FFF2-40B4-BE49-F238E27FC236}">
+                <a16:creationId xmlns:a16="http://schemas.microsoft.com/office/drawing/2014/main" id="{4E863595-5D7A-4AF8-1871-203B4654B473}"/>
+              </a:ext>
+            </a:extLst>
+          </p:cNvPr>
+          <p:cNvCxnSpPr>
+            <a:cxnSpLocks/>
+            <a:stCxn id="14" idx="1"/>
+          </p:cNvCxnSpPr>
+          <p:nvPr/>
+        </p:nvCxnSpPr>
+        <p:spPr>
+          <a:xfrm flipH="1">
+            <a:off x="6027347" y="4134876"/>
+            <a:ext cx="646050" cy="266187"/>
+          </a:xfrm>
+          <a:prstGeom prst="straightConnector1">
+            <a:avLst/>
+          </a:prstGeom>
+          <a:ln>
+            <a:solidFill>
+              <a:srgbClr val="FF0000"/>
+            </a:solidFill>
+            <a:tailEnd type="triangle"/>
+          </a:ln>
+          <a:effectLst/>
+        </p:spPr>
+        <p:style>
+          <a:lnRef idx="2">
+            <a:schemeClr val="accent1"/>
+          </a:lnRef>
+          <a:fillRef idx="0">
+            <a:schemeClr val="accent1"/>
+          </a:fillRef>
+          <a:effectRef idx="1">
+            <a:schemeClr val="accent1"/>
+          </a:effectRef>
+          <a:fontRef idx="minor">
+            <a:schemeClr val="tx1"/>
+          </a:fontRef>
+        </p:style>
+      </p:cxnSp>
+      <p:cxnSp>
+        <p:nvCxnSpPr>
+          <p:cNvPr id="21" name="Straight Arrow Connector 20">
+            <a:extLst>
+              <a:ext uri="{FF2B5EF4-FFF2-40B4-BE49-F238E27FC236}">
+                <a16:creationId xmlns:a16="http://schemas.microsoft.com/office/drawing/2014/main" id="{C136EDF2-4B08-B8FE-E2CD-29059F32AB33}"/>
+              </a:ext>
+            </a:extLst>
+          </p:cNvPr>
+          <p:cNvCxnSpPr>
+            <a:cxnSpLocks/>
+            <a:stCxn id="13" idx="1"/>
+          </p:cNvCxnSpPr>
+          <p:nvPr/>
+        </p:nvCxnSpPr>
+        <p:spPr>
+          <a:xfrm flipH="1">
+            <a:off x="4730537" y="3693329"/>
+            <a:ext cx="1942860" cy="301973"/>
+          </a:xfrm>
+          <a:prstGeom prst="straightConnector1">
+            <a:avLst/>
+          </a:prstGeom>
+          <a:ln>
+            <a:solidFill>
+              <a:srgbClr val="FF0000"/>
+            </a:solidFill>
+            <a:tailEnd type="triangle"/>
+          </a:ln>
+          <a:effectLst/>
+        </p:spPr>
+        <p:style>
+          <a:lnRef idx="2">
+            <a:schemeClr val="accent1"/>
+          </a:lnRef>
+          <a:fillRef idx="0">
+            <a:schemeClr val="accent1"/>
+          </a:fillRef>
+          <a:effectRef idx="1">
+            <a:schemeClr val="accent1"/>
+          </a:effectRef>
+          <a:fontRef idx="minor">
+            <a:schemeClr val="tx1"/>
+          </a:fontRef>
+        </p:style>
+      </p:cxnSp>
+      <p:cxnSp>
+        <p:nvCxnSpPr>
+          <p:cNvPr id="24" name="Straight Arrow Connector 23">
+            <a:extLst>
+              <a:ext uri="{FF2B5EF4-FFF2-40B4-BE49-F238E27FC236}">
+                <a16:creationId xmlns:a16="http://schemas.microsoft.com/office/drawing/2014/main" id="{BDBB57BF-F564-6EFA-5758-8AFB00CAA7BD}"/>
+              </a:ext>
+            </a:extLst>
+          </p:cNvPr>
+          <p:cNvCxnSpPr>
+            <a:cxnSpLocks/>
+            <a:stCxn id="16" idx="1"/>
+          </p:cNvCxnSpPr>
+          <p:nvPr/>
+        </p:nvCxnSpPr>
+        <p:spPr>
+          <a:xfrm flipH="1" flipV="1">
+            <a:off x="6027347" y="5322220"/>
+            <a:ext cx="646050" cy="222718"/>
+          </a:xfrm>
+          <a:prstGeom prst="straightConnector1">
+            <a:avLst/>
+          </a:prstGeom>
+          <a:ln>
+            <a:solidFill>
+              <a:srgbClr val="FF0000"/>
+            </a:solidFill>
+            <a:tailEnd type="triangle"/>
+          </a:ln>
+          <a:effectLst/>
+        </p:spPr>
+        <p:style>
+          <a:lnRef idx="2">
+            <a:schemeClr val="accent1"/>
+          </a:lnRef>
+          <a:fillRef idx="0">
+            <a:schemeClr val="accent1"/>
+          </a:fillRef>
+          <a:effectRef idx="1">
+            <a:schemeClr val="accent1"/>
+          </a:effectRef>
+          <a:fontRef idx="minor">
+            <a:schemeClr val="tx1"/>
+          </a:fontRef>
+        </p:style>
+      </p:cxnSp>
     </p:spTree>
     <p:extLst>
       <p:ext uri="{BB962C8B-B14F-4D97-AF65-F5344CB8AC3E}">
-        <p14:creationId xmlns:p14="http://schemas.microsoft.com/office/powerpoint/2010/main" val="3622538093"/>
+        <p14:creationId xmlns:p14="http://schemas.microsoft.com/office/powerpoint/2010/main" val="1993681786"/>
       </p:ext>
     </p:extLst>
   </p:cSld>
@@ -20161,7 +22286,7 @@
       </p:grpSpPr>
       <p:sp>
         <p:nvSpPr>
-          <p:cNvPr id="4" name="Title 3"/>
+          <p:cNvPr id="2" name="Title 1"/>
           <p:cNvSpPr>
             <a:spLocks noGrp="1"/>
           </p:cNvSpPr>
@@ -20176,302 +22301,39 @@
           <a:p>
             <a:r>
               <a:rPr lang="en-US" dirty="0"/>
-              <a:t>Quality codes in FASTQ</a:t>
-            </a:r>
-          </a:p>
-        </p:txBody>
-      </p:sp>
-      <p:sp>
-        <p:nvSpPr>
-          <p:cNvPr id="6" name="Rectangle 5"/>
-          <p:cNvSpPr/>
+              <a:t>Convert quality score to characters</a:t>
+            </a:r>
+          </a:p>
+        </p:txBody>
+      </p:sp>
+      <p:pic>
+        <p:nvPicPr>
+          <p:cNvPr id="4" name="Picture 3"/>
+          <p:cNvPicPr>
+            <a:picLocks noChangeAspect="1"/>
+          </p:cNvPicPr>
           <p:nvPr/>
-        </p:nvSpPr>
+        </p:nvPicPr>
+        <p:blipFill>
+          <a:blip r:embed="rId2"/>
+          <a:stretch>
+            <a:fillRect/>
+          </a:stretch>
+        </p:blipFill>
         <p:spPr>
           <a:xfrm>
-            <a:off x="50800" y="1642850"/>
-            <a:ext cx="9057428" cy="3564052"/>
+            <a:off x="279400" y="1047625"/>
+            <a:ext cx="8546428" cy="5683375"/>
           </a:xfrm>
           <a:prstGeom prst="rect">
             <a:avLst/>
           </a:prstGeom>
         </p:spPr>
-        <p:txBody>
-          <a:bodyPr wrap="square">
-            <a:spAutoFit/>
-          </a:bodyPr>
-          <a:lstStyle/>
-          <a:p>
-            <a:r>
-              <a:rPr lang="en-US" sz="1200" dirty="0">
-                <a:latin typeface="Courier New"/>
-                <a:cs typeface="Courier New"/>
-              </a:rPr>
-              <a:t> SSSSSSSSSSSSSSSSSSSSSSSSSSSSSSSSSSSSSSSSS.....................................................</a:t>
-            </a:r>
-          </a:p>
-          <a:p>
-            <a:r>
-              <a:rPr lang="en-US" sz="1200" dirty="0">
-                <a:latin typeface="Courier New"/>
-                <a:cs typeface="Courier New"/>
-              </a:rPr>
-              <a:t> ..........................XXXXXXXXXXXXXXXXXXXXXXXXXXXXXXXXXXXXXXXXXXXXXX......................</a:t>
-            </a:r>
-          </a:p>
-          <a:p>
-            <a:r>
-              <a:rPr lang="en-US" sz="1200" dirty="0">
-                <a:latin typeface="Courier New"/>
-                <a:cs typeface="Courier New"/>
-              </a:rPr>
-              <a:t> ...............................IIIIIIIIIIIIIIIIIIIIIIIIIIIIIIIIIIIIIIIII......................</a:t>
-            </a:r>
-          </a:p>
-          <a:p>
-            <a:r>
-              <a:rPr lang="en-US" sz="1200" dirty="0">
-                <a:latin typeface="Courier New"/>
-                <a:cs typeface="Courier New"/>
-              </a:rPr>
-              <a:t> .................................JJJJJJJJJJJJJJJJJJJJJJJJJJJJJJJJJJJJJJJ......................</a:t>
-            </a:r>
-          </a:p>
-          <a:p>
-            <a:r>
-              <a:rPr lang="en-US" sz="1200" dirty="0">
-                <a:latin typeface="Courier New"/>
-                <a:cs typeface="Courier New"/>
-              </a:rPr>
-              <a:t> LLLLLLLLLLLLLLLLLLLLLLLLLLLLLLLLLLLLLLLLLL....................................................</a:t>
-            </a:r>
-          </a:p>
-          <a:p>
-            <a:r>
-              <a:rPr lang="en-US" sz="1200" dirty="0">
-                <a:latin typeface="Courier New"/>
-                <a:cs typeface="Courier New"/>
-              </a:rPr>
-              <a:t> </a:t>
-            </a:r>
-            <a:r>
-              <a:rPr lang="en-US" sz="1200" b="1" dirty="0">
-                <a:solidFill>
-                  <a:srgbClr val="FF0000"/>
-                </a:solidFill>
-                <a:latin typeface="Courier New"/>
-                <a:cs typeface="Courier New"/>
-              </a:rPr>
-              <a:t>!"#$%&amp;'()*+,-./0123456789:;&lt;=&gt;?@ABCDEFGHIJKLMNOPQRSTUVWXYZ[\]^_`</a:t>
-            </a:r>
-            <a:r>
-              <a:rPr lang="en-US" sz="1200" b="1" dirty="0" err="1">
-                <a:solidFill>
-                  <a:srgbClr val="FF0000"/>
-                </a:solidFill>
-                <a:latin typeface="Courier New"/>
-                <a:cs typeface="Courier New"/>
-              </a:rPr>
-              <a:t>abcdefghijklmnopqrstuvwxyz</a:t>
-            </a:r>
-            <a:r>
-              <a:rPr lang="en-US" sz="1200" b="1" dirty="0">
-                <a:solidFill>
-                  <a:srgbClr val="FF0000"/>
-                </a:solidFill>
-                <a:latin typeface="Courier New"/>
-                <a:cs typeface="Courier New"/>
-              </a:rPr>
-              <a:t>{|}~</a:t>
-            </a:r>
-          </a:p>
-          <a:p>
-            <a:r>
-              <a:rPr lang="en-US" sz="1200" dirty="0">
-                <a:latin typeface="Courier New"/>
-                <a:cs typeface="Courier New"/>
-              </a:rPr>
-              <a:t> |                         |    |        |                              |                     |</a:t>
-            </a:r>
-          </a:p>
-          <a:p>
-            <a:r>
-              <a:rPr lang="en-US" sz="1200" dirty="0">
-                <a:latin typeface="Courier New"/>
-                <a:cs typeface="Courier New"/>
-              </a:rPr>
-              <a:t>33                        59   64       73                            104                   126</a:t>
-            </a:r>
-          </a:p>
-          <a:p>
-            <a:r>
-              <a:rPr lang="en-US" sz="1200" dirty="0">
-                <a:latin typeface="Courier New"/>
-                <a:cs typeface="Courier New"/>
-              </a:rPr>
-              <a:t> </a:t>
-            </a:r>
-            <a:r>
-              <a:rPr lang="en-US" sz="1200" b="1" dirty="0">
-                <a:solidFill>
-                  <a:srgbClr val="FF0000"/>
-                </a:solidFill>
-                <a:latin typeface="Courier New"/>
-                <a:cs typeface="Courier New"/>
-              </a:rPr>
-              <a:t>0........................26...31.......40</a:t>
-            </a:r>
-            <a:r>
-              <a:rPr lang="en-US" sz="1200" dirty="0">
-                <a:latin typeface="Courier New"/>
-                <a:cs typeface="Courier New"/>
-              </a:rPr>
-              <a:t>                                </a:t>
-            </a:r>
-          </a:p>
-          <a:p>
-            <a:r>
-              <a:rPr lang="en-US" sz="1200" dirty="0">
-                <a:latin typeface="Courier New"/>
-                <a:cs typeface="Courier New"/>
-              </a:rPr>
-              <a:t>                                0........9.............................40 </a:t>
-            </a:r>
-          </a:p>
-          <a:p>
-            <a:r>
-              <a:rPr lang="en-US" sz="1200" dirty="0">
-                <a:latin typeface="Courier New"/>
-                <a:cs typeface="Courier New"/>
-              </a:rPr>
-              <a:t> </a:t>
-            </a:r>
-            <a:r>
-              <a:rPr lang="en-US" sz="1200" b="1" dirty="0">
-                <a:solidFill>
-                  <a:srgbClr val="FF0000"/>
-                </a:solidFill>
-                <a:latin typeface="Courier New"/>
-                <a:cs typeface="Courier New"/>
-              </a:rPr>
-              <a:t>0.2......................26...31.........41</a:t>
-            </a:r>
-            <a:r>
-              <a:rPr lang="en-US" sz="1200" dirty="0">
-                <a:latin typeface="Courier New"/>
-                <a:cs typeface="Courier New"/>
-              </a:rPr>
-              <a:t>                              </a:t>
-            </a:r>
-          </a:p>
-          <a:p>
-            <a:endParaRPr lang="en-US" sz="1200" dirty="0">
-              <a:latin typeface="Courier New"/>
-              <a:cs typeface="Courier New"/>
-            </a:endParaRPr>
-          </a:p>
-          <a:p>
-            <a:pPr>
-              <a:lnSpc>
-                <a:spcPct val="120000"/>
-              </a:lnSpc>
-            </a:pPr>
-            <a:r>
-              <a:rPr lang="en-US" sz="1600" b="1" dirty="0">
-                <a:latin typeface="Courier New"/>
-                <a:cs typeface="Courier New"/>
-              </a:rPr>
-              <a:t>Sanger        Phred+33,  raw reads typically (0, 40)</a:t>
-            </a:r>
-          </a:p>
-          <a:p>
-            <a:pPr>
-              <a:lnSpc>
-                <a:spcPct val="120000"/>
-              </a:lnSpc>
-            </a:pPr>
-            <a:r>
-              <a:rPr lang="en-US" sz="1600" dirty="0" err="1">
-                <a:latin typeface="Courier New"/>
-                <a:cs typeface="Courier New"/>
-              </a:rPr>
-              <a:t>Illumina</a:t>
-            </a:r>
-            <a:r>
-              <a:rPr lang="en-US" sz="1600" dirty="0">
-                <a:latin typeface="Courier New"/>
-                <a:cs typeface="Courier New"/>
-              </a:rPr>
-              <a:t> 1.3+ Phred+64,  raw reads typically (0, 40)</a:t>
-            </a:r>
-          </a:p>
-          <a:p>
-            <a:pPr>
-              <a:lnSpc>
-                <a:spcPct val="120000"/>
-              </a:lnSpc>
-            </a:pPr>
-            <a:r>
-              <a:rPr lang="en-US" sz="1600" b="1" dirty="0" err="1">
-                <a:latin typeface="Courier New"/>
-                <a:cs typeface="Courier New"/>
-              </a:rPr>
-              <a:t>Illumina</a:t>
-            </a:r>
-            <a:r>
-              <a:rPr lang="en-US" sz="1600" b="1" dirty="0">
-                <a:latin typeface="Courier New"/>
-                <a:cs typeface="Courier New"/>
-              </a:rPr>
-              <a:t> 1.8+ Phred+33,  raw reads typically (0, 41)</a:t>
-            </a:r>
-          </a:p>
-          <a:p>
-            <a:endParaRPr lang="en-US" sz="1200" dirty="0">
-              <a:latin typeface="Courier New"/>
-              <a:cs typeface="Courier New"/>
-            </a:endParaRPr>
-          </a:p>
-          <a:p>
-            <a:r>
-              <a:rPr lang="en-US" sz="1200" dirty="0">
-                <a:latin typeface="Courier New"/>
-                <a:cs typeface="Courier New"/>
-              </a:rPr>
-              <a:t>Source: </a:t>
-            </a:r>
-            <a:r>
-              <a:rPr lang="en-US" sz="1200" dirty="0" err="1">
-                <a:latin typeface="Courier New"/>
-                <a:cs typeface="Courier New"/>
-              </a:rPr>
-              <a:t>en.wikipedia.org</a:t>
-            </a:r>
-            <a:r>
-              <a:rPr lang="en-US" sz="1200" dirty="0">
-                <a:latin typeface="Courier New"/>
-                <a:cs typeface="Courier New"/>
-              </a:rPr>
-              <a:t>/wiki/</a:t>
-            </a:r>
-            <a:r>
-              <a:rPr lang="en-US" sz="1200" dirty="0" err="1">
-                <a:latin typeface="Courier New"/>
-                <a:cs typeface="Courier New"/>
-              </a:rPr>
-              <a:t>FASTQ_format</a:t>
-            </a:r>
-            <a:endParaRPr lang="en-US" sz="1200" dirty="0">
-              <a:latin typeface="Courier New"/>
-              <a:cs typeface="Courier New"/>
-            </a:endParaRPr>
-          </a:p>
-        </p:txBody>
-      </p:sp>
+      </p:pic>
     </p:spTree>
     <p:extLst>
       <p:ext uri="{BB962C8B-B14F-4D97-AF65-F5344CB8AC3E}">
-        <p14:creationId xmlns:p14="http://schemas.microsoft.com/office/powerpoint/2010/main" val="1008984338"/>
+        <p14:creationId xmlns:p14="http://schemas.microsoft.com/office/powerpoint/2010/main" val="3622538093"/>
       </p:ext>
     </p:extLst>
   </p:cSld>
@@ -20500,7 +22362,7 @@
       </p:grpSpPr>
       <p:sp>
         <p:nvSpPr>
-          <p:cNvPr id="2" name="Title 1"/>
+          <p:cNvPr id="4" name="Title 3"/>
           <p:cNvSpPr>
             <a:spLocks noGrp="1"/>
           </p:cNvSpPr>
@@ -20515,89 +22377,511 @@
           <a:p>
             <a:r>
               <a:rPr lang="en-US" dirty="0"/>
-              <a:t>What platform was this read generated from? </a:t>
-            </a:r>
+              <a:t>Quality codes in FASTQ</a:t>
+            </a:r>
+          </a:p>
+        </p:txBody>
+      </p:sp>
+      <p:sp>
+        <p:nvSpPr>
+          <p:cNvPr id="6" name="Rectangle 5"/>
+          <p:cNvSpPr/>
+          <p:nvPr/>
+        </p:nvSpPr>
+        <p:spPr>
+          <a:xfrm>
+            <a:off x="50800" y="1083169"/>
+            <a:ext cx="9057428" cy="2825389"/>
+          </a:xfrm>
+          <a:prstGeom prst="rect">
+            <a:avLst/>
+          </a:prstGeom>
+        </p:spPr>
+        <p:txBody>
+          <a:bodyPr wrap="square">
+            <a:spAutoFit/>
+          </a:bodyPr>
+          <a:lstStyle/>
+          <a:p>
+            <a:r>
+              <a:rPr lang="en-US" sz="1200" dirty="0">
+                <a:latin typeface="Courier New"/>
+                <a:cs typeface="Courier New"/>
+              </a:rPr>
+              <a:t> SSSSSSSSSSSSSSSSSSSSSSSSSSSSSSSSSSSSSSSSS.....................................................</a:t>
+            </a:r>
+          </a:p>
+          <a:p>
+            <a:r>
+              <a:rPr lang="en-US" sz="1200" dirty="0">
+                <a:latin typeface="Courier New"/>
+                <a:cs typeface="Courier New"/>
+              </a:rPr>
+              <a:t> ..........................XXXXXXXXXXXXXXXXXXXXXXXXXXXXXXXXXXXXXXXXXXXXXX......................</a:t>
+            </a:r>
+          </a:p>
+          <a:p>
+            <a:r>
+              <a:rPr lang="en-US" sz="1200" dirty="0">
+                <a:latin typeface="Courier New"/>
+                <a:cs typeface="Courier New"/>
+              </a:rPr>
+              <a:t> ...............................IIIIIIIIIIIIIIIIIIIIIIIIIIIIIIIIIIIIIIIII......................</a:t>
+            </a:r>
+          </a:p>
+          <a:p>
+            <a:r>
+              <a:rPr lang="en-US" sz="1200" dirty="0">
+                <a:latin typeface="Courier New"/>
+                <a:cs typeface="Courier New"/>
+              </a:rPr>
+              <a:t> .................................JJJJJJJJJJJJJJJJJJJJJJJJJJJJJJJJJJJJJJJ......................</a:t>
+            </a:r>
+          </a:p>
+          <a:p>
+            <a:r>
+              <a:rPr lang="en-US" sz="1200" dirty="0">
+                <a:latin typeface="Courier New"/>
+                <a:cs typeface="Courier New"/>
+              </a:rPr>
+              <a:t> LLLLLLLLLLLLLLLLLLLLLLLLLLLLLLLLLLLLLLLLLL....................................................</a:t>
+            </a:r>
+          </a:p>
+          <a:p>
+            <a:r>
+              <a:rPr lang="en-US" sz="1200" dirty="0">
+                <a:latin typeface="Courier New"/>
+                <a:cs typeface="Courier New"/>
+              </a:rPr>
+              <a:t> </a:t>
+            </a:r>
+            <a:r>
+              <a:rPr lang="en-US" sz="1200" b="1" dirty="0">
+                <a:solidFill>
+                  <a:srgbClr val="FF0000"/>
+                </a:solidFill>
+                <a:latin typeface="Courier New"/>
+                <a:cs typeface="Courier New"/>
+              </a:rPr>
+              <a:t>!"#$%&amp;'()*+,-./0123456789:;&lt;=&gt;?@ABCDEFGHIJKLMNOPQRSTUVWXYZ[\]^_`</a:t>
+            </a:r>
+            <a:r>
+              <a:rPr lang="en-US" sz="1200" b="1" dirty="0" err="1">
+                <a:solidFill>
+                  <a:srgbClr val="FF0000"/>
+                </a:solidFill>
+                <a:latin typeface="Courier New"/>
+                <a:cs typeface="Courier New"/>
+              </a:rPr>
+              <a:t>abcdefghijklmnopqrstuvwxyz</a:t>
+            </a:r>
+            <a:r>
+              <a:rPr lang="en-US" sz="1200" b="1" dirty="0">
+                <a:solidFill>
+                  <a:srgbClr val="FF0000"/>
+                </a:solidFill>
+                <a:latin typeface="Courier New"/>
+                <a:cs typeface="Courier New"/>
+              </a:rPr>
+              <a:t>{|}~</a:t>
+            </a:r>
+          </a:p>
+          <a:p>
+            <a:r>
+              <a:rPr lang="en-US" sz="1200" dirty="0">
+                <a:latin typeface="Courier New"/>
+                <a:cs typeface="Courier New"/>
+              </a:rPr>
+              <a:t> |                         |    |        |                              |                     |</a:t>
+            </a:r>
+          </a:p>
+          <a:p>
+            <a:r>
+              <a:rPr lang="en-US" sz="1200" dirty="0">
+                <a:latin typeface="Courier New"/>
+                <a:cs typeface="Courier New"/>
+              </a:rPr>
+              <a:t>33                        59   64       73                            104                   126</a:t>
+            </a:r>
+          </a:p>
+          <a:p>
+            <a:r>
+              <a:rPr lang="en-US" sz="1200" dirty="0">
+                <a:latin typeface="Courier New"/>
+                <a:cs typeface="Courier New"/>
+              </a:rPr>
+              <a:t> </a:t>
+            </a:r>
+            <a:r>
+              <a:rPr lang="en-US" sz="1200" b="1" dirty="0">
+                <a:solidFill>
+                  <a:srgbClr val="FF0000"/>
+                </a:solidFill>
+                <a:latin typeface="Courier New"/>
+                <a:cs typeface="Courier New"/>
+              </a:rPr>
+              <a:t>0........................26...31.......40</a:t>
+            </a:r>
+            <a:r>
+              <a:rPr lang="en-US" sz="1200" dirty="0">
+                <a:latin typeface="Courier New"/>
+                <a:cs typeface="Courier New"/>
+              </a:rPr>
+              <a:t>                                </a:t>
+            </a:r>
+          </a:p>
+          <a:p>
+            <a:r>
+              <a:rPr lang="en-US" sz="1200" dirty="0">
+                <a:latin typeface="Courier New"/>
+                <a:cs typeface="Courier New"/>
+              </a:rPr>
+              <a:t>                                </a:t>
+            </a:r>
+          </a:p>
+          <a:p>
+            <a:pPr>
+              <a:lnSpc>
+                <a:spcPct val="120000"/>
+              </a:lnSpc>
+            </a:pPr>
+            <a:r>
+              <a:rPr lang="en-US" sz="1600" b="1" dirty="0">
+                <a:latin typeface="Courier New"/>
+                <a:cs typeface="Courier New"/>
+              </a:rPr>
+              <a:t>Sanger        Phred+33</a:t>
+            </a:r>
+          </a:p>
+          <a:p>
+            <a:pPr>
+              <a:lnSpc>
+                <a:spcPct val="120000"/>
+              </a:lnSpc>
+            </a:pPr>
+            <a:r>
+              <a:rPr lang="en-US" sz="1200" b="1" dirty="0">
+                <a:latin typeface="Courier New"/>
+                <a:cs typeface="Courier New"/>
+              </a:rPr>
+              <a:t>raw reads typically (0, 40)</a:t>
+            </a:r>
+            <a:endParaRPr lang="en-US" sz="1200" dirty="0">
+              <a:latin typeface="Courier New"/>
+              <a:cs typeface="Courier New"/>
+            </a:endParaRPr>
+          </a:p>
+          <a:p>
+            <a:endParaRPr lang="en-US" sz="1200" dirty="0">
+              <a:latin typeface="Courier New"/>
+              <a:cs typeface="Courier New"/>
+            </a:endParaRPr>
+          </a:p>
+          <a:p>
+            <a:r>
+              <a:rPr lang="en-US" sz="1200" dirty="0">
+                <a:latin typeface="Courier New"/>
+                <a:cs typeface="Courier New"/>
+              </a:rPr>
+              <a:t>Source: </a:t>
+            </a:r>
+            <a:r>
+              <a:rPr lang="en-US" sz="1200" dirty="0" err="1">
+                <a:latin typeface="Courier New"/>
+                <a:cs typeface="Courier New"/>
+              </a:rPr>
+              <a:t>en.wikipedia.org</a:t>
+            </a:r>
+            <a:r>
+              <a:rPr lang="en-US" sz="1200" dirty="0">
+                <a:latin typeface="Courier New"/>
+                <a:cs typeface="Courier New"/>
+              </a:rPr>
+              <a:t>/wiki/</a:t>
+            </a:r>
+            <a:r>
+              <a:rPr lang="en-US" sz="1200" dirty="0" err="1">
+                <a:latin typeface="Courier New"/>
+                <a:cs typeface="Courier New"/>
+              </a:rPr>
+              <a:t>FASTQ_format</a:t>
+            </a:r>
+            <a:endParaRPr lang="en-US" sz="1200" dirty="0">
+              <a:latin typeface="Courier New"/>
+              <a:cs typeface="Courier New"/>
+            </a:endParaRPr>
+          </a:p>
+        </p:txBody>
+      </p:sp>
+      <p:sp>
+        <p:nvSpPr>
+          <p:cNvPr id="7" name="TextBox 6">
+            <a:extLst>
+              <a:ext uri="{FF2B5EF4-FFF2-40B4-BE49-F238E27FC236}">
+                <a16:creationId xmlns:a16="http://schemas.microsoft.com/office/drawing/2014/main" id="{27F004FA-5DA4-7307-7887-E1BA89A0F2B3}"/>
+              </a:ext>
+            </a:extLst>
+          </p:cNvPr>
+          <p:cNvSpPr txBox="1"/>
+          <p:nvPr/>
+        </p:nvSpPr>
+        <p:spPr>
+          <a:xfrm>
+            <a:off x="1349784" y="4549912"/>
+            <a:ext cx="2065283" cy="523220"/>
+          </a:xfrm>
+          <a:prstGeom prst="rect">
+            <a:avLst/>
+          </a:prstGeom>
+          <a:noFill/>
+        </p:spPr>
+        <p:txBody>
+          <a:bodyPr wrap="square">
+            <a:spAutoFit/>
+          </a:bodyPr>
+          <a:lstStyle/>
+          <a:p>
+            <a:r>
+              <a:rPr lang="en-US" sz="2800" dirty="0">
+                <a:latin typeface="Courier New"/>
+                <a:cs typeface="Courier New"/>
+              </a:rPr>
+              <a:t>=  ?  B</a:t>
+            </a:r>
+            <a:endParaRPr lang="en-US" sz="2800" dirty="0"/>
+          </a:p>
+        </p:txBody>
+      </p:sp>
+      <p:sp>
+        <p:nvSpPr>
+          <p:cNvPr id="10" name="TextBox 9">
+            <a:extLst>
+              <a:ext uri="{FF2B5EF4-FFF2-40B4-BE49-F238E27FC236}">
+                <a16:creationId xmlns:a16="http://schemas.microsoft.com/office/drawing/2014/main" id="{BB798B09-08BD-2752-7EAF-9EF19E3DD9A1}"/>
+              </a:ext>
+            </a:extLst>
+          </p:cNvPr>
+          <p:cNvSpPr txBox="1"/>
+          <p:nvPr/>
+        </p:nvSpPr>
+        <p:spPr>
+          <a:xfrm>
+            <a:off x="1278839" y="5143397"/>
+            <a:ext cx="1903085" cy="523220"/>
+          </a:xfrm>
+          <a:prstGeom prst="rect">
+            <a:avLst/>
+          </a:prstGeom>
+          <a:noFill/>
+        </p:spPr>
+        <p:txBody>
+          <a:bodyPr wrap="none" rtlCol="0">
+            <a:spAutoFit/>
+          </a:bodyPr>
+          <a:lstStyle/>
+          <a:p>
+            <a:r>
+              <a:rPr lang="en-US" sz="2800" dirty="0">
+                <a:latin typeface="Courier New"/>
+                <a:cs typeface="Courier New"/>
+              </a:rPr>
+              <a:t>28 30 33</a:t>
+            </a:r>
+            <a:endParaRPr lang="en-US" sz="2800" dirty="0"/>
           </a:p>
         </p:txBody>
       </p:sp>
       <p:pic>
         <p:nvPicPr>
-          <p:cNvPr id="5" name="Picture 4" descr="Screenshot 2016-02-15 13.48.51.png"/>
+          <p:cNvPr id="12" name="Picture 11" descr="Chart&#10;&#10;Description automatically generated">
+            <a:extLst>
+              <a:ext uri="{FF2B5EF4-FFF2-40B4-BE49-F238E27FC236}">
+                <a16:creationId xmlns:a16="http://schemas.microsoft.com/office/drawing/2014/main" id="{E6200F0E-642B-5AD3-8B88-5C8895D24006}"/>
+              </a:ext>
+            </a:extLst>
+          </p:cNvPr>
           <p:cNvPicPr>
             <a:picLocks noChangeAspect="1"/>
           </p:cNvPicPr>
           <p:nvPr/>
         </p:nvPicPr>
         <p:blipFill>
-          <a:blip r:embed="rId2">
-            <a:extLst>
-              <a:ext uri="{28A0092B-C50C-407E-A947-70E740481C1C}">
-                <a14:useLocalDpi xmlns:a14="http://schemas.microsoft.com/office/drawing/2010/main" val="0"/>
-              </a:ext>
-            </a:extLst>
-          </a:blip>
+          <a:blip r:embed="rId2"/>
           <a:stretch>
             <a:fillRect/>
           </a:stretch>
         </p:blipFill>
         <p:spPr>
           <a:xfrm>
-            <a:off x="522056" y="1778000"/>
-            <a:ext cx="3749830" cy="4213954"/>
+            <a:off x="4643106" y="2666327"/>
+            <a:ext cx="2884928" cy="3917035"/>
           </a:xfrm>
           <a:prstGeom prst="rect">
             <a:avLst/>
           </a:prstGeom>
         </p:spPr>
       </p:pic>
-      <p:sp>
-        <p:nvSpPr>
-          <p:cNvPr id="6" name="TextBox 5"/>
-          <p:cNvSpPr txBox="1"/>
-          <p:nvPr/>
-        </p:nvSpPr>
-        <p:spPr>
-          <a:xfrm>
-            <a:off x="4419600" y="2743200"/>
-            <a:ext cx="4356100" cy="1815882"/>
-          </a:xfrm>
-          <a:prstGeom prst="rect">
-            <a:avLst/>
-          </a:prstGeom>
-          <a:noFill/>
-        </p:spPr>
-        <p:txBody>
-          <a:bodyPr wrap="square" rtlCol="0">
-            <a:spAutoFit/>
-          </a:bodyPr>
-          <a:lstStyle/>
-          <a:p>
-            <a:r>
-              <a:rPr lang="en-US" sz="2800" dirty="0"/>
-              <a:t>Average quality?</a:t>
-            </a:r>
-          </a:p>
-          <a:p>
-            <a:endParaRPr lang="en-US" sz="2800" dirty="0"/>
-          </a:p>
-          <a:p>
-            <a:r>
-              <a:rPr lang="en-US" sz="2800" dirty="0"/>
-              <a:t>Average probability of error rate?</a:t>
-            </a:r>
-          </a:p>
-        </p:txBody>
-      </p:sp>
     </p:spTree>
     <p:extLst>
       <p:ext uri="{BB962C8B-B14F-4D97-AF65-F5344CB8AC3E}">
-        <p14:creationId xmlns:p14="http://schemas.microsoft.com/office/powerpoint/2010/main" val="2785777529"/>
+        <p14:creationId xmlns:p14="http://schemas.microsoft.com/office/powerpoint/2010/main" val="1008984338"/>
       </p:ext>
     </p:extLst>
   </p:cSld>
   <p:clrMapOvr>
     <a:masterClrMapping/>
   </p:clrMapOvr>
+  <p:timing>
+    <p:tnLst>
+      <p:par>
+        <p:cTn id="1" dur="indefinite" restart="never" nodeType="tmRoot">
+          <p:childTnLst>
+            <p:seq concurrent="1" nextAc="seek">
+              <p:cTn id="2" dur="indefinite" nodeType="mainSeq">
+                <p:childTnLst>
+                  <p:par>
+                    <p:cTn id="3" fill="hold">
+                      <p:stCondLst>
+                        <p:cond delay="indefinite"/>
+                      </p:stCondLst>
+                      <p:childTnLst>
+                        <p:par>
+                          <p:cTn id="4" fill="hold">
+                            <p:stCondLst>
+                              <p:cond delay="0"/>
+                            </p:stCondLst>
+                            <p:childTnLst>
+                              <p:par>
+                                <p:cTn id="5" presetID="1" presetClass="entr" presetSubtype="0" fill="hold" grpId="0" nodeType="clickEffect">
+                                  <p:stCondLst>
+                                    <p:cond delay="0"/>
+                                  </p:stCondLst>
+                                  <p:childTnLst>
+                                    <p:set>
+                                      <p:cBhvr>
+                                        <p:cTn id="6" dur="1" fill="hold">
+                                          <p:stCondLst>
+                                            <p:cond delay="0"/>
+                                          </p:stCondLst>
+                                        </p:cTn>
+                                        <p:tgtEl>
+                                          <p:spTgt spid="7"/>
+                                        </p:tgtEl>
+                                        <p:attrNameLst>
+                                          <p:attrName>style.visibility</p:attrName>
+                                        </p:attrNameLst>
+                                      </p:cBhvr>
+                                      <p:to>
+                                        <p:strVal val="visible"/>
+                                      </p:to>
+                                    </p:set>
+                                  </p:childTnLst>
+                                </p:cTn>
+                              </p:par>
+                              <p:par>
+                                <p:cTn id="7" presetID="1" presetClass="entr" presetSubtype="0" fill="hold" nodeType="withEffect">
+                                  <p:stCondLst>
+                                    <p:cond delay="0"/>
+                                  </p:stCondLst>
+                                  <p:childTnLst>
+                                    <p:set>
+                                      <p:cBhvr>
+                                        <p:cTn id="8" dur="1" fill="hold">
+                                          <p:stCondLst>
+                                            <p:cond delay="0"/>
+                                          </p:stCondLst>
+                                        </p:cTn>
+                                        <p:tgtEl>
+                                          <p:spTgt spid="12"/>
+                                        </p:tgtEl>
+                                        <p:attrNameLst>
+                                          <p:attrName>style.visibility</p:attrName>
+                                        </p:attrNameLst>
+                                      </p:cBhvr>
+                                      <p:to>
+                                        <p:strVal val="visible"/>
+                                      </p:to>
+                                    </p:set>
+                                  </p:childTnLst>
+                                </p:cTn>
+                              </p:par>
+                            </p:childTnLst>
+                          </p:cTn>
+                        </p:par>
+                      </p:childTnLst>
+                    </p:cTn>
+                  </p:par>
+                  <p:par>
+                    <p:cTn id="9" fill="hold">
+                      <p:stCondLst>
+                        <p:cond delay="indefinite"/>
+                      </p:stCondLst>
+                      <p:childTnLst>
+                        <p:par>
+                          <p:cTn id="10" fill="hold">
+                            <p:stCondLst>
+                              <p:cond delay="0"/>
+                            </p:stCondLst>
+                            <p:childTnLst>
+                              <p:par>
+                                <p:cTn id="11" presetID="1" presetClass="entr" presetSubtype="0" fill="hold" grpId="0" nodeType="clickEffect">
+                                  <p:stCondLst>
+                                    <p:cond delay="0"/>
+                                  </p:stCondLst>
+                                  <p:childTnLst>
+                                    <p:set>
+                                      <p:cBhvr>
+                                        <p:cTn id="12" dur="1" fill="hold">
+                                          <p:stCondLst>
+                                            <p:cond delay="0"/>
+                                          </p:stCondLst>
+                                        </p:cTn>
+                                        <p:tgtEl>
+                                          <p:spTgt spid="10"/>
+                                        </p:tgtEl>
+                                        <p:attrNameLst>
+                                          <p:attrName>style.visibility</p:attrName>
+                                        </p:attrNameLst>
+                                      </p:cBhvr>
+                                      <p:to>
+                                        <p:strVal val="visible"/>
+                                      </p:to>
+                                    </p:set>
+                                  </p:childTnLst>
+                                </p:cTn>
+                              </p:par>
+                            </p:childTnLst>
+                          </p:cTn>
+                        </p:par>
+                      </p:childTnLst>
+                    </p:cTn>
+                  </p:par>
+                </p:childTnLst>
+              </p:cTn>
+              <p:prevCondLst>
+                <p:cond evt="onPrev" delay="0">
+                  <p:tgtEl>
+                    <p:sldTgt/>
+                  </p:tgtEl>
+                </p:cond>
+              </p:prevCondLst>
+              <p:nextCondLst>
+                <p:cond evt="onNext" delay="0">
+                  <p:tgtEl>
+                    <p:sldTgt/>
+                  </p:tgtEl>
+                </p:cond>
+              </p:nextCondLst>
+            </p:seq>
+          </p:childTnLst>
+        </p:cTn>
+      </p:par>
+    </p:tnLst>
+    <p:bldLst>
+      <p:bldP spid="7" grpId="0"/>
+      <p:bldP spid="10" grpId="0"/>
+    </p:bldLst>
+  </p:timing>
 </p:sld>
 </file>
 
@@ -20620,7 +22904,7 @@
       </p:grpSpPr>
       <p:sp>
         <p:nvSpPr>
-          <p:cNvPr id="2" name="Title 1"/>
+          <p:cNvPr id="4" name="Title 3"/>
           <p:cNvSpPr>
             <a:spLocks noGrp="1"/>
           </p:cNvSpPr>
@@ -20635,74 +22919,302 @@
           <a:p>
             <a:r>
               <a:rPr lang="en-US" dirty="0"/>
-              <a:t>Typical reads in different platforms</a:t>
-            </a:r>
-          </a:p>
-        </p:txBody>
-      </p:sp>
-      <p:pic>
-        <p:nvPicPr>
-          <p:cNvPr id="5" name="Picture 4"/>
-          <p:cNvPicPr>
-            <a:picLocks noChangeAspect="1"/>
-          </p:cNvPicPr>
+              <a:t>FASTQ quantity could have different codes</a:t>
+            </a:r>
+          </a:p>
+        </p:txBody>
+      </p:sp>
+      <p:sp>
+        <p:nvSpPr>
+          <p:cNvPr id="6" name="Rectangle 5"/>
+          <p:cNvSpPr/>
           <p:nvPr/>
-        </p:nvPicPr>
-        <p:blipFill>
-          <a:blip r:embed="rId2"/>
-          <a:stretch>
-            <a:fillRect/>
-          </a:stretch>
-        </p:blipFill>
+        </p:nvSpPr>
         <p:spPr>
           <a:xfrm>
-            <a:off x="880649" y="1461142"/>
-            <a:ext cx="7669401" cy="3134589"/>
+            <a:off x="50800" y="1642850"/>
+            <a:ext cx="9057428" cy="3564052"/>
           </a:xfrm>
           <a:prstGeom prst="rect">
             <a:avLst/>
           </a:prstGeom>
         </p:spPr>
-      </p:pic>
-      <p:sp>
-        <p:nvSpPr>
-          <p:cNvPr id="4" name="TextBox 3"/>
-          <p:cNvSpPr txBox="1"/>
-          <p:nvPr/>
-        </p:nvSpPr>
-        <p:spPr>
-          <a:xfrm>
-            <a:off x="3429000" y="4927600"/>
-            <a:ext cx="2514856" cy="1200329"/>
-          </a:xfrm>
-          <a:prstGeom prst="rect">
-            <a:avLst/>
-          </a:prstGeom>
-          <a:noFill/>
-        </p:spPr>
-        <p:txBody>
-          <a:bodyPr wrap="none" rtlCol="0">
+        <p:txBody>
+          <a:bodyPr wrap="square">
             <a:spAutoFit/>
           </a:bodyPr>
           <a:lstStyle/>
           <a:p>
             <a:r>
-              <a:rPr lang="en-US" sz="3600" dirty="0"/>
-              <a:t>Read length</a:t>
-            </a:r>
-          </a:p>
-          <a:p>
-            <a:r>
-              <a:rPr lang="en-US" sz="3600" dirty="0"/>
-              <a:t>Read quality</a:t>
-            </a:r>
+              <a:rPr lang="en-US" sz="1200" dirty="0">
+                <a:latin typeface="Courier New"/>
+                <a:cs typeface="Courier New"/>
+              </a:rPr>
+              <a:t> SSSSSSSSSSSSSSSSSSSSSSSSSSSSSSSSSSSSSSSSS.....................................................</a:t>
+            </a:r>
+          </a:p>
+          <a:p>
+            <a:r>
+              <a:rPr lang="en-US" sz="1200" dirty="0">
+                <a:latin typeface="Courier New"/>
+                <a:cs typeface="Courier New"/>
+              </a:rPr>
+              <a:t> ..........................XXXXXXXXXXXXXXXXXXXXXXXXXXXXXXXXXXXXXXXXXXXXXX......................</a:t>
+            </a:r>
+          </a:p>
+          <a:p>
+            <a:r>
+              <a:rPr lang="en-US" sz="1200" dirty="0">
+                <a:latin typeface="Courier New"/>
+                <a:cs typeface="Courier New"/>
+              </a:rPr>
+              <a:t> ...............................IIIIIIIIIIIIIIIIIIIIIIIIIIIIIIIIIIIIIIIII......................</a:t>
+            </a:r>
+          </a:p>
+          <a:p>
+            <a:r>
+              <a:rPr lang="en-US" sz="1200" dirty="0">
+                <a:latin typeface="Courier New"/>
+                <a:cs typeface="Courier New"/>
+              </a:rPr>
+              <a:t> .................................JJJJJJJJJJJJJJJJJJJJJJJJJJJJJJJJJJJJJJJ......................</a:t>
+            </a:r>
+          </a:p>
+          <a:p>
+            <a:r>
+              <a:rPr lang="en-US" sz="1200" dirty="0">
+                <a:latin typeface="Courier New"/>
+                <a:cs typeface="Courier New"/>
+              </a:rPr>
+              <a:t> LLLLLLLLLLLLLLLLLLLLLLLLLLLLLLLLLLLLLLLLLL....................................................</a:t>
+            </a:r>
+          </a:p>
+          <a:p>
+            <a:r>
+              <a:rPr lang="en-US" sz="1200" dirty="0">
+                <a:latin typeface="Courier New"/>
+                <a:cs typeface="Courier New"/>
+              </a:rPr>
+              <a:t> </a:t>
+            </a:r>
+            <a:r>
+              <a:rPr lang="en-US" sz="1200" b="1" dirty="0">
+                <a:solidFill>
+                  <a:srgbClr val="FF0000"/>
+                </a:solidFill>
+                <a:latin typeface="Courier New"/>
+                <a:cs typeface="Courier New"/>
+              </a:rPr>
+              <a:t>!"#$%&amp;'()*+,-./0123456789:;&lt;=&gt;?@ABCDEFGHIJKLMNOPQRSTUVWXYZ[\]^_`</a:t>
+            </a:r>
+            <a:r>
+              <a:rPr lang="en-US" sz="1200" b="1" dirty="0" err="1">
+                <a:solidFill>
+                  <a:srgbClr val="FF0000"/>
+                </a:solidFill>
+                <a:latin typeface="Courier New"/>
+                <a:cs typeface="Courier New"/>
+              </a:rPr>
+              <a:t>abcdefghijklmnopqrstuvwxyz</a:t>
+            </a:r>
+            <a:r>
+              <a:rPr lang="en-US" sz="1200" b="1" dirty="0">
+                <a:solidFill>
+                  <a:srgbClr val="FF0000"/>
+                </a:solidFill>
+                <a:latin typeface="Courier New"/>
+                <a:cs typeface="Courier New"/>
+              </a:rPr>
+              <a:t>{|}~</a:t>
+            </a:r>
+          </a:p>
+          <a:p>
+            <a:r>
+              <a:rPr lang="en-US" sz="1200" dirty="0">
+                <a:latin typeface="Courier New"/>
+                <a:cs typeface="Courier New"/>
+              </a:rPr>
+              <a:t> |                         |    |        |                              |                     |</a:t>
+            </a:r>
+          </a:p>
+          <a:p>
+            <a:r>
+              <a:rPr lang="en-US" sz="1200" dirty="0">
+                <a:latin typeface="Courier New"/>
+                <a:cs typeface="Courier New"/>
+              </a:rPr>
+              <a:t>33                        59   64       73                            104                   126</a:t>
+            </a:r>
+          </a:p>
+          <a:p>
+            <a:r>
+              <a:rPr lang="en-US" sz="1200" dirty="0">
+                <a:latin typeface="Courier New"/>
+                <a:cs typeface="Courier New"/>
+              </a:rPr>
+              <a:t> </a:t>
+            </a:r>
+            <a:r>
+              <a:rPr lang="en-US" sz="1200" b="1" dirty="0">
+                <a:solidFill>
+                  <a:srgbClr val="FF0000"/>
+                </a:solidFill>
+                <a:latin typeface="Courier New"/>
+                <a:cs typeface="Courier New"/>
+              </a:rPr>
+              <a:t>0........................26...31.......40</a:t>
+            </a:r>
+            <a:r>
+              <a:rPr lang="en-US" sz="1200" dirty="0">
+                <a:latin typeface="Courier New"/>
+                <a:cs typeface="Courier New"/>
+              </a:rPr>
+              <a:t>                                </a:t>
+            </a:r>
+          </a:p>
+          <a:p>
+            <a:r>
+              <a:rPr lang="en-US" sz="1200" dirty="0">
+                <a:latin typeface="Courier New"/>
+                <a:cs typeface="Courier New"/>
+              </a:rPr>
+              <a:t>                                0........9.............................40 </a:t>
+            </a:r>
+          </a:p>
+          <a:p>
+            <a:r>
+              <a:rPr lang="en-US" sz="1200" dirty="0">
+                <a:latin typeface="Courier New"/>
+                <a:cs typeface="Courier New"/>
+              </a:rPr>
+              <a:t> </a:t>
+            </a:r>
+            <a:r>
+              <a:rPr lang="en-US" sz="1200" b="1" dirty="0">
+                <a:solidFill>
+                  <a:srgbClr val="FF0000"/>
+                </a:solidFill>
+                <a:latin typeface="Courier New"/>
+                <a:cs typeface="Courier New"/>
+              </a:rPr>
+              <a:t>0.2......................26...31.........41</a:t>
+            </a:r>
+            <a:r>
+              <a:rPr lang="en-US" sz="1200" dirty="0">
+                <a:latin typeface="Courier New"/>
+                <a:cs typeface="Courier New"/>
+              </a:rPr>
+              <a:t>                              </a:t>
+            </a:r>
+          </a:p>
+          <a:p>
+            <a:endParaRPr lang="en-US" sz="1200" dirty="0">
+              <a:latin typeface="Courier New"/>
+              <a:cs typeface="Courier New"/>
+            </a:endParaRPr>
+          </a:p>
+          <a:p>
+            <a:pPr>
+              <a:lnSpc>
+                <a:spcPct val="120000"/>
+              </a:lnSpc>
+            </a:pPr>
+            <a:r>
+              <a:rPr lang="en-US" sz="1600" b="1" dirty="0">
+                <a:latin typeface="Courier New"/>
+                <a:cs typeface="Courier New"/>
+              </a:rPr>
+              <a:t>Sanger        Phred+33,  raw reads typically (0, 40)</a:t>
+            </a:r>
+          </a:p>
+          <a:p>
+            <a:pPr>
+              <a:lnSpc>
+                <a:spcPct val="120000"/>
+              </a:lnSpc>
+            </a:pPr>
+            <a:r>
+              <a:rPr lang="en-US" sz="1600" dirty="0" err="1">
+                <a:latin typeface="Courier New"/>
+                <a:cs typeface="Courier New"/>
+              </a:rPr>
+              <a:t>Illumina</a:t>
+            </a:r>
+            <a:r>
+              <a:rPr lang="en-US" sz="1600" dirty="0">
+                <a:latin typeface="Courier New"/>
+                <a:cs typeface="Courier New"/>
+              </a:rPr>
+              <a:t> 1.3+ Phred+64,  raw reads typically (0, 40)</a:t>
+            </a:r>
+          </a:p>
+          <a:p>
+            <a:pPr>
+              <a:lnSpc>
+                <a:spcPct val="120000"/>
+              </a:lnSpc>
+            </a:pPr>
+            <a:r>
+              <a:rPr lang="en-US" sz="1600" b="1" dirty="0" err="1">
+                <a:latin typeface="Courier New"/>
+                <a:cs typeface="Courier New"/>
+              </a:rPr>
+              <a:t>Illumina</a:t>
+            </a:r>
+            <a:r>
+              <a:rPr lang="en-US" sz="1600" b="1" dirty="0">
+                <a:latin typeface="Courier New"/>
+                <a:cs typeface="Courier New"/>
+              </a:rPr>
+              <a:t> 1.8+ Phred+33,  raw reads typically (0, 41)</a:t>
+            </a:r>
+          </a:p>
+          <a:p>
+            <a:endParaRPr lang="en-US" sz="1200" dirty="0">
+              <a:latin typeface="Courier New"/>
+              <a:cs typeface="Courier New"/>
+            </a:endParaRPr>
+          </a:p>
+          <a:p>
+            <a:r>
+              <a:rPr lang="en-US" sz="1200" dirty="0">
+                <a:latin typeface="Courier New"/>
+                <a:cs typeface="Courier New"/>
+              </a:rPr>
+              <a:t>Source: </a:t>
+            </a:r>
+            <a:r>
+              <a:rPr lang="en-US" sz="1200" dirty="0" err="1">
+                <a:latin typeface="Courier New"/>
+                <a:cs typeface="Courier New"/>
+              </a:rPr>
+              <a:t>en.wikipedia.org</a:t>
+            </a:r>
+            <a:r>
+              <a:rPr lang="en-US" sz="1200" dirty="0">
+                <a:latin typeface="Courier New"/>
+                <a:cs typeface="Courier New"/>
+              </a:rPr>
+              <a:t>/wiki/</a:t>
+            </a:r>
+            <a:r>
+              <a:rPr lang="en-US" sz="1200" dirty="0" err="1">
+                <a:latin typeface="Courier New"/>
+                <a:cs typeface="Courier New"/>
+              </a:rPr>
+              <a:t>FASTQ_format</a:t>
+            </a:r>
+            <a:endParaRPr lang="en-US" sz="1200" dirty="0">
+              <a:latin typeface="Courier New"/>
+              <a:cs typeface="Courier New"/>
+            </a:endParaRPr>
           </a:p>
         </p:txBody>
       </p:sp>
     </p:spTree>
     <p:extLst>
       <p:ext uri="{BB962C8B-B14F-4D97-AF65-F5344CB8AC3E}">
-        <p14:creationId xmlns:p14="http://schemas.microsoft.com/office/powerpoint/2010/main" val="3336562369"/>
+        <p14:creationId xmlns:p14="http://schemas.microsoft.com/office/powerpoint/2010/main" val="667945287"/>
       </p:ext>
     </p:extLst>
   </p:cSld>
@@ -20731,655 +23243,98 @@
       </p:grpSpPr>
       <p:sp>
         <p:nvSpPr>
-          <p:cNvPr id="59393" name="Title 1"/>
+          <p:cNvPr id="2" name="Title 1"/>
           <p:cNvSpPr>
             <a:spLocks noGrp="1"/>
           </p:cNvSpPr>
           <p:nvPr>
-            <p:ph type="title" idx="4294967295"/>
+            <p:ph type="title"/>
           </p:nvPr>
         </p:nvSpPr>
-        <p:spPr>
-          <a:xfrm>
-            <a:off x="457200" y="71438"/>
-            <a:ext cx="8229600" cy="723900"/>
-          </a:xfrm>
-        </p:spPr>
+        <p:spPr/>
         <p:txBody>
           <a:bodyPr/>
           <a:lstStyle/>
           <a:p>
-            <a:pPr eaLnBrk="1" hangingPunct="1"/>
-            <a:r>
-              <a:rPr lang="en-US" b="1">
-                <a:latin typeface="Calibri" charset="0"/>
-                <a:ea typeface="ＭＳ Ｐゴシック" charset="0"/>
-                <a:cs typeface="ＭＳ Ｐゴシック" charset="0"/>
-              </a:rPr>
-              <a:t>Data - FASTQ</a:t>
-            </a:r>
-          </a:p>
-        </p:txBody>
-      </p:sp>
-      <p:sp>
-        <p:nvSpPr>
-          <p:cNvPr id="59394" name="TextBox 2"/>
-          <p:cNvSpPr txBox="1">
-            <a:spLocks noChangeArrowheads="1"/>
-          </p:cNvSpPr>
-          <p:nvPr/>
-        </p:nvSpPr>
-        <p:spPr bwMode="auto">
-          <a:xfrm>
-            <a:off x="127000" y="896938"/>
-            <a:ext cx="4614863" cy="2308225"/>
-          </a:xfrm>
-          <a:prstGeom prst="rect">
-            <a:avLst/>
-          </a:prstGeom>
-          <a:noFill/>
-          <a:ln>
-            <a:noFill/>
-          </a:ln>
-          <a:extLst>
-            <a:ext uri="{909E8E84-426E-40dd-AFC4-6F175D3DCCD1}">
-              <a14:hiddenFill xmlns:a14="http://schemas.microsoft.com/office/drawing/2010/main" xmlns="">
-                <a:solidFill>
-                  <a:srgbClr val="FFFFFF"/>
-                </a:solidFill>
-              </a14:hiddenFill>
-            </a:ext>
-            <a:ext uri="{91240B29-F687-4f45-9708-019B960494DF}">
-              <a14:hiddenLine xmlns:a14="http://schemas.microsoft.com/office/drawing/2010/main" xmlns="" w="9525">
-                <a:solidFill>
-                  <a:srgbClr val="000000"/>
-                </a:solidFill>
-                <a:miter lim="800000"/>
-                <a:headEnd/>
-                <a:tailEnd/>
-              </a14:hiddenLine>
-            </a:ext>
-          </a:extLst>
-        </p:spPr>
-        <p:txBody>
-          <a:bodyPr>
-            <a:spAutoFit/>
-          </a:bodyPr>
-          <a:lstStyle>
-            <a:lvl1pPr eaLnBrk="0" hangingPunct="0">
-              <a:defRPr sz="2400">
-                <a:solidFill>
-                  <a:schemeClr val="tx1"/>
-                </a:solidFill>
-                <a:latin typeface="Arial" charset="0"/>
-                <a:ea typeface="ＭＳ Ｐゴシック" charset="0"/>
-                <a:cs typeface="ＭＳ Ｐゴシック" charset="0"/>
-              </a:defRPr>
-            </a:lvl1pPr>
-            <a:lvl2pPr marL="742950" indent="-285750" eaLnBrk="0" hangingPunct="0">
-              <a:defRPr sz="2400">
-                <a:solidFill>
-                  <a:schemeClr val="tx1"/>
-                </a:solidFill>
-                <a:latin typeface="Arial" charset="0"/>
-                <a:ea typeface="ＭＳ Ｐゴシック" charset="0"/>
-              </a:defRPr>
-            </a:lvl2pPr>
-            <a:lvl3pPr marL="1143000" indent="-228600" eaLnBrk="0" hangingPunct="0">
-              <a:defRPr sz="2400">
-                <a:solidFill>
-                  <a:schemeClr val="tx1"/>
-                </a:solidFill>
-                <a:latin typeface="Arial" charset="0"/>
-                <a:ea typeface="ＭＳ Ｐゴシック" charset="0"/>
-              </a:defRPr>
-            </a:lvl3pPr>
-            <a:lvl4pPr marL="1600200" indent="-228600" eaLnBrk="0" hangingPunct="0">
-              <a:defRPr sz="2400">
-                <a:solidFill>
-                  <a:schemeClr val="tx1"/>
-                </a:solidFill>
-                <a:latin typeface="Arial" charset="0"/>
-                <a:ea typeface="ＭＳ Ｐゴシック" charset="0"/>
-              </a:defRPr>
-            </a:lvl4pPr>
-            <a:lvl5pPr marL="2057400" indent="-228600" eaLnBrk="0" hangingPunct="0">
-              <a:defRPr sz="2400">
-                <a:solidFill>
-                  <a:schemeClr val="tx1"/>
-                </a:solidFill>
-                <a:latin typeface="Arial" charset="0"/>
-                <a:ea typeface="ＭＳ Ｐゴシック" charset="0"/>
-              </a:defRPr>
-            </a:lvl5pPr>
-            <a:lvl6pPr marL="2514600" indent="-228600" eaLnBrk="0" fontAlgn="base" hangingPunct="0">
-              <a:spcBef>
-                <a:spcPct val="0"/>
-              </a:spcBef>
-              <a:spcAft>
-                <a:spcPct val="0"/>
-              </a:spcAft>
-              <a:defRPr sz="2400">
-                <a:solidFill>
-                  <a:schemeClr val="tx1"/>
-                </a:solidFill>
-                <a:latin typeface="Arial" charset="0"/>
-                <a:ea typeface="ＭＳ Ｐゴシック" charset="0"/>
-              </a:defRPr>
-            </a:lvl6pPr>
-            <a:lvl7pPr marL="2971800" indent="-228600" eaLnBrk="0" fontAlgn="base" hangingPunct="0">
-              <a:spcBef>
-                <a:spcPct val="0"/>
-              </a:spcBef>
-              <a:spcAft>
-                <a:spcPct val="0"/>
-              </a:spcAft>
-              <a:defRPr sz="2400">
-                <a:solidFill>
-                  <a:schemeClr val="tx1"/>
-                </a:solidFill>
-                <a:latin typeface="Arial" charset="0"/>
-                <a:ea typeface="ＭＳ Ｐゴシック" charset="0"/>
-              </a:defRPr>
-            </a:lvl7pPr>
-            <a:lvl8pPr marL="3429000" indent="-228600" eaLnBrk="0" fontAlgn="base" hangingPunct="0">
-              <a:spcBef>
-                <a:spcPct val="0"/>
-              </a:spcBef>
-              <a:spcAft>
-                <a:spcPct val="0"/>
-              </a:spcAft>
-              <a:defRPr sz="2400">
-                <a:solidFill>
-                  <a:schemeClr val="tx1"/>
-                </a:solidFill>
-                <a:latin typeface="Arial" charset="0"/>
-                <a:ea typeface="ＭＳ Ｐゴシック" charset="0"/>
-              </a:defRPr>
-            </a:lvl8pPr>
-            <a:lvl9pPr marL="3886200" indent="-228600" eaLnBrk="0" fontAlgn="base" hangingPunct="0">
-              <a:spcBef>
-                <a:spcPct val="0"/>
-              </a:spcBef>
-              <a:spcAft>
-                <a:spcPct val="0"/>
-              </a:spcAft>
-              <a:defRPr sz="2400">
-                <a:solidFill>
-                  <a:schemeClr val="tx1"/>
-                </a:solidFill>
-                <a:latin typeface="Arial" charset="0"/>
-                <a:ea typeface="ＭＳ Ｐゴシック" charset="0"/>
-              </a:defRPr>
-            </a:lvl9pPr>
-          </a:lstStyle>
-          <a:p>
-            <a:pPr eaLnBrk="1" hangingPunct="1"/>
-            <a:r>
-              <a:rPr lang="en-US" sz="1600" b="1">
-                <a:latin typeface="Calibri" charset="0"/>
-              </a:rPr>
-              <a:t>Standard data format - FASTQ</a:t>
-            </a:r>
-            <a:r>
-              <a:rPr lang="en-US" sz="1600">
-                <a:latin typeface="Calibri" charset="0"/>
-              </a:rPr>
-              <a:t> </a:t>
-            </a:r>
-          </a:p>
-          <a:p>
-            <a:pPr eaLnBrk="1" hangingPunct="1"/>
-            <a:endParaRPr lang="en-US" sz="1600">
-              <a:latin typeface="Calibri" charset="0"/>
-            </a:endParaRPr>
-          </a:p>
-          <a:p>
-            <a:pPr eaLnBrk="1" hangingPunct="1"/>
-            <a:r>
-              <a:rPr lang="en-US" sz="1600">
-                <a:latin typeface="Calibri" charset="0"/>
-              </a:rPr>
-              <a:t>@HWI-EAS225:3:1:2:854#0/1</a:t>
-            </a:r>
-          </a:p>
-          <a:p>
-            <a:pPr eaLnBrk="1" hangingPunct="1"/>
-            <a:r>
-              <a:rPr lang="en-US" sz="1600">
-                <a:latin typeface="Calibri" charset="0"/>
-              </a:rPr>
-              <a:t>GGGGGGAAGTCGGCAAAATAGATCCGTAACTTCGGG</a:t>
-            </a:r>
-          </a:p>
-          <a:p>
-            <a:pPr eaLnBrk="1" hangingPunct="1"/>
-            <a:r>
-              <a:rPr lang="en-US" sz="1600">
-                <a:latin typeface="Calibri" charset="0"/>
-              </a:rPr>
-              <a:t>+HWI-EAS225:3:1:2:854#0/1</a:t>
-            </a:r>
-          </a:p>
-          <a:p>
-            <a:pPr eaLnBrk="1" hangingPunct="1"/>
-            <a:r>
-              <a:rPr lang="en-US" sz="1600">
-                <a:latin typeface="Calibri" charset="0"/>
-              </a:rPr>
-              <a:t>a`abbbbabaabbababb^`[aaa`_N]b^ab^``a</a:t>
-            </a:r>
-          </a:p>
-          <a:p>
-            <a:pPr eaLnBrk="1" hangingPunct="1"/>
-            <a:endParaRPr lang="en-US" sz="1600">
-              <a:latin typeface="Calibri" charset="0"/>
-            </a:endParaRPr>
-          </a:p>
-          <a:p>
-            <a:pPr eaLnBrk="1" hangingPunct="1"/>
-            <a:r>
-              <a:rPr lang="en-US" sz="1600">
-                <a:latin typeface="Calibri" charset="0"/>
-                <a:hlinkClick r:id="rId2"/>
-              </a:rPr>
-              <a:t>http://en.wikipedia.org/wiki/FASTQ_format</a:t>
-            </a:r>
-            <a:endParaRPr lang="en-US" sz="1600">
-              <a:latin typeface="Calibri" charset="0"/>
-            </a:endParaRPr>
-          </a:p>
-          <a:p>
-            <a:pPr eaLnBrk="1" hangingPunct="1"/>
-            <a:endParaRPr lang="en-US" sz="1600">
-              <a:latin typeface="Calibri" charset="0"/>
-            </a:endParaRPr>
-          </a:p>
-        </p:txBody>
-      </p:sp>
-      <p:sp>
-        <p:nvSpPr>
-          <p:cNvPr id="59395" name="Slide Number Placeholder 3"/>
-          <p:cNvSpPr>
-            <a:spLocks noGrp="1"/>
-          </p:cNvSpPr>
-          <p:nvPr>
-            <p:ph type="sldNum" sz="quarter" idx="12"/>
-          </p:nvPr>
-        </p:nvSpPr>
-        <p:spPr bwMode="auto">
-          <a:noFill/>
-          <a:extLst>
-            <a:ext uri="{909E8E84-426E-40dd-AFC4-6F175D3DCCD1}">
-              <a14:hiddenFill xmlns:a14="http://schemas.microsoft.com/office/drawing/2010/main" xmlns="">
-                <a:solidFill>
-                  <a:srgbClr val="FFFFFF"/>
-                </a:solidFill>
-              </a14:hiddenFill>
-            </a:ext>
-            <a:ext uri="{91240B29-F687-4f45-9708-019B960494DF}">
-              <a14:hiddenLine xmlns:a14="http://schemas.microsoft.com/office/drawing/2010/main" xmlns="" w="9525">
-                <a:solidFill>
-                  <a:srgbClr val="000000"/>
-                </a:solidFill>
-                <a:miter lim="800000"/>
-                <a:headEnd/>
-                <a:tailEnd/>
-              </a14:hiddenLine>
-            </a:ext>
-          </a:extLst>
-        </p:spPr>
-        <p:txBody>
-          <a:bodyPr/>
-          <a:lstStyle>
-            <a:lvl1pPr eaLnBrk="0" hangingPunct="0">
-              <a:defRPr sz="2400">
-                <a:solidFill>
-                  <a:schemeClr val="tx1"/>
-                </a:solidFill>
-                <a:latin typeface="Arial" charset="0"/>
-                <a:ea typeface="ＭＳ Ｐゴシック" charset="0"/>
-                <a:cs typeface="ＭＳ Ｐゴシック" charset="0"/>
-              </a:defRPr>
-            </a:lvl1pPr>
-            <a:lvl2pPr marL="742950" indent="-285750" eaLnBrk="0" hangingPunct="0">
-              <a:defRPr sz="2400">
-                <a:solidFill>
-                  <a:schemeClr val="tx1"/>
-                </a:solidFill>
-                <a:latin typeface="Arial" charset="0"/>
-                <a:ea typeface="ＭＳ Ｐゴシック" charset="0"/>
-              </a:defRPr>
-            </a:lvl2pPr>
-            <a:lvl3pPr marL="1143000" indent="-228600" eaLnBrk="0" hangingPunct="0">
-              <a:defRPr sz="2400">
-                <a:solidFill>
-                  <a:schemeClr val="tx1"/>
-                </a:solidFill>
-                <a:latin typeface="Arial" charset="0"/>
-                <a:ea typeface="ＭＳ Ｐゴシック" charset="0"/>
-              </a:defRPr>
-            </a:lvl3pPr>
-            <a:lvl4pPr marL="1600200" indent="-228600" eaLnBrk="0" hangingPunct="0">
-              <a:defRPr sz="2400">
-                <a:solidFill>
-                  <a:schemeClr val="tx1"/>
-                </a:solidFill>
-                <a:latin typeface="Arial" charset="0"/>
-                <a:ea typeface="ＭＳ Ｐゴシック" charset="0"/>
-              </a:defRPr>
-            </a:lvl4pPr>
-            <a:lvl5pPr marL="2057400" indent="-228600" eaLnBrk="0" hangingPunct="0">
-              <a:defRPr sz="2400">
-                <a:solidFill>
-                  <a:schemeClr val="tx1"/>
-                </a:solidFill>
-                <a:latin typeface="Arial" charset="0"/>
-                <a:ea typeface="ＭＳ Ｐゴシック" charset="0"/>
-              </a:defRPr>
-            </a:lvl5pPr>
-            <a:lvl6pPr marL="2514600" indent="-228600" eaLnBrk="0" fontAlgn="base" hangingPunct="0">
-              <a:spcBef>
-                <a:spcPct val="0"/>
-              </a:spcBef>
-              <a:spcAft>
-                <a:spcPct val="0"/>
-              </a:spcAft>
-              <a:defRPr sz="2400">
-                <a:solidFill>
-                  <a:schemeClr val="tx1"/>
-                </a:solidFill>
-                <a:latin typeface="Arial" charset="0"/>
-                <a:ea typeface="ＭＳ Ｐゴシック" charset="0"/>
-              </a:defRPr>
-            </a:lvl6pPr>
-            <a:lvl7pPr marL="2971800" indent="-228600" eaLnBrk="0" fontAlgn="base" hangingPunct="0">
-              <a:spcBef>
-                <a:spcPct val="0"/>
-              </a:spcBef>
-              <a:spcAft>
-                <a:spcPct val="0"/>
-              </a:spcAft>
-              <a:defRPr sz="2400">
-                <a:solidFill>
-                  <a:schemeClr val="tx1"/>
-                </a:solidFill>
-                <a:latin typeface="Arial" charset="0"/>
-                <a:ea typeface="ＭＳ Ｐゴシック" charset="0"/>
-              </a:defRPr>
-            </a:lvl7pPr>
-            <a:lvl8pPr marL="3429000" indent="-228600" eaLnBrk="0" fontAlgn="base" hangingPunct="0">
-              <a:spcBef>
-                <a:spcPct val="0"/>
-              </a:spcBef>
-              <a:spcAft>
-                <a:spcPct val="0"/>
-              </a:spcAft>
-              <a:defRPr sz="2400">
-                <a:solidFill>
-                  <a:schemeClr val="tx1"/>
-                </a:solidFill>
-                <a:latin typeface="Arial" charset="0"/>
-                <a:ea typeface="ＭＳ Ｐゴシック" charset="0"/>
-              </a:defRPr>
-            </a:lvl8pPr>
-            <a:lvl9pPr marL="3886200" indent="-228600" eaLnBrk="0" fontAlgn="base" hangingPunct="0">
-              <a:spcBef>
-                <a:spcPct val="0"/>
-              </a:spcBef>
-              <a:spcAft>
-                <a:spcPct val="0"/>
-              </a:spcAft>
-              <a:defRPr sz="2400">
-                <a:solidFill>
-                  <a:schemeClr val="tx1"/>
-                </a:solidFill>
-                <a:latin typeface="Arial" charset="0"/>
-                <a:ea typeface="ＭＳ Ｐゴシック" charset="0"/>
-              </a:defRPr>
-            </a:lvl9pPr>
-          </a:lstStyle>
-          <a:p>
-            <a:pPr eaLnBrk="1" hangingPunct="1"/>
-            <a:fld id="{2A0E17D0-6DA8-404A-B5F4-B87CD97C7EDC}" type="slidenum">
-              <a:rPr lang="en-US" sz="1200">
-                <a:solidFill>
-                  <a:srgbClr val="898989"/>
-                </a:solidFill>
-                <a:latin typeface="Calibri" charset="0"/>
-              </a:rPr>
-              <a:pPr eaLnBrk="1" hangingPunct="1"/>
-              <a:t>9</a:t>
-            </a:fld>
-            <a:endParaRPr lang="en-US" sz="1200">
-              <a:solidFill>
-                <a:srgbClr val="898989"/>
-              </a:solidFill>
-              <a:latin typeface="Calibri" charset="0"/>
-            </a:endParaRPr>
+            <a:r>
+              <a:rPr lang="en-US" dirty="0"/>
+              <a:t>What platform was this read generated from? </a:t>
+            </a:r>
           </a:p>
         </p:txBody>
       </p:sp>
       <p:pic>
         <p:nvPicPr>
-          <p:cNvPr id="59396" name="Picture 4" descr="Picture 10.png"/>
+          <p:cNvPr id="5" name="Picture 4" descr="Screenshot 2016-02-15 13.48.51.png"/>
           <p:cNvPicPr>
             <a:picLocks noChangeAspect="1"/>
           </p:cNvPicPr>
           <p:nvPr/>
         </p:nvPicPr>
         <p:blipFill>
-          <a:blip r:embed="rId3">
+          <a:blip r:embed="rId2">
             <a:extLst>
               <a:ext uri="{28A0092B-C50C-407E-A947-70E740481C1C}">
                 <a14:useLocalDpi xmlns:a14="http://schemas.microsoft.com/office/drawing/2010/main" val="0"/>
               </a:ext>
             </a:extLst>
           </a:blip>
-          <a:srcRect/>
           <a:stretch>
             <a:fillRect/>
           </a:stretch>
         </p:blipFill>
-        <p:spPr bwMode="auto">
+        <p:spPr>
           <a:xfrm>
-            <a:off x="4533900" y="1017588"/>
-            <a:ext cx="4570413" cy="2155825"/>
+            <a:off x="522056" y="1778000"/>
+            <a:ext cx="3749830" cy="4213954"/>
+          </a:xfrm>
+          <a:prstGeom prst="rect">
+            <a:avLst/>
+          </a:prstGeom>
+        </p:spPr>
+      </p:pic>
+      <p:sp>
+        <p:nvSpPr>
+          <p:cNvPr id="6" name="TextBox 5"/>
+          <p:cNvSpPr txBox="1"/>
+          <p:nvPr/>
+        </p:nvSpPr>
+        <p:spPr>
+          <a:xfrm>
+            <a:off x="4419600" y="2743200"/>
+            <a:ext cx="4356100" cy="1815882"/>
           </a:xfrm>
           <a:prstGeom prst="rect">
             <a:avLst/>
           </a:prstGeom>
           <a:noFill/>
-          <a:ln>
-            <a:noFill/>
-          </a:ln>
-          <a:extLst>
-            <a:ext uri="{909E8E84-426E-40dd-AFC4-6F175D3DCCD1}">
-              <a14:hiddenFill xmlns:a14="http://schemas.microsoft.com/office/drawing/2010/main" xmlns="">
-                <a:solidFill>
-                  <a:srgbClr val="FFFFFF"/>
-                </a:solidFill>
-              </a14:hiddenFill>
-            </a:ext>
-            <a:ext uri="{91240B29-F687-4f45-9708-019B960494DF}">
-              <a14:hiddenLine xmlns:a14="http://schemas.microsoft.com/office/drawing/2010/main" xmlns="" w="9525">
-                <a:solidFill>
-                  <a:srgbClr val="000000"/>
-                </a:solidFill>
-                <a:miter lim="800000"/>
-                <a:headEnd/>
-                <a:tailEnd/>
-              </a14:hiddenLine>
-            </a:ext>
-          </a:extLst>
-        </p:spPr>
-      </p:pic>
-      <p:pic>
-        <p:nvPicPr>
-          <p:cNvPr id="59397" name="Picture 5" descr="Picture 11.png"/>
-          <p:cNvPicPr>
-            <a:picLocks noChangeAspect="1"/>
-          </p:cNvPicPr>
-          <p:nvPr/>
-        </p:nvPicPr>
-        <p:blipFill>
-          <a:blip r:embed="rId4">
-            <a:extLst>
-              <a:ext uri="{28A0092B-C50C-407E-A947-70E740481C1C}">
-                <a14:useLocalDpi xmlns:a14="http://schemas.microsoft.com/office/drawing/2010/main" val="0"/>
-              </a:ext>
-            </a:extLst>
-          </a:blip>
-          <a:srcRect/>
-          <a:stretch>
-            <a:fillRect/>
-          </a:stretch>
-        </p:blipFill>
-        <p:spPr bwMode="auto">
-          <a:xfrm>
-            <a:off x="266700" y="3173413"/>
-            <a:ext cx="5105400" cy="3685152"/>
-          </a:xfrm>
-          <a:prstGeom prst="rect">
-            <a:avLst/>
-          </a:prstGeom>
-          <a:noFill/>
-          <a:ln>
-            <a:noFill/>
-          </a:ln>
-          <a:extLst>
-            <a:ext uri="{909E8E84-426E-40dd-AFC4-6F175D3DCCD1}">
-              <a14:hiddenFill xmlns:a14="http://schemas.microsoft.com/office/drawing/2010/main" xmlns="">
-                <a:solidFill>
-                  <a:srgbClr val="FFFFFF"/>
-                </a:solidFill>
-              </a14:hiddenFill>
-            </a:ext>
-            <a:ext uri="{91240B29-F687-4f45-9708-019B960494DF}">
-              <a14:hiddenLine xmlns:a14="http://schemas.microsoft.com/office/drawing/2010/main" xmlns="" w="9525">
-                <a:solidFill>
-                  <a:srgbClr val="000000"/>
-                </a:solidFill>
-                <a:miter lim="800000"/>
-                <a:headEnd/>
-                <a:tailEnd/>
-              </a14:hiddenLine>
-            </a:ext>
-          </a:extLst>
-        </p:spPr>
-      </p:pic>
-      <p:pic>
-        <p:nvPicPr>
-          <p:cNvPr id="59398" name="Picture 28"/>
-          <p:cNvPicPr>
-            <a:picLocks noChangeAspect="1"/>
-          </p:cNvPicPr>
-          <p:nvPr/>
-        </p:nvPicPr>
-        <p:blipFill>
-          <a:blip r:embed="rId5">
-            <a:extLst>
-              <a:ext uri="{28A0092B-C50C-407E-A947-70E740481C1C}">
-                <a14:useLocalDpi xmlns:a14="http://schemas.microsoft.com/office/drawing/2010/main" val="0"/>
-              </a:ext>
-            </a:extLst>
-          </a:blip>
-          <a:srcRect/>
-          <a:stretch>
-            <a:fillRect/>
-          </a:stretch>
-        </p:blipFill>
-        <p:spPr bwMode="auto">
-          <a:xfrm>
-            <a:off x="5105401" y="4407819"/>
-            <a:ext cx="3194146" cy="1746250"/>
-          </a:xfrm>
-          <a:prstGeom prst="rect">
-            <a:avLst/>
-          </a:prstGeom>
-          <a:noFill/>
-          <a:ln>
-            <a:noFill/>
-          </a:ln>
-          <a:extLst>
-            <a:ext uri="{909E8E84-426E-40dd-AFC4-6F175D3DCCD1}">
-              <a14:hiddenFill xmlns:a14="http://schemas.microsoft.com/office/drawing/2010/main" xmlns="">
-                <a:solidFill>
-                  <a:srgbClr val="FFFFFF"/>
-                </a:solidFill>
-              </a14:hiddenFill>
-            </a:ext>
-            <a:ext uri="{91240B29-F687-4f45-9708-019B960494DF}">
-              <a14:hiddenLine xmlns:a14="http://schemas.microsoft.com/office/drawing/2010/main" xmlns="" w="9525">
-                <a:solidFill>
-                  <a:srgbClr val="000000"/>
-                </a:solidFill>
-                <a:miter lim="800000"/>
-                <a:headEnd/>
-                <a:tailEnd/>
-              </a14:hiddenLine>
-            </a:ext>
-          </a:extLst>
-        </p:spPr>
-      </p:pic>
-      <p:pic>
-        <p:nvPicPr>
-          <p:cNvPr id="59399" name="Picture 1" descr="Screen Shot 2015-02-12 at 11.11.22 AM.png"/>
-          <p:cNvPicPr>
-            <a:picLocks noChangeAspect="1"/>
-          </p:cNvPicPr>
-          <p:nvPr/>
-        </p:nvPicPr>
-        <p:blipFill>
-          <a:blip r:embed="rId6">
-            <a:extLst>
-              <a:ext uri="{28A0092B-C50C-407E-A947-70E740481C1C}">
-                <a14:useLocalDpi xmlns:a14="http://schemas.microsoft.com/office/drawing/2010/main" val="0"/>
-              </a:ext>
-            </a:extLst>
-          </a:blip>
-          <a:srcRect/>
-          <a:stretch>
-            <a:fillRect/>
-          </a:stretch>
-        </p:blipFill>
-        <p:spPr bwMode="auto">
-          <a:xfrm>
-            <a:off x="7416801" y="3405188"/>
-            <a:ext cx="1270000" cy="1002631"/>
-          </a:xfrm>
-          <a:prstGeom prst="rect">
-            <a:avLst/>
-          </a:prstGeom>
-          <a:noFill/>
-          <a:ln>
-            <a:noFill/>
-          </a:ln>
-          <a:extLst>
-            <a:ext uri="{909E8E84-426E-40dd-AFC4-6F175D3DCCD1}">
-              <a14:hiddenFill xmlns:a14="http://schemas.microsoft.com/office/drawing/2010/main" xmlns="">
-                <a:solidFill>
-                  <a:srgbClr val="FFFFFF"/>
-                </a:solidFill>
-              </a14:hiddenFill>
-            </a:ext>
-            <a:ext uri="{91240B29-F687-4f45-9708-019B960494DF}">
-              <a14:hiddenLine xmlns:a14="http://schemas.microsoft.com/office/drawing/2010/main" xmlns="" w="9525">
-                <a:solidFill>
-                  <a:srgbClr val="000000"/>
-                </a:solidFill>
-                <a:miter lim="800000"/>
-                <a:headEnd/>
-                <a:tailEnd/>
-              </a14:hiddenLine>
-            </a:ext>
-          </a:extLst>
-        </p:spPr>
-      </p:pic>
+        </p:spPr>
+        <p:txBody>
+          <a:bodyPr wrap="square" rtlCol="0">
+            <a:spAutoFit/>
+          </a:bodyPr>
+          <a:lstStyle/>
+          <a:p>
+            <a:r>
+              <a:rPr lang="en-US" sz="2800" dirty="0"/>
+              <a:t>Average quality?</a:t>
+            </a:r>
+          </a:p>
+          <a:p>
+            <a:endParaRPr lang="en-US" sz="2800" dirty="0"/>
+          </a:p>
+          <a:p>
+            <a:r>
+              <a:rPr lang="en-US" sz="2800" dirty="0"/>
+              <a:t>Average probability of error rate?</a:t>
+            </a:r>
+          </a:p>
+        </p:txBody>
+      </p:sp>
     </p:spTree>
     <p:extLst>
       <p:ext uri="{BB962C8B-B14F-4D97-AF65-F5344CB8AC3E}">
-        <p14:creationId xmlns:p14="http://schemas.microsoft.com/office/powerpoint/2010/main" val="3751800578"/>
+        <p14:creationId xmlns:p14="http://schemas.microsoft.com/office/powerpoint/2010/main" val="2785777529"/>
       </p:ext>
     </p:extLst>
   </p:cSld>
